--- a/assets/images/sourcetextgraphics.pptx
+++ b/assets/images/sourcetextgraphics.pptx
@@ -104,6 +104,11 @@
       </a:defRPr>
     </a:lvl9pPr>
   </p:defaultTextStyle>
+  <p:extLst>
+    <p:ext uri="{EFAFB233-063F-42B5-8137-9DF3F51BA10A}">
+      <p15:sldGuideLst xmlns:p15="http://schemas.microsoft.com/office/powerpoint/2012/main"/>
+    </p:ext>
+  </p:extLst>
 </p:presentation>
 </file>
 
@@ -3346,18 +3351,21 @@
         </p:nvSpPr>
         <p:spPr>
           <a:xfrm>
-            <a:off x="638629" y="391886"/>
-            <a:ext cx="12525828" cy="6023428"/>
+            <a:off x="237067" y="544286"/>
+            <a:ext cx="10871200" cy="4789714"/>
           </a:xfrm>
           <a:prstGeom prst="rect">
             <a:avLst/>
           </a:prstGeom>
           <a:solidFill>
             <a:schemeClr val="tx1">
-              <a:lumMod val="85000"/>
-              <a:lumOff val="15000"/>
+              <a:lumMod val="95000"/>
+              <a:lumOff val="5000"/>
             </a:schemeClr>
           </a:solidFill>
+          <a:ln>
+            <a:noFill/>
+          </a:ln>
         </p:spPr>
         <p:style>
           <a:lnRef idx="2">
@@ -3811,7 +3819,7 @@
                 <a:latin typeface="Consolas" panose="020B0609020204030204" pitchFamily="49" charset="0"/>
                 <a:cs typeface="Consolas" panose="020B0609020204030204" pitchFamily="49" charset="0"/>
               </a:rPr>
-              <a:t>±1 </a:t>
+              <a:t>+1 </a:t>
             </a:r>
             <a:r>
               <a:rPr lang="sv-SE" sz="1200" b="1" dirty="0" err="1">

--- a/assets/images/sourcetextgraphics.pptx
+++ b/assets/images/sourcetextgraphics.pptx
@@ -6,6 +6,11 @@
   </p:sldMasterIdLst>
   <p:sldIdLst>
     <p:sldId id="256" r:id="rId2"/>
+    <p:sldId id="258" r:id="rId3"/>
+    <p:sldId id="260" r:id="rId4"/>
+    <p:sldId id="259" r:id="rId5"/>
+    <p:sldId id="257" r:id="rId6"/>
+    <p:sldId id="261" r:id="rId7"/>
   </p:sldIdLst>
   <p:sldSz cx="12192000" cy="6858000"/>
   <p:notesSz cx="6858000" cy="9144000"/>
@@ -259,7 +264,7 @@
           <a:p>
             <a:fld id="{A58EDA57-8882-434E-B333-FCF9F718DB4F}" type="datetimeFigureOut">
               <a:rPr lang="sv-SE" smtClean="0"/>
-              <a:t>2026-01-04</a:t>
+              <a:t>2026-01-06</a:t>
             </a:fld>
             <a:endParaRPr lang="sv-SE"/>
           </a:p>
@@ -457,7 +462,7 @@
           <a:p>
             <a:fld id="{A58EDA57-8882-434E-B333-FCF9F718DB4F}" type="datetimeFigureOut">
               <a:rPr lang="sv-SE" smtClean="0"/>
-              <a:t>2026-01-04</a:t>
+              <a:t>2026-01-06</a:t>
             </a:fld>
             <a:endParaRPr lang="sv-SE"/>
           </a:p>
@@ -665,7 +670,7 @@
           <a:p>
             <a:fld id="{A58EDA57-8882-434E-B333-FCF9F718DB4F}" type="datetimeFigureOut">
               <a:rPr lang="sv-SE" smtClean="0"/>
-              <a:t>2026-01-04</a:t>
+              <a:t>2026-01-06</a:t>
             </a:fld>
             <a:endParaRPr lang="sv-SE"/>
           </a:p>
@@ -863,7 +868,7 @@
           <a:p>
             <a:fld id="{A58EDA57-8882-434E-B333-FCF9F718DB4F}" type="datetimeFigureOut">
               <a:rPr lang="sv-SE" smtClean="0"/>
-              <a:t>2026-01-04</a:t>
+              <a:t>2026-01-06</a:t>
             </a:fld>
             <a:endParaRPr lang="sv-SE"/>
           </a:p>
@@ -1138,7 +1143,7 @@
           <a:p>
             <a:fld id="{A58EDA57-8882-434E-B333-FCF9F718DB4F}" type="datetimeFigureOut">
               <a:rPr lang="sv-SE" smtClean="0"/>
-              <a:t>2026-01-04</a:t>
+              <a:t>2026-01-06</a:t>
             </a:fld>
             <a:endParaRPr lang="sv-SE"/>
           </a:p>
@@ -1403,7 +1408,7 @@
           <a:p>
             <a:fld id="{A58EDA57-8882-434E-B333-FCF9F718DB4F}" type="datetimeFigureOut">
               <a:rPr lang="sv-SE" smtClean="0"/>
-              <a:t>2026-01-04</a:t>
+              <a:t>2026-01-06</a:t>
             </a:fld>
             <a:endParaRPr lang="sv-SE"/>
           </a:p>
@@ -1815,7 +1820,7 @@
           <a:p>
             <a:fld id="{A58EDA57-8882-434E-B333-FCF9F718DB4F}" type="datetimeFigureOut">
               <a:rPr lang="sv-SE" smtClean="0"/>
-              <a:t>2026-01-04</a:t>
+              <a:t>2026-01-06</a:t>
             </a:fld>
             <a:endParaRPr lang="sv-SE"/>
           </a:p>
@@ -1956,7 +1961,7 @@
           <a:p>
             <a:fld id="{A58EDA57-8882-434E-B333-FCF9F718DB4F}" type="datetimeFigureOut">
               <a:rPr lang="sv-SE" smtClean="0"/>
-              <a:t>2026-01-04</a:t>
+              <a:t>2026-01-06</a:t>
             </a:fld>
             <a:endParaRPr lang="sv-SE"/>
           </a:p>
@@ -2069,7 +2074,7 @@
           <a:p>
             <a:fld id="{A58EDA57-8882-434E-B333-FCF9F718DB4F}" type="datetimeFigureOut">
               <a:rPr lang="sv-SE" smtClean="0"/>
-              <a:t>2026-01-04</a:t>
+              <a:t>2026-01-06</a:t>
             </a:fld>
             <a:endParaRPr lang="sv-SE"/>
           </a:p>
@@ -2380,7 +2385,7 @@
           <a:p>
             <a:fld id="{A58EDA57-8882-434E-B333-FCF9F718DB4F}" type="datetimeFigureOut">
               <a:rPr lang="sv-SE" smtClean="0"/>
-              <a:t>2026-01-04</a:t>
+              <a:t>2026-01-06</a:t>
             </a:fld>
             <a:endParaRPr lang="sv-SE"/>
           </a:p>
@@ -2668,7 +2673,7 @@
           <a:p>
             <a:fld id="{A58EDA57-8882-434E-B333-FCF9F718DB4F}" type="datetimeFigureOut">
               <a:rPr lang="sv-SE" smtClean="0"/>
-              <a:t>2026-01-04</a:t>
+              <a:t>2026-01-06</a:t>
             </a:fld>
             <a:endParaRPr lang="sv-SE"/>
           </a:p>
@@ -2909,7 +2914,7 @@
           <a:p>
             <a:fld id="{A58EDA57-8882-434E-B333-FCF9F718DB4F}" type="datetimeFigureOut">
               <a:rPr lang="sv-SE" smtClean="0"/>
-              <a:t>2026-01-04</a:t>
+              <a:t>2026-01-06</a:t>
             </a:fld>
             <a:endParaRPr lang="sv-SE"/>
           </a:p>
@@ -5162,6 +5167,7990 @@
 </p:sld>
 </file>
 
+<file path=ppt/slides/slide2.xml><?xml version="1.0" encoding="utf-8"?>
+<p:sld xmlns:a="http://schemas.openxmlformats.org/drawingml/2006/main" xmlns:r="http://schemas.openxmlformats.org/officeDocument/2006/relationships" xmlns:p="http://schemas.openxmlformats.org/presentationml/2006/main">
+  <p:cSld>
+    <p:bg>
+      <p:bgPr>
+        <a:solidFill>
+          <a:schemeClr val="tx1">
+            <a:lumMod val="85000"/>
+            <a:lumOff val="15000"/>
+          </a:schemeClr>
+        </a:solidFill>
+        <a:effectLst/>
+      </p:bgPr>
+    </p:bg>
+    <p:spTree>
+      <p:nvGrpSpPr>
+        <p:cNvPr id="1" name="">
+          <a:extLst>
+            <a:ext uri="{FF2B5EF4-FFF2-40B4-BE49-F238E27FC236}">
+              <a16:creationId xmlns:a16="http://schemas.microsoft.com/office/drawing/2014/main" id="{1E4BA7CE-BA21-16DA-E91C-E864565874CC}"/>
+            </a:ext>
+          </a:extLst>
+        </p:cNvPr>
+        <p:cNvGrpSpPr/>
+        <p:nvPr/>
+      </p:nvGrpSpPr>
+      <p:grpSpPr>
+        <a:xfrm>
+          <a:off x="0" y="0"/>
+          <a:ext cx="0" cy="0"/>
+          <a:chOff x="0" y="0"/>
+          <a:chExt cx="0" cy="0"/>
+        </a:xfrm>
+      </p:grpSpPr>
+      <p:sp>
+        <p:nvSpPr>
+          <p:cNvPr id="4" name="Rektangel 3">
+            <a:extLst>
+              <a:ext uri="{FF2B5EF4-FFF2-40B4-BE49-F238E27FC236}">
+                <a16:creationId xmlns:a16="http://schemas.microsoft.com/office/drawing/2014/main" id="{556DD957-55B7-24B5-0052-65D716202820}"/>
+              </a:ext>
+            </a:extLst>
+          </p:cNvPr>
+          <p:cNvSpPr/>
+          <p:nvPr/>
+        </p:nvSpPr>
+        <p:spPr>
+          <a:xfrm>
+            <a:off x="237067" y="544286"/>
+            <a:ext cx="10871200" cy="4789714"/>
+          </a:xfrm>
+          <a:prstGeom prst="rect">
+            <a:avLst/>
+          </a:prstGeom>
+          <a:solidFill>
+            <a:schemeClr val="tx1">
+              <a:lumMod val="95000"/>
+              <a:lumOff val="5000"/>
+            </a:schemeClr>
+          </a:solidFill>
+          <a:ln>
+            <a:noFill/>
+          </a:ln>
+        </p:spPr>
+        <p:style>
+          <a:lnRef idx="2">
+            <a:schemeClr val="accent1">
+              <a:shade val="15000"/>
+            </a:schemeClr>
+          </a:lnRef>
+          <a:fillRef idx="1">
+            <a:schemeClr val="accent1"/>
+          </a:fillRef>
+          <a:effectRef idx="0">
+            <a:schemeClr val="accent1"/>
+          </a:effectRef>
+          <a:fontRef idx="minor">
+            <a:schemeClr val="lt1"/>
+          </a:fontRef>
+        </p:style>
+        <p:txBody>
+          <a:bodyPr rtlCol="0" anchor="ctr"/>
+          <a:lstStyle/>
+          <a:p>
+            <a:r>
+              <a:rPr lang="sv-SE" sz="1200" dirty="0">
+                <a:solidFill>
+                  <a:schemeClr val="bg2">
+                    <a:lumMod val="90000"/>
+                  </a:schemeClr>
+                </a:solidFill>
+                <a:latin typeface="Consolas" panose="020B0609020204030204" pitchFamily="49" charset="0"/>
+                <a:cs typeface="Consolas" panose="020B0609020204030204" pitchFamily="49" charset="0"/>
+              </a:rPr>
+              <a:t>           </a:t>
+            </a:r>
+            <a:r>
+              <a:rPr lang="sv-SE" sz="1200" b="1" dirty="0">
+                <a:solidFill>
+                  <a:schemeClr val="bg2">
+                    <a:lumMod val="90000"/>
+                  </a:schemeClr>
+                </a:solidFill>
+                <a:latin typeface="Consolas" panose="020B0609020204030204" pitchFamily="49" charset="0"/>
+                <a:cs typeface="Consolas" panose="020B0609020204030204" pitchFamily="49" charset="0"/>
+              </a:rPr>
+              <a:t>for</a:t>
+            </a:r>
+            <a:r>
+              <a:rPr lang="sv-SE" sz="1200" dirty="0">
+                <a:solidFill>
+                  <a:schemeClr val="bg2">
+                    <a:lumMod val="90000"/>
+                  </a:schemeClr>
+                </a:solidFill>
+                <a:latin typeface="Consolas" panose="020B0609020204030204" pitchFamily="49" charset="0"/>
+                <a:cs typeface="Consolas" panose="020B0609020204030204" pitchFamily="49" charset="0"/>
+              </a:rPr>
+              <a:t> (var i = 0; i &lt; </a:t>
+            </a:r>
+            <a:r>
+              <a:rPr lang="sv-SE" sz="1200" dirty="0" err="1">
+                <a:solidFill>
+                  <a:schemeClr val="bg2">
+                    <a:lumMod val="90000"/>
+                  </a:schemeClr>
+                </a:solidFill>
+                <a:latin typeface="Consolas" panose="020B0609020204030204" pitchFamily="49" charset="0"/>
+                <a:cs typeface="Consolas" panose="020B0609020204030204" pitchFamily="49" charset="0"/>
+              </a:rPr>
+              <a:t>array.Items.Count</a:t>
+            </a:r>
+            <a:r>
+              <a:rPr lang="sv-SE" sz="1200" dirty="0">
+                <a:solidFill>
+                  <a:schemeClr val="bg2">
+                    <a:lumMod val="90000"/>
+                  </a:schemeClr>
+                </a:solidFill>
+                <a:latin typeface="Consolas" panose="020B0609020204030204" pitchFamily="49" charset="0"/>
+                <a:cs typeface="Consolas" panose="020B0609020204030204" pitchFamily="49" charset="0"/>
+              </a:rPr>
+              <a:t>; i++)</a:t>
+            </a:r>
+          </a:p>
+          <a:p>
+            <a:r>
+              <a:rPr lang="sv-SE" sz="1200" dirty="0">
+                <a:solidFill>
+                  <a:schemeClr val="bg2">
+                    <a:lumMod val="90000"/>
+                  </a:schemeClr>
+                </a:solidFill>
+                <a:latin typeface="Consolas" panose="020B0609020204030204" pitchFamily="49" charset="0"/>
+                <a:cs typeface="Consolas" panose="020B0609020204030204" pitchFamily="49" charset="0"/>
+              </a:rPr>
+              <a:t>           </a:t>
+            </a:r>
+            <a:r>
+              <a:rPr lang="sv-SE" sz="1200" b="1" dirty="0">
+                <a:solidFill>
+                  <a:schemeClr val="bg2">
+                    <a:lumMod val="90000"/>
+                  </a:schemeClr>
+                </a:solidFill>
+                <a:latin typeface="Consolas" panose="020B0609020204030204" pitchFamily="49" charset="0"/>
+                <a:cs typeface="Consolas" panose="020B0609020204030204" pitchFamily="49" charset="0"/>
+              </a:rPr>
+              <a:t>{</a:t>
+            </a:r>
+            <a:br>
+              <a:rPr lang="sv-SE" sz="1200" dirty="0">
+                <a:solidFill>
+                  <a:schemeClr val="bg2">
+                    <a:lumMod val="90000"/>
+                  </a:schemeClr>
+                </a:solidFill>
+                <a:latin typeface="Consolas" panose="020B0609020204030204" pitchFamily="49" charset="0"/>
+                <a:cs typeface="Consolas" panose="020B0609020204030204" pitchFamily="49" charset="0"/>
+              </a:rPr>
+            </a:br>
+            <a:r>
+              <a:rPr lang="sv-SE" sz="1200" dirty="0">
+                <a:solidFill>
+                  <a:schemeClr val="bg2">
+                    <a:lumMod val="90000"/>
+                  </a:schemeClr>
+                </a:solidFill>
+                <a:latin typeface="Consolas" panose="020B0609020204030204" pitchFamily="49" charset="0"/>
+                <a:cs typeface="Consolas" panose="020B0609020204030204" pitchFamily="49" charset="0"/>
+              </a:rPr>
+              <a:t>              </a:t>
+            </a:r>
+            <a:r>
+              <a:rPr lang="sv-SE" sz="1200" b="1" dirty="0">
+                <a:solidFill>
+                  <a:schemeClr val="bg2">
+                    <a:lumMod val="90000"/>
+                  </a:schemeClr>
+                </a:solidFill>
+                <a:latin typeface="Consolas" panose="020B0609020204030204" pitchFamily="49" charset="0"/>
+                <a:cs typeface="Consolas" panose="020B0609020204030204" pitchFamily="49" charset="0"/>
+              </a:rPr>
+              <a:t>var</a:t>
+            </a:r>
+            <a:r>
+              <a:rPr lang="sv-SE" sz="1200" dirty="0">
+                <a:solidFill>
+                  <a:schemeClr val="bg2">
+                    <a:lumMod val="90000"/>
+                  </a:schemeClr>
+                </a:solidFill>
+                <a:latin typeface="Consolas" panose="020B0609020204030204" pitchFamily="49" charset="0"/>
+                <a:cs typeface="Consolas" panose="020B0609020204030204" pitchFamily="49" charset="0"/>
+              </a:rPr>
+              <a:t> item = </a:t>
+            </a:r>
+            <a:r>
+              <a:rPr lang="sv-SE" sz="1200" dirty="0" err="1">
+                <a:solidFill>
+                  <a:schemeClr val="bg2">
+                    <a:lumMod val="90000"/>
+                  </a:schemeClr>
+                </a:solidFill>
+                <a:latin typeface="Consolas" panose="020B0609020204030204" pitchFamily="49" charset="0"/>
+                <a:cs typeface="Consolas" panose="020B0609020204030204" pitchFamily="49" charset="0"/>
+              </a:rPr>
+              <a:t>array.Items</a:t>
+            </a:r>
+            <a:r>
+              <a:rPr lang="sv-SE" sz="1200" dirty="0">
+                <a:solidFill>
+                  <a:schemeClr val="bg2">
+                    <a:lumMod val="90000"/>
+                  </a:schemeClr>
+                </a:solidFill>
+                <a:latin typeface="Consolas" panose="020B0609020204030204" pitchFamily="49" charset="0"/>
+                <a:cs typeface="Consolas" panose="020B0609020204030204" pitchFamily="49" charset="0"/>
+              </a:rPr>
+              <a:t>[i];</a:t>
+            </a:r>
+          </a:p>
+          <a:p>
+            <a:r>
+              <a:rPr lang="sv-SE" sz="1200" dirty="0">
+                <a:solidFill>
+                  <a:schemeClr val="bg2">
+                    <a:lumMod val="90000"/>
+                  </a:schemeClr>
+                </a:solidFill>
+                <a:latin typeface="Consolas" panose="020B0609020204030204" pitchFamily="49" charset="0"/>
+                <a:cs typeface="Consolas" panose="020B0609020204030204" pitchFamily="49" charset="0"/>
+              </a:rPr>
+              <a:t>              </a:t>
+            </a:r>
+            <a:r>
+              <a:rPr lang="sv-SE" sz="1200" b="1" dirty="0" err="1">
+                <a:solidFill>
+                  <a:schemeClr val="bg2">
+                    <a:lumMod val="90000"/>
+                  </a:schemeClr>
+                </a:solidFill>
+                <a:latin typeface="Consolas" panose="020B0609020204030204" pitchFamily="49" charset="0"/>
+                <a:cs typeface="Consolas" panose="020B0609020204030204" pitchFamily="49" charset="0"/>
+              </a:rPr>
+              <a:t>if</a:t>
+            </a:r>
+            <a:r>
+              <a:rPr lang="sv-SE" sz="1200" dirty="0">
+                <a:solidFill>
+                  <a:schemeClr val="bg2">
+                    <a:lumMod val="90000"/>
+                  </a:schemeClr>
+                </a:solidFill>
+                <a:latin typeface="Consolas" panose="020B0609020204030204" pitchFamily="49" charset="0"/>
+                <a:cs typeface="Consolas" panose="020B0609020204030204" pitchFamily="49" charset="0"/>
+              </a:rPr>
+              <a:t> (</a:t>
+            </a:r>
+            <a:r>
+              <a:rPr lang="sv-SE" sz="1200" dirty="0" err="1">
+                <a:solidFill>
+                  <a:schemeClr val="bg2">
+                    <a:lumMod val="90000"/>
+                  </a:schemeClr>
+                </a:solidFill>
+                <a:latin typeface="Consolas" panose="020B0609020204030204" pitchFamily="49" charset="0"/>
+                <a:cs typeface="Consolas" panose="020B0609020204030204" pitchFamily="49" charset="0"/>
+              </a:rPr>
+              <a:t>item.TryGetObject</a:t>
+            </a:r>
+            <a:r>
+              <a:rPr lang="sv-SE" sz="1200" dirty="0">
+                <a:solidFill>
+                  <a:schemeClr val="bg2">
+                    <a:lumMod val="90000"/>
+                  </a:schemeClr>
+                </a:solidFill>
+                <a:latin typeface="Consolas" panose="020B0609020204030204" pitchFamily="49" charset="0"/>
+                <a:cs typeface="Consolas" panose="020B0609020204030204" pitchFamily="49" charset="0"/>
+              </a:rPr>
+              <a:t>&lt;</a:t>
+            </a:r>
+            <a:r>
+              <a:rPr lang="sv-SE" sz="1200" dirty="0" err="1">
+                <a:solidFill>
+                  <a:schemeClr val="bg2">
+                    <a:lumMod val="90000"/>
+                  </a:schemeClr>
+                </a:solidFill>
+                <a:latin typeface="Consolas" panose="020B0609020204030204" pitchFamily="49" charset="0"/>
+                <a:cs typeface="Consolas" panose="020B0609020204030204" pitchFamily="49" charset="0"/>
+              </a:rPr>
+              <a:t>JsObject</a:t>
+            </a:r>
+            <a:r>
+              <a:rPr lang="sv-SE" sz="1200" dirty="0">
+                <a:solidFill>
+                  <a:schemeClr val="bg2">
+                    <a:lumMod val="90000"/>
+                  </a:schemeClr>
+                </a:solidFill>
+                <a:latin typeface="Consolas" panose="020B0609020204030204" pitchFamily="49" charset="0"/>
+                <a:cs typeface="Consolas" panose="020B0609020204030204" pitchFamily="49" charset="0"/>
+              </a:rPr>
+              <a:t>&gt;(</a:t>
+            </a:r>
+            <a:r>
+              <a:rPr lang="sv-SE" sz="1200" dirty="0" err="1">
+                <a:solidFill>
+                  <a:schemeClr val="bg2">
+                    <a:lumMod val="90000"/>
+                  </a:schemeClr>
+                </a:solidFill>
+                <a:latin typeface="Consolas" panose="020B0609020204030204" pitchFamily="49" charset="0"/>
+                <a:cs typeface="Consolas" panose="020B0609020204030204" pitchFamily="49" charset="0"/>
+              </a:rPr>
+              <a:t>out</a:t>
+            </a:r>
+            <a:r>
+              <a:rPr lang="sv-SE" sz="1200" dirty="0">
+                <a:solidFill>
+                  <a:schemeClr val="bg2">
+                    <a:lumMod val="90000"/>
+                  </a:schemeClr>
+                </a:solidFill>
+                <a:latin typeface="Consolas" panose="020B0609020204030204" pitchFamily="49" charset="0"/>
+                <a:cs typeface="Consolas" panose="020B0609020204030204" pitchFamily="49" charset="0"/>
+              </a:rPr>
+              <a:t> var </a:t>
+            </a:r>
+            <a:r>
+              <a:rPr lang="sv-SE" sz="1200" dirty="0" err="1">
+                <a:solidFill>
+                  <a:schemeClr val="bg2">
+                    <a:lumMod val="90000"/>
+                  </a:schemeClr>
+                </a:solidFill>
+                <a:latin typeface="Consolas" panose="020B0609020204030204" pitchFamily="49" charset="0"/>
+                <a:cs typeface="Consolas" panose="020B0609020204030204" pitchFamily="49" charset="0"/>
+              </a:rPr>
+              <a:t>itemObj</a:t>
+            </a:r>
+            <a:r>
+              <a:rPr lang="sv-SE" sz="1200" dirty="0">
+                <a:solidFill>
+                  <a:schemeClr val="bg2">
+                    <a:lumMod val="90000"/>
+                  </a:schemeClr>
+                </a:solidFill>
+                <a:latin typeface="Consolas" panose="020B0609020204030204" pitchFamily="49" charset="0"/>
+                <a:cs typeface="Consolas" panose="020B0609020204030204" pitchFamily="49" charset="0"/>
+              </a:rPr>
+              <a:t>) &amp;&amp; </a:t>
+            </a:r>
+            <a:r>
+              <a:rPr lang="sv-SE" sz="1200" dirty="0" err="1">
+                <a:solidFill>
+                  <a:schemeClr val="bg2">
+                    <a:lumMod val="90000"/>
+                  </a:schemeClr>
+                </a:solidFill>
+                <a:latin typeface="Consolas" panose="020B0609020204030204" pitchFamily="49" charset="0"/>
+                <a:cs typeface="Consolas" panose="020B0609020204030204" pitchFamily="49" charset="0"/>
+              </a:rPr>
+              <a:t>itemObj.TryGetProperty</a:t>
+            </a:r>
+            <a:r>
+              <a:rPr lang="sv-SE" sz="1200" dirty="0">
+                <a:solidFill>
+                  <a:schemeClr val="bg2">
+                    <a:lumMod val="90000"/>
+                  </a:schemeClr>
+                </a:solidFill>
+                <a:latin typeface="Consolas" panose="020B0609020204030204" pitchFamily="49" charset="0"/>
+                <a:cs typeface="Consolas" panose="020B0609020204030204" pitchFamily="49" charset="0"/>
+              </a:rPr>
+              <a:t>("</a:t>
+            </a:r>
+            <a:r>
+              <a:rPr lang="sv-SE" sz="1200" dirty="0" err="1">
+                <a:solidFill>
+                  <a:schemeClr val="bg2">
+                    <a:lumMod val="90000"/>
+                  </a:schemeClr>
+                </a:solidFill>
+                <a:latin typeface="Consolas" panose="020B0609020204030204" pitchFamily="49" charset="0"/>
+                <a:cs typeface="Consolas" panose="020B0609020204030204" pitchFamily="49" charset="0"/>
+              </a:rPr>
+              <a:t>then</a:t>
+            </a:r>
+            <a:r>
+              <a:rPr lang="sv-SE" sz="1200" dirty="0">
+                <a:solidFill>
+                  <a:schemeClr val="bg2">
+                    <a:lumMod val="90000"/>
+                  </a:schemeClr>
+                </a:solidFill>
+                <a:latin typeface="Consolas" panose="020B0609020204030204" pitchFamily="49" charset="0"/>
+                <a:cs typeface="Consolas" panose="020B0609020204030204" pitchFamily="49" charset="0"/>
+              </a:rPr>
+              <a:t>", </a:t>
+            </a:r>
+            <a:r>
+              <a:rPr lang="sv-SE" sz="1200" dirty="0" err="1">
+                <a:solidFill>
+                  <a:schemeClr val="bg2">
+                    <a:lumMod val="90000"/>
+                  </a:schemeClr>
+                </a:solidFill>
+                <a:latin typeface="Consolas" panose="020B0609020204030204" pitchFamily="49" charset="0"/>
+                <a:cs typeface="Consolas" panose="020B0609020204030204" pitchFamily="49" charset="0"/>
+              </a:rPr>
+              <a:t>out</a:t>
+            </a:r>
+            <a:r>
+              <a:rPr lang="sv-SE" sz="1200" dirty="0">
+                <a:solidFill>
+                  <a:schemeClr val="bg2">
+                    <a:lumMod val="90000"/>
+                  </a:schemeClr>
+                </a:solidFill>
+                <a:latin typeface="Consolas" panose="020B0609020204030204" pitchFamily="49" charset="0"/>
+                <a:cs typeface="Consolas" panose="020B0609020204030204" pitchFamily="49" charset="0"/>
+              </a:rPr>
+              <a:t> var </a:t>
+            </a:r>
+            <a:r>
+              <a:rPr lang="sv-SE" sz="1200" dirty="0" err="1">
+                <a:solidFill>
+                  <a:schemeClr val="bg2">
+                    <a:lumMod val="90000"/>
+                  </a:schemeClr>
+                </a:solidFill>
+                <a:latin typeface="Consolas" panose="020B0609020204030204" pitchFamily="49" charset="0"/>
+                <a:cs typeface="Consolas" panose="020B0609020204030204" pitchFamily="49" charset="0"/>
+              </a:rPr>
+              <a:t>thenMethod</a:t>
+            </a:r>
+            <a:r>
+              <a:rPr lang="sv-SE" sz="1200" dirty="0">
+                <a:solidFill>
+                  <a:schemeClr val="bg2">
+                    <a:lumMod val="90000"/>
+                  </a:schemeClr>
+                </a:solidFill>
+                <a:latin typeface="Consolas" panose="020B0609020204030204" pitchFamily="49" charset="0"/>
+                <a:cs typeface="Consolas" panose="020B0609020204030204" pitchFamily="49" charset="0"/>
+              </a:rPr>
+              <a:t>) &amp;&amp;</a:t>
+            </a:r>
+          </a:p>
+          <a:p>
+            <a:r>
+              <a:rPr lang="sv-SE" sz="1200" dirty="0">
+                <a:solidFill>
+                  <a:schemeClr val="bg2">
+                    <a:lumMod val="90000"/>
+                  </a:schemeClr>
+                </a:solidFill>
+                <a:latin typeface="Consolas" panose="020B0609020204030204" pitchFamily="49" charset="0"/>
+                <a:cs typeface="Consolas" panose="020B0609020204030204" pitchFamily="49" charset="0"/>
+              </a:rPr>
+              <a:t>                 </a:t>
+            </a:r>
+            <a:r>
+              <a:rPr lang="sv-SE" sz="1200" b="1" dirty="0" err="1">
+                <a:solidFill>
+                  <a:schemeClr val="bg2">
+                    <a:lumMod val="90000"/>
+                  </a:schemeClr>
+                </a:solidFill>
+                <a:latin typeface="Consolas" panose="020B0609020204030204" pitchFamily="49" charset="0"/>
+                <a:cs typeface="Consolas" panose="020B0609020204030204" pitchFamily="49" charset="0"/>
+              </a:rPr>
+              <a:t>thenMethod</a:t>
+            </a:r>
+            <a:r>
+              <a:rPr lang="sv-SE" sz="1200" dirty="0" err="1">
+                <a:solidFill>
+                  <a:schemeClr val="bg2">
+                    <a:lumMod val="90000"/>
+                  </a:schemeClr>
+                </a:solidFill>
+                <a:latin typeface="Consolas" panose="020B0609020204030204" pitchFamily="49" charset="0"/>
+                <a:cs typeface="Consolas" panose="020B0609020204030204" pitchFamily="49" charset="0"/>
+              </a:rPr>
+              <a:t>.TryGetCallable</a:t>
+            </a:r>
+            <a:r>
+              <a:rPr lang="sv-SE" sz="1200" dirty="0">
+                <a:solidFill>
+                  <a:schemeClr val="bg2">
+                    <a:lumMod val="90000"/>
+                  </a:schemeClr>
+                </a:solidFill>
+                <a:latin typeface="Consolas" panose="020B0609020204030204" pitchFamily="49" charset="0"/>
+                <a:cs typeface="Consolas" panose="020B0609020204030204" pitchFamily="49" charset="0"/>
+              </a:rPr>
+              <a:t>(</a:t>
+            </a:r>
+            <a:r>
+              <a:rPr lang="sv-SE" sz="1200" dirty="0" err="1">
+                <a:solidFill>
+                  <a:schemeClr val="bg2">
+                    <a:lumMod val="90000"/>
+                  </a:schemeClr>
+                </a:solidFill>
+                <a:latin typeface="Consolas" panose="020B0609020204030204" pitchFamily="49" charset="0"/>
+                <a:cs typeface="Consolas" panose="020B0609020204030204" pitchFamily="49" charset="0"/>
+              </a:rPr>
+              <a:t>out</a:t>
+            </a:r>
+            <a:r>
+              <a:rPr lang="sv-SE" sz="1200" dirty="0">
+                <a:solidFill>
+                  <a:schemeClr val="bg2">
+                    <a:lumMod val="90000"/>
+                  </a:schemeClr>
+                </a:solidFill>
+                <a:latin typeface="Consolas" panose="020B0609020204030204" pitchFamily="49" charset="0"/>
+                <a:cs typeface="Consolas" panose="020B0609020204030204" pitchFamily="49" charset="0"/>
+              </a:rPr>
+              <a:t> var </a:t>
+            </a:r>
+            <a:r>
+              <a:rPr lang="sv-SE" sz="1200" dirty="0" err="1">
+                <a:solidFill>
+                  <a:schemeClr val="bg2">
+                    <a:lumMod val="90000"/>
+                  </a:schemeClr>
+                </a:solidFill>
+                <a:latin typeface="Consolas" panose="020B0609020204030204" pitchFamily="49" charset="0"/>
+                <a:cs typeface="Consolas" panose="020B0609020204030204" pitchFamily="49" charset="0"/>
+              </a:rPr>
+              <a:t>thenCallable</a:t>
+            </a:r>
+            <a:r>
+              <a:rPr lang="sv-SE" sz="1200" dirty="0">
+                <a:solidFill>
+                  <a:schemeClr val="bg2">
+                    <a:lumMod val="90000"/>
+                  </a:schemeClr>
+                </a:solidFill>
+                <a:latin typeface="Consolas" panose="020B0609020204030204" pitchFamily="49" charset="0"/>
+                <a:cs typeface="Consolas" panose="020B0609020204030204" pitchFamily="49" charset="0"/>
+              </a:rPr>
+              <a:t>))</a:t>
+            </a:r>
+          </a:p>
+          <a:p>
+            <a:r>
+              <a:rPr lang="sv-SE" sz="1200" dirty="0">
+                <a:solidFill>
+                  <a:schemeClr val="bg2">
+                    <a:lumMod val="90000"/>
+                  </a:schemeClr>
+                </a:solidFill>
+                <a:latin typeface="Consolas" panose="020B0609020204030204" pitchFamily="49" charset="0"/>
+                <a:cs typeface="Consolas" panose="020B0609020204030204" pitchFamily="49" charset="0"/>
+              </a:rPr>
+              <a:t>              </a:t>
+            </a:r>
+            <a:r>
+              <a:rPr lang="sv-SE" sz="1200" b="1" dirty="0">
+                <a:solidFill>
+                  <a:schemeClr val="bg2">
+                    <a:lumMod val="90000"/>
+                  </a:schemeClr>
+                </a:solidFill>
+                <a:latin typeface="Consolas" panose="020B0609020204030204" pitchFamily="49" charset="0"/>
+                <a:cs typeface="Consolas" panose="020B0609020204030204" pitchFamily="49" charset="0"/>
+              </a:rPr>
+              <a:t>{</a:t>
+            </a:r>
+          </a:p>
+          <a:p>
+            <a:r>
+              <a:rPr lang="sv-SE" sz="1200" dirty="0">
+                <a:solidFill>
+                  <a:schemeClr val="bg2">
+                    <a:lumMod val="90000"/>
+                  </a:schemeClr>
+                </a:solidFill>
+                <a:latin typeface="Consolas" panose="020B0609020204030204" pitchFamily="49" charset="0"/>
+                <a:cs typeface="Consolas" panose="020B0609020204030204" pitchFamily="49" charset="0"/>
+              </a:rPr>
+              <a:t>                 // </a:t>
+            </a:r>
+            <a:r>
+              <a:rPr lang="sv-SE" sz="1200" dirty="0" err="1">
+                <a:solidFill>
+                  <a:schemeClr val="bg2">
+                    <a:lumMod val="90000"/>
+                  </a:schemeClr>
+                </a:solidFill>
+                <a:latin typeface="Consolas" panose="020B0609020204030204" pitchFamily="49" charset="0"/>
+                <a:cs typeface="Consolas" panose="020B0609020204030204" pitchFamily="49" charset="0"/>
+              </a:rPr>
+              <a:t>Invoke</a:t>
+            </a:r>
+            <a:r>
+              <a:rPr lang="sv-SE" sz="1200" dirty="0">
+                <a:solidFill>
+                  <a:schemeClr val="bg2">
+                    <a:lumMod val="90000"/>
+                  </a:schemeClr>
+                </a:solidFill>
+                <a:latin typeface="Consolas" panose="020B0609020204030204" pitchFamily="49" charset="0"/>
+                <a:cs typeface="Consolas" panose="020B0609020204030204" pitchFamily="49" charset="0"/>
+              </a:rPr>
+              <a:t> the </a:t>
+            </a:r>
+            <a:r>
+              <a:rPr lang="sv-SE" sz="1200" dirty="0" err="1">
+                <a:solidFill>
+                  <a:schemeClr val="bg2">
+                    <a:lumMod val="90000"/>
+                  </a:schemeClr>
+                </a:solidFill>
+                <a:latin typeface="Consolas" panose="020B0609020204030204" pitchFamily="49" charset="0"/>
+                <a:cs typeface="Consolas" panose="020B0609020204030204" pitchFamily="49" charset="0"/>
+              </a:rPr>
+              <a:t>JsCallable</a:t>
+            </a:r>
+            <a:r>
+              <a:rPr lang="sv-SE" sz="1200" dirty="0">
+                <a:solidFill>
+                  <a:schemeClr val="bg2">
+                    <a:lumMod val="90000"/>
+                  </a:schemeClr>
+                </a:solidFill>
+                <a:latin typeface="Consolas" panose="020B0609020204030204" pitchFamily="49" charset="0"/>
+                <a:cs typeface="Consolas" panose="020B0609020204030204" pitchFamily="49" charset="0"/>
+              </a:rPr>
+              <a:t> </a:t>
+            </a:r>
+            <a:r>
+              <a:rPr lang="sv-SE" sz="1200" dirty="0" err="1">
+                <a:solidFill>
+                  <a:schemeClr val="bg2">
+                    <a:lumMod val="90000"/>
+                  </a:schemeClr>
+                </a:solidFill>
+                <a:latin typeface="Consolas" panose="020B0609020204030204" pitchFamily="49" charset="0"/>
+                <a:cs typeface="Consolas" panose="020B0609020204030204" pitchFamily="49" charset="0"/>
+              </a:rPr>
+              <a:t>with</a:t>
+            </a:r>
+            <a:r>
+              <a:rPr lang="sv-SE" sz="1200" dirty="0">
+                <a:solidFill>
+                  <a:schemeClr val="bg2">
+                    <a:lumMod val="90000"/>
+                  </a:schemeClr>
+                </a:solidFill>
+                <a:latin typeface="Consolas" panose="020B0609020204030204" pitchFamily="49" charset="0"/>
+                <a:cs typeface="Consolas" panose="020B0609020204030204" pitchFamily="49" charset="0"/>
+              </a:rPr>
+              <a:t> </a:t>
+            </a:r>
+            <a:r>
+              <a:rPr lang="sv-SE" sz="1200" dirty="0" err="1">
+                <a:solidFill>
+                  <a:schemeClr val="bg2">
+                    <a:lumMod val="90000"/>
+                  </a:schemeClr>
+                </a:solidFill>
+                <a:latin typeface="Consolas" panose="020B0609020204030204" pitchFamily="49" charset="0"/>
+                <a:cs typeface="Consolas" panose="020B0609020204030204" pitchFamily="49" charset="0"/>
+              </a:rPr>
+              <a:t>CreateResolve</a:t>
+            </a:r>
+            <a:r>
+              <a:rPr lang="sv-SE" sz="1200" dirty="0">
+                <a:solidFill>
+                  <a:schemeClr val="bg2">
+                    <a:lumMod val="90000"/>
+                  </a:schemeClr>
+                </a:solidFill>
+                <a:latin typeface="Consolas" panose="020B0609020204030204" pitchFamily="49" charset="0"/>
+                <a:cs typeface="Consolas" panose="020B0609020204030204" pitchFamily="49" charset="0"/>
+              </a:rPr>
+              <a:t> and </a:t>
+            </a:r>
+            <a:r>
+              <a:rPr lang="sv-SE" sz="1200" dirty="0" err="1">
+                <a:solidFill>
+                  <a:schemeClr val="bg2">
+                    <a:lumMod val="90000"/>
+                  </a:schemeClr>
+                </a:solidFill>
+                <a:latin typeface="Consolas" panose="020B0609020204030204" pitchFamily="49" charset="0"/>
+                <a:cs typeface="Consolas" panose="020B0609020204030204" pitchFamily="49" charset="0"/>
+              </a:rPr>
+              <a:t>CreateReject</a:t>
+            </a:r>
+            <a:r>
+              <a:rPr lang="sv-SE" sz="1200" dirty="0">
+                <a:solidFill>
+                  <a:schemeClr val="bg2">
+                    <a:lumMod val="90000"/>
+                  </a:schemeClr>
+                </a:solidFill>
+                <a:latin typeface="Consolas" panose="020B0609020204030204" pitchFamily="49" charset="0"/>
+                <a:cs typeface="Consolas" panose="020B0609020204030204" pitchFamily="49" charset="0"/>
+              </a:rPr>
+              <a:t> args </a:t>
+            </a:r>
+          </a:p>
+          <a:p>
+            <a:r>
+              <a:rPr lang="sv-SE" sz="1200" b="1" dirty="0">
+                <a:solidFill>
+                  <a:schemeClr val="bg2">
+                    <a:lumMod val="90000"/>
+                  </a:schemeClr>
+                </a:solidFill>
+                <a:latin typeface="Consolas" panose="020B0609020204030204" pitchFamily="49" charset="0"/>
+                <a:cs typeface="Consolas" panose="020B0609020204030204" pitchFamily="49" charset="0"/>
+              </a:rPr>
+              <a:t>                 var</a:t>
+            </a:r>
+            <a:r>
+              <a:rPr lang="sv-SE" sz="1200" dirty="0">
+                <a:solidFill>
+                  <a:schemeClr val="bg2">
+                    <a:lumMod val="90000"/>
+                  </a:schemeClr>
+                </a:solidFill>
+                <a:latin typeface="Consolas" panose="020B0609020204030204" pitchFamily="49" charset="0"/>
+                <a:cs typeface="Consolas" panose="020B0609020204030204" pitchFamily="49" charset="0"/>
+              </a:rPr>
+              <a:t> </a:t>
+            </a:r>
+            <a:r>
+              <a:rPr lang="sv-SE" sz="1200" dirty="0" err="1">
+                <a:solidFill>
+                  <a:schemeClr val="bg2">
+                    <a:lumMod val="90000"/>
+                  </a:schemeClr>
+                </a:solidFill>
+                <a:latin typeface="Consolas" panose="020B0609020204030204" pitchFamily="49" charset="0"/>
+                <a:cs typeface="Consolas" panose="020B0609020204030204" pitchFamily="49" charset="0"/>
+              </a:rPr>
+              <a:t>thenArgs</a:t>
+            </a:r>
+            <a:r>
+              <a:rPr lang="sv-SE" sz="1200" dirty="0">
+                <a:solidFill>
+                  <a:schemeClr val="bg2">
+                    <a:lumMod val="90000"/>
+                  </a:schemeClr>
+                </a:solidFill>
+                <a:latin typeface="Consolas" panose="020B0609020204030204" pitchFamily="49" charset="0"/>
+                <a:cs typeface="Consolas" panose="020B0609020204030204" pitchFamily="49" charset="0"/>
+              </a:rPr>
+              <a:t> = new[] { (</a:t>
+            </a:r>
+            <a:r>
+              <a:rPr lang="sv-SE" sz="1200" dirty="0" err="1">
+                <a:solidFill>
+                  <a:schemeClr val="bg2">
+                    <a:lumMod val="90000"/>
+                  </a:schemeClr>
+                </a:solidFill>
+                <a:latin typeface="Consolas" panose="020B0609020204030204" pitchFamily="49" charset="0"/>
+                <a:cs typeface="Consolas" panose="020B0609020204030204" pitchFamily="49" charset="0"/>
+              </a:rPr>
+              <a:t>JsValue</a:t>
+            </a:r>
+            <a:r>
+              <a:rPr lang="sv-SE" sz="1200" dirty="0">
+                <a:solidFill>
+                  <a:schemeClr val="bg2">
+                    <a:lumMod val="90000"/>
+                  </a:schemeClr>
+                </a:solidFill>
+                <a:latin typeface="Consolas" panose="020B0609020204030204" pitchFamily="49" charset="0"/>
+                <a:cs typeface="Consolas" panose="020B0609020204030204" pitchFamily="49" charset="0"/>
+              </a:rPr>
+              <a:t>)</a:t>
+            </a:r>
+            <a:r>
+              <a:rPr lang="sv-SE" sz="1200" dirty="0" err="1">
+                <a:solidFill>
+                  <a:schemeClr val="bg2">
+                    <a:lumMod val="90000"/>
+                  </a:schemeClr>
+                </a:solidFill>
+                <a:latin typeface="Consolas" panose="020B0609020204030204" pitchFamily="49" charset="0"/>
+                <a:cs typeface="Consolas" panose="020B0609020204030204" pitchFamily="49" charset="0"/>
+              </a:rPr>
+              <a:t>CreateResolve</a:t>
+            </a:r>
+            <a:r>
+              <a:rPr lang="sv-SE" sz="1200" dirty="0">
+                <a:solidFill>
+                  <a:schemeClr val="bg2">
+                    <a:lumMod val="90000"/>
+                  </a:schemeClr>
+                </a:solidFill>
+                <a:latin typeface="Consolas" panose="020B0609020204030204" pitchFamily="49" charset="0"/>
+                <a:cs typeface="Consolas" panose="020B0609020204030204" pitchFamily="49" charset="0"/>
+              </a:rPr>
+              <a:t>(i), (</a:t>
+            </a:r>
+            <a:r>
+              <a:rPr lang="sv-SE" sz="1200" dirty="0" err="1">
+                <a:solidFill>
+                  <a:schemeClr val="bg2">
+                    <a:lumMod val="90000"/>
+                  </a:schemeClr>
+                </a:solidFill>
+                <a:latin typeface="Consolas" panose="020B0609020204030204" pitchFamily="49" charset="0"/>
+                <a:cs typeface="Consolas" panose="020B0609020204030204" pitchFamily="49" charset="0"/>
+              </a:rPr>
+              <a:t>JsValue</a:t>
+            </a:r>
+            <a:r>
+              <a:rPr lang="sv-SE" sz="1200" dirty="0">
+                <a:solidFill>
+                  <a:schemeClr val="bg2">
+                    <a:lumMod val="90000"/>
+                  </a:schemeClr>
+                </a:solidFill>
+                <a:latin typeface="Consolas" panose="020B0609020204030204" pitchFamily="49" charset="0"/>
+                <a:cs typeface="Consolas" panose="020B0609020204030204" pitchFamily="49" charset="0"/>
+              </a:rPr>
+              <a:t>)</a:t>
+            </a:r>
+            <a:r>
+              <a:rPr lang="sv-SE" sz="1200" dirty="0" err="1">
+                <a:solidFill>
+                  <a:schemeClr val="bg2">
+                    <a:lumMod val="90000"/>
+                  </a:schemeClr>
+                </a:solidFill>
+                <a:latin typeface="Consolas" panose="020B0609020204030204" pitchFamily="49" charset="0"/>
+                <a:cs typeface="Consolas" panose="020B0609020204030204" pitchFamily="49" charset="0"/>
+              </a:rPr>
+              <a:t>CreateReject</a:t>
+            </a:r>
+            <a:r>
+              <a:rPr lang="sv-SE" sz="1200" dirty="0">
+                <a:solidFill>
+                  <a:schemeClr val="bg2">
+                    <a:lumMod val="90000"/>
+                  </a:schemeClr>
+                </a:solidFill>
+                <a:latin typeface="Consolas" panose="020B0609020204030204" pitchFamily="49" charset="0"/>
+                <a:cs typeface="Consolas" panose="020B0609020204030204" pitchFamily="49" charset="0"/>
+              </a:rPr>
+              <a:t>(i) };</a:t>
+            </a:r>
+          </a:p>
+          <a:p>
+            <a:r>
+              <a:rPr lang="sv-SE" sz="1200" dirty="0">
+                <a:solidFill>
+                  <a:schemeClr val="bg2">
+                    <a:lumMod val="90000"/>
+                  </a:schemeClr>
+                </a:solidFill>
+                <a:latin typeface="Consolas" panose="020B0609020204030204" pitchFamily="49" charset="0"/>
+                <a:cs typeface="Consolas" panose="020B0609020204030204" pitchFamily="49" charset="0"/>
+              </a:rPr>
+              <a:t>                 </a:t>
+            </a:r>
+            <a:r>
+              <a:rPr lang="sv-SE" sz="1200" b="1" dirty="0" err="1">
+                <a:solidFill>
+                  <a:schemeClr val="bg2">
+                    <a:lumMod val="90000"/>
+                  </a:schemeClr>
+                </a:solidFill>
+                <a:latin typeface="Consolas" panose="020B0609020204030204" pitchFamily="49" charset="0"/>
+                <a:cs typeface="Consolas" panose="020B0609020204030204" pitchFamily="49" charset="0"/>
+              </a:rPr>
+              <a:t>thenCallable</a:t>
+            </a:r>
+            <a:r>
+              <a:rPr lang="sv-SE" sz="1200" dirty="0" err="1">
+                <a:solidFill>
+                  <a:schemeClr val="bg2">
+                    <a:lumMod val="90000"/>
+                  </a:schemeClr>
+                </a:solidFill>
+                <a:latin typeface="Consolas" panose="020B0609020204030204" pitchFamily="49" charset="0"/>
+                <a:cs typeface="Consolas" panose="020B0609020204030204" pitchFamily="49" charset="0"/>
+              </a:rPr>
+              <a:t>.Invoke</a:t>
+            </a:r>
+            <a:r>
+              <a:rPr lang="sv-SE" sz="1200" dirty="0">
+                <a:solidFill>
+                  <a:schemeClr val="bg2">
+                    <a:lumMod val="90000"/>
+                  </a:schemeClr>
+                </a:solidFill>
+                <a:latin typeface="Consolas" panose="020B0609020204030204" pitchFamily="49" charset="0"/>
+                <a:cs typeface="Consolas" panose="020B0609020204030204" pitchFamily="49" charset="0"/>
+              </a:rPr>
+              <a:t>(</a:t>
+            </a:r>
+            <a:r>
+              <a:rPr lang="sv-SE" sz="1200" dirty="0" err="1">
+                <a:solidFill>
+                  <a:schemeClr val="bg2">
+                    <a:lumMod val="90000"/>
+                  </a:schemeClr>
+                </a:solidFill>
+                <a:latin typeface="Consolas" panose="020B0609020204030204" pitchFamily="49" charset="0"/>
+                <a:cs typeface="Consolas" panose="020B0609020204030204" pitchFamily="49" charset="0"/>
+              </a:rPr>
+              <a:t>thenArgs</a:t>
+            </a:r>
+            <a:r>
+              <a:rPr lang="sv-SE" sz="1200" dirty="0">
+                <a:solidFill>
+                  <a:schemeClr val="bg2">
+                    <a:lumMod val="90000"/>
+                  </a:schemeClr>
+                </a:solidFill>
+                <a:latin typeface="Consolas" panose="020B0609020204030204" pitchFamily="49" charset="0"/>
+                <a:cs typeface="Consolas" panose="020B0609020204030204" pitchFamily="49" charset="0"/>
+              </a:rPr>
+              <a:t>, item);</a:t>
+            </a:r>
+          </a:p>
+          <a:p>
+            <a:r>
+              <a:rPr lang="sv-SE" sz="1200" dirty="0">
+                <a:solidFill>
+                  <a:schemeClr val="bg2">
+                    <a:lumMod val="90000"/>
+                  </a:schemeClr>
+                </a:solidFill>
+                <a:latin typeface="Consolas" panose="020B0609020204030204" pitchFamily="49" charset="0"/>
+                <a:cs typeface="Consolas" panose="020B0609020204030204" pitchFamily="49" charset="0"/>
+              </a:rPr>
+              <a:t>              </a:t>
+            </a:r>
+            <a:r>
+              <a:rPr lang="sv-SE" sz="1200" b="1" dirty="0">
+                <a:solidFill>
+                  <a:schemeClr val="bg2">
+                    <a:lumMod val="90000"/>
+                  </a:schemeClr>
+                </a:solidFill>
+                <a:latin typeface="Consolas" panose="020B0609020204030204" pitchFamily="49" charset="0"/>
+                <a:cs typeface="Consolas" panose="020B0609020204030204" pitchFamily="49" charset="0"/>
+              </a:rPr>
+              <a:t>}</a:t>
+            </a:r>
+          </a:p>
+          <a:p>
+            <a:r>
+              <a:rPr lang="sv-SE" sz="1200" dirty="0">
+                <a:solidFill>
+                  <a:schemeClr val="bg2">
+                    <a:lumMod val="90000"/>
+                  </a:schemeClr>
+                </a:solidFill>
+                <a:latin typeface="Consolas" panose="020B0609020204030204" pitchFamily="49" charset="0"/>
+                <a:cs typeface="Consolas" panose="020B0609020204030204" pitchFamily="49" charset="0"/>
+              </a:rPr>
+              <a:t>              </a:t>
+            </a:r>
+            <a:r>
+              <a:rPr lang="sv-SE" sz="1200" b="1" dirty="0" err="1">
+                <a:solidFill>
+                  <a:schemeClr val="bg2">
+                    <a:lumMod val="90000"/>
+                  </a:schemeClr>
+                </a:solidFill>
+                <a:latin typeface="Consolas" panose="020B0609020204030204" pitchFamily="49" charset="0"/>
+                <a:cs typeface="Consolas" panose="020B0609020204030204" pitchFamily="49" charset="0"/>
+              </a:rPr>
+              <a:t>else</a:t>
+            </a:r>
+            <a:endParaRPr lang="sv-SE" sz="1200" b="1" dirty="0">
+              <a:solidFill>
+                <a:schemeClr val="bg2">
+                  <a:lumMod val="90000"/>
+                </a:schemeClr>
+              </a:solidFill>
+              <a:latin typeface="Consolas" panose="020B0609020204030204" pitchFamily="49" charset="0"/>
+              <a:cs typeface="Consolas" panose="020B0609020204030204" pitchFamily="49" charset="0"/>
+            </a:endParaRPr>
+          </a:p>
+          <a:p>
+            <a:r>
+              <a:rPr lang="sv-SE" sz="1200" dirty="0">
+                <a:solidFill>
+                  <a:schemeClr val="bg2">
+                    <a:lumMod val="90000"/>
+                  </a:schemeClr>
+                </a:solidFill>
+                <a:latin typeface="Consolas" panose="020B0609020204030204" pitchFamily="49" charset="0"/>
+                <a:cs typeface="Consolas" panose="020B0609020204030204" pitchFamily="49" charset="0"/>
+              </a:rPr>
+              <a:t>              </a:t>
+            </a:r>
+            <a:r>
+              <a:rPr lang="sv-SE" sz="1200" b="1" dirty="0">
+                <a:solidFill>
+                  <a:schemeClr val="bg2">
+                    <a:lumMod val="90000"/>
+                  </a:schemeClr>
+                </a:solidFill>
+                <a:latin typeface="Consolas" panose="020B0609020204030204" pitchFamily="49" charset="0"/>
+                <a:cs typeface="Consolas" panose="020B0609020204030204" pitchFamily="49" charset="0"/>
+              </a:rPr>
+              <a:t>{</a:t>
+            </a:r>
+          </a:p>
+          <a:p>
+            <a:r>
+              <a:rPr lang="sv-SE" sz="1200" dirty="0">
+                <a:solidFill>
+                  <a:schemeClr val="bg2">
+                    <a:lumMod val="90000"/>
+                  </a:schemeClr>
+                </a:solidFill>
+                <a:latin typeface="Consolas" panose="020B0609020204030204" pitchFamily="49" charset="0"/>
+                <a:cs typeface="Consolas" panose="020B0609020204030204" pitchFamily="49" charset="0"/>
+              </a:rPr>
+              <a:t>                 </a:t>
+            </a:r>
+            <a:r>
+              <a:rPr lang="sv-SE" sz="1200" b="1" dirty="0" err="1">
+                <a:solidFill>
+                  <a:schemeClr val="bg2">
+                    <a:lumMod val="90000"/>
+                  </a:schemeClr>
+                </a:solidFill>
+                <a:latin typeface="Consolas" panose="020B0609020204030204" pitchFamily="49" charset="0"/>
+                <a:cs typeface="Consolas" panose="020B0609020204030204" pitchFamily="49" charset="0"/>
+              </a:rPr>
+              <a:t>Resolve</a:t>
+            </a:r>
+            <a:r>
+              <a:rPr lang="sv-SE" sz="1200" dirty="0">
+                <a:solidFill>
+                  <a:schemeClr val="bg2">
+                    <a:lumMod val="90000"/>
+                  </a:schemeClr>
+                </a:solidFill>
+                <a:latin typeface="Consolas" panose="020B0609020204030204" pitchFamily="49" charset="0"/>
+                <a:cs typeface="Consolas" panose="020B0609020204030204" pitchFamily="49" charset="0"/>
+              </a:rPr>
+              <a:t>(i, item, </a:t>
+            </a:r>
+            <a:r>
+              <a:rPr lang="sv-SE" sz="1200" dirty="0" err="1">
+                <a:solidFill>
+                  <a:schemeClr val="bg2">
+                    <a:lumMod val="90000"/>
+                  </a:schemeClr>
+                </a:solidFill>
+                <a:latin typeface="Consolas" panose="020B0609020204030204" pitchFamily="49" charset="0"/>
+                <a:cs typeface="Consolas" panose="020B0609020204030204" pitchFamily="49" charset="0"/>
+              </a:rPr>
+              <a:t>false</a:t>
+            </a:r>
+            <a:r>
+              <a:rPr lang="sv-SE" sz="1200" dirty="0">
+                <a:solidFill>
+                  <a:schemeClr val="bg2">
+                    <a:lumMod val="90000"/>
+                  </a:schemeClr>
+                </a:solidFill>
+                <a:latin typeface="Consolas" panose="020B0609020204030204" pitchFamily="49" charset="0"/>
+                <a:cs typeface="Consolas" panose="020B0609020204030204" pitchFamily="49" charset="0"/>
+              </a:rPr>
+              <a:t>);</a:t>
+            </a:r>
+          </a:p>
+          <a:p>
+            <a:r>
+              <a:rPr lang="sv-SE" sz="1200" dirty="0">
+                <a:solidFill>
+                  <a:schemeClr val="bg2">
+                    <a:lumMod val="90000"/>
+                  </a:schemeClr>
+                </a:solidFill>
+                <a:latin typeface="Consolas" panose="020B0609020204030204" pitchFamily="49" charset="0"/>
+                <a:cs typeface="Consolas" panose="020B0609020204030204" pitchFamily="49" charset="0"/>
+              </a:rPr>
+              <a:t>              </a:t>
+            </a:r>
+            <a:r>
+              <a:rPr lang="sv-SE" sz="1200" b="1" dirty="0">
+                <a:solidFill>
+                  <a:schemeClr val="bg2">
+                    <a:lumMod val="90000"/>
+                  </a:schemeClr>
+                </a:solidFill>
+                <a:latin typeface="Consolas" panose="020B0609020204030204" pitchFamily="49" charset="0"/>
+                <a:cs typeface="Consolas" panose="020B0609020204030204" pitchFamily="49" charset="0"/>
+              </a:rPr>
+              <a:t>}</a:t>
+            </a:r>
+          </a:p>
+          <a:p>
+            <a:r>
+              <a:rPr lang="sv-SE" sz="1200" dirty="0">
+                <a:solidFill>
+                  <a:schemeClr val="bg2">
+                    <a:lumMod val="90000"/>
+                  </a:schemeClr>
+                </a:solidFill>
+                <a:latin typeface="Consolas" panose="020B0609020204030204" pitchFamily="49" charset="0"/>
+                <a:cs typeface="Consolas" panose="020B0609020204030204" pitchFamily="49" charset="0"/>
+              </a:rPr>
+              <a:t>           </a:t>
+            </a:r>
+            <a:r>
+              <a:rPr lang="sv-SE" sz="1200" b="1" dirty="0">
+                <a:solidFill>
+                  <a:schemeClr val="bg2">
+                    <a:lumMod val="90000"/>
+                  </a:schemeClr>
+                </a:solidFill>
+                <a:latin typeface="Consolas" panose="020B0609020204030204" pitchFamily="49" charset="0"/>
+                <a:cs typeface="Consolas" panose="020B0609020204030204" pitchFamily="49" charset="0"/>
+              </a:rPr>
+              <a:t>}</a:t>
+            </a:r>
+          </a:p>
+          <a:p>
+            <a:endParaRPr lang="sv-SE" sz="1200" dirty="0">
+              <a:solidFill>
+                <a:schemeClr val="bg2">
+                  <a:lumMod val="90000"/>
+                </a:schemeClr>
+              </a:solidFill>
+              <a:latin typeface="Consolas" panose="020B0609020204030204" pitchFamily="49" charset="0"/>
+              <a:cs typeface="Consolas" panose="020B0609020204030204" pitchFamily="49" charset="0"/>
+            </a:endParaRPr>
+          </a:p>
+          <a:p>
+            <a:r>
+              <a:rPr lang="sv-SE" sz="1200" dirty="0">
+                <a:solidFill>
+                  <a:schemeClr val="bg2">
+                    <a:lumMod val="90000"/>
+                  </a:schemeClr>
+                </a:solidFill>
+                <a:latin typeface="Consolas" panose="020B0609020204030204" pitchFamily="49" charset="0"/>
+                <a:cs typeface="Consolas" panose="020B0609020204030204" pitchFamily="49" charset="0"/>
+              </a:rPr>
+              <a:t>           </a:t>
+            </a:r>
+            <a:r>
+              <a:rPr lang="sv-SE" sz="1200" b="1" dirty="0" err="1">
+                <a:solidFill>
+                  <a:schemeClr val="bg2">
+                    <a:lumMod val="90000"/>
+                  </a:schemeClr>
+                </a:solidFill>
+                <a:latin typeface="Consolas" panose="020B0609020204030204" pitchFamily="49" charset="0"/>
+                <a:cs typeface="Consolas" panose="020B0609020204030204" pitchFamily="49" charset="0"/>
+              </a:rPr>
+              <a:t>return</a:t>
+            </a:r>
+            <a:r>
+              <a:rPr lang="sv-SE" sz="1200" dirty="0">
+                <a:solidFill>
+                  <a:schemeClr val="bg2">
+                    <a:lumMod val="90000"/>
+                  </a:schemeClr>
+                </a:solidFill>
+                <a:latin typeface="Consolas" panose="020B0609020204030204" pitchFamily="49" charset="0"/>
+                <a:cs typeface="Consolas" panose="020B0609020204030204" pitchFamily="49" charset="0"/>
+              </a:rPr>
+              <a:t> new </a:t>
+            </a:r>
+            <a:r>
+              <a:rPr lang="sv-SE" sz="1200" dirty="0" err="1">
+                <a:solidFill>
+                  <a:schemeClr val="bg2">
+                    <a:lumMod val="90000"/>
+                  </a:schemeClr>
+                </a:solidFill>
+                <a:latin typeface="Consolas" panose="020B0609020204030204" pitchFamily="49" charset="0"/>
+                <a:cs typeface="Consolas" panose="020B0609020204030204" pitchFamily="49" charset="0"/>
+              </a:rPr>
+              <a:t>JsValue</a:t>
+            </a:r>
+            <a:r>
+              <a:rPr lang="sv-SE" sz="1200" dirty="0">
+                <a:solidFill>
+                  <a:schemeClr val="bg2">
+                    <a:lumMod val="90000"/>
+                  </a:schemeClr>
+                </a:solidFill>
+                <a:latin typeface="Consolas" panose="020B0609020204030204" pitchFamily="49" charset="0"/>
+                <a:cs typeface="Consolas" panose="020B0609020204030204" pitchFamily="49" charset="0"/>
+              </a:rPr>
+              <a:t>(</a:t>
+            </a:r>
+            <a:r>
+              <a:rPr lang="sv-SE" sz="1200" dirty="0" err="1">
+                <a:solidFill>
+                  <a:schemeClr val="bg2">
+                    <a:lumMod val="90000"/>
+                  </a:schemeClr>
+                </a:solidFill>
+                <a:latin typeface="Consolas" panose="020B0609020204030204" pitchFamily="49" charset="0"/>
+                <a:cs typeface="Consolas" panose="020B0609020204030204" pitchFamily="49" charset="0"/>
+              </a:rPr>
+              <a:t>resultPromise.JsObject</a:t>
+            </a:r>
+            <a:r>
+              <a:rPr lang="sv-SE" sz="1200" dirty="0">
+                <a:solidFill>
+                  <a:schemeClr val="bg2">
+                    <a:lumMod val="90000"/>
+                  </a:schemeClr>
+                </a:solidFill>
+                <a:latin typeface="Consolas" panose="020B0609020204030204" pitchFamily="49" charset="0"/>
+                <a:cs typeface="Consolas" panose="020B0609020204030204" pitchFamily="49" charset="0"/>
+              </a:rPr>
+              <a:t>);</a:t>
+            </a:r>
+          </a:p>
+          <a:p>
+            <a:r>
+              <a:rPr lang="sv-SE" sz="1200" dirty="0">
+                <a:solidFill>
+                  <a:schemeClr val="bg2">
+                    <a:lumMod val="90000"/>
+                  </a:schemeClr>
+                </a:solidFill>
+                <a:latin typeface="Consolas" panose="020B0609020204030204" pitchFamily="49" charset="0"/>
+                <a:cs typeface="Consolas" panose="020B0609020204030204" pitchFamily="49" charset="0"/>
+              </a:rPr>
+              <a:t>           </a:t>
+            </a:r>
+            <a:r>
+              <a:rPr lang="sv-SE" sz="1200" b="1" dirty="0" err="1">
+                <a:solidFill>
+                  <a:schemeClr val="bg2">
+                    <a:lumMod val="90000"/>
+                  </a:schemeClr>
+                </a:solidFill>
+                <a:latin typeface="Consolas" panose="020B0609020204030204" pitchFamily="49" charset="0"/>
+                <a:cs typeface="Consolas" panose="020B0609020204030204" pitchFamily="49" charset="0"/>
+              </a:rPr>
+              <a:t>HostFunction</a:t>
+            </a:r>
+            <a:r>
+              <a:rPr lang="sv-SE" sz="1200" dirty="0">
+                <a:solidFill>
+                  <a:schemeClr val="bg2">
+                    <a:lumMod val="90000"/>
+                  </a:schemeClr>
+                </a:solidFill>
+                <a:latin typeface="Consolas" panose="020B0609020204030204" pitchFamily="49" charset="0"/>
+                <a:cs typeface="Consolas" panose="020B0609020204030204" pitchFamily="49" charset="0"/>
+              </a:rPr>
+              <a:t> </a:t>
+            </a:r>
+            <a:r>
+              <a:rPr lang="sv-SE" sz="1200" dirty="0" err="1">
+                <a:solidFill>
+                  <a:schemeClr val="bg2">
+                    <a:lumMod val="90000"/>
+                  </a:schemeClr>
+                </a:solidFill>
+                <a:latin typeface="Consolas" panose="020B0609020204030204" pitchFamily="49" charset="0"/>
+                <a:cs typeface="Consolas" panose="020B0609020204030204" pitchFamily="49" charset="0"/>
+              </a:rPr>
+              <a:t>CreateResolve</a:t>
+            </a:r>
+            <a:r>
+              <a:rPr lang="sv-SE" sz="1200" dirty="0">
+                <a:solidFill>
+                  <a:schemeClr val="bg2">
+                    <a:lumMod val="90000"/>
+                  </a:schemeClr>
+                </a:solidFill>
+                <a:latin typeface="Consolas" panose="020B0609020204030204" pitchFamily="49" charset="0"/>
+                <a:cs typeface="Consolas" panose="020B0609020204030204" pitchFamily="49" charset="0"/>
+              </a:rPr>
+              <a:t>(</a:t>
+            </a:r>
+            <a:r>
+              <a:rPr lang="sv-SE" sz="1200" dirty="0" err="1">
+                <a:solidFill>
+                  <a:schemeClr val="bg2">
+                    <a:lumMod val="90000"/>
+                  </a:schemeClr>
+                </a:solidFill>
+                <a:latin typeface="Consolas" panose="020B0609020204030204" pitchFamily="49" charset="0"/>
+                <a:cs typeface="Consolas" panose="020B0609020204030204" pitchFamily="49" charset="0"/>
+              </a:rPr>
+              <a:t>int</a:t>
+            </a:r>
+            <a:r>
+              <a:rPr lang="sv-SE" sz="1200" dirty="0">
+                <a:solidFill>
+                  <a:schemeClr val="bg2">
+                    <a:lumMod val="90000"/>
+                  </a:schemeClr>
+                </a:solidFill>
+                <a:latin typeface="Consolas" panose="020B0609020204030204" pitchFamily="49" charset="0"/>
+                <a:cs typeface="Consolas" panose="020B0609020204030204" pitchFamily="49" charset="0"/>
+              </a:rPr>
+              <a:t> index)</a:t>
+            </a:r>
+          </a:p>
+          <a:p>
+            <a:r>
+              <a:rPr lang="sv-SE" sz="1200" dirty="0">
+                <a:solidFill>
+                  <a:schemeClr val="bg2">
+                    <a:lumMod val="90000"/>
+                  </a:schemeClr>
+                </a:solidFill>
+                <a:latin typeface="Consolas" panose="020B0609020204030204" pitchFamily="49" charset="0"/>
+                <a:cs typeface="Consolas" panose="020B0609020204030204" pitchFamily="49" charset="0"/>
+              </a:rPr>
+              <a:t>           </a:t>
+            </a:r>
+            <a:r>
+              <a:rPr lang="sv-SE" sz="1200" b="1" dirty="0">
+                <a:solidFill>
+                  <a:schemeClr val="bg2">
+                    <a:lumMod val="90000"/>
+                  </a:schemeClr>
+                </a:solidFill>
+                <a:latin typeface="Consolas" panose="020B0609020204030204" pitchFamily="49" charset="0"/>
+                <a:cs typeface="Consolas" panose="020B0609020204030204" pitchFamily="49" charset="0"/>
+              </a:rPr>
+              <a:t>{</a:t>
+            </a:r>
+          </a:p>
+          <a:p>
+            <a:r>
+              <a:rPr lang="sv-SE" sz="1200" dirty="0">
+                <a:solidFill>
+                  <a:schemeClr val="bg2">
+                    <a:lumMod val="90000"/>
+                  </a:schemeClr>
+                </a:solidFill>
+                <a:latin typeface="Consolas" panose="020B0609020204030204" pitchFamily="49" charset="0"/>
+                <a:cs typeface="Consolas" panose="020B0609020204030204" pitchFamily="49" charset="0"/>
+              </a:rPr>
+              <a:t>              </a:t>
+            </a:r>
+            <a:r>
+              <a:rPr lang="sv-SE" sz="1200" b="1" dirty="0" err="1">
+                <a:solidFill>
+                  <a:schemeClr val="bg2">
+                    <a:lumMod val="90000"/>
+                  </a:schemeClr>
+                </a:solidFill>
+                <a:latin typeface="Consolas" panose="020B0609020204030204" pitchFamily="49" charset="0"/>
+                <a:cs typeface="Consolas" panose="020B0609020204030204" pitchFamily="49" charset="0"/>
+              </a:rPr>
+              <a:t>return</a:t>
+            </a:r>
+            <a:r>
+              <a:rPr lang="sv-SE" sz="1200" dirty="0">
+                <a:solidFill>
+                  <a:schemeClr val="bg2">
+                    <a:lumMod val="90000"/>
+                  </a:schemeClr>
+                </a:solidFill>
+                <a:latin typeface="Consolas" panose="020B0609020204030204" pitchFamily="49" charset="0"/>
+                <a:cs typeface="Consolas" panose="020B0609020204030204" pitchFamily="49" charset="0"/>
+              </a:rPr>
+              <a:t> new </a:t>
+            </a:r>
+            <a:r>
+              <a:rPr lang="sv-SE" sz="1200" dirty="0" err="1">
+                <a:solidFill>
+                  <a:schemeClr val="bg2">
+                    <a:lumMod val="90000"/>
+                  </a:schemeClr>
+                </a:solidFill>
+                <a:latin typeface="Consolas" panose="020B0609020204030204" pitchFamily="49" charset="0"/>
+                <a:cs typeface="Consolas" panose="020B0609020204030204" pitchFamily="49" charset="0"/>
+              </a:rPr>
+              <a:t>HostFunction</a:t>
+            </a:r>
+            <a:r>
+              <a:rPr lang="sv-SE" sz="1200" dirty="0">
+                <a:solidFill>
+                  <a:schemeClr val="bg2">
+                    <a:lumMod val="90000"/>
+                  </a:schemeClr>
+                </a:solidFill>
+                <a:latin typeface="Consolas" panose="020B0609020204030204" pitchFamily="49" charset="0"/>
+                <a:cs typeface="Consolas" panose="020B0609020204030204" pitchFamily="49" charset="0"/>
+              </a:rPr>
+              <a:t>(</a:t>
+            </a:r>
+            <a:r>
+              <a:rPr lang="sv-SE" sz="1200" dirty="0" err="1">
+                <a:solidFill>
+                  <a:schemeClr val="bg2">
+                    <a:lumMod val="90000"/>
+                  </a:schemeClr>
+                </a:solidFill>
+                <a:latin typeface="Consolas" panose="020B0609020204030204" pitchFamily="49" charset="0"/>
+                <a:cs typeface="Consolas" panose="020B0609020204030204" pitchFamily="49" charset="0"/>
+              </a:rPr>
+              <a:t>ResolveWrapper</a:t>
+            </a:r>
+            <a:r>
+              <a:rPr lang="sv-SE" sz="1200" dirty="0">
+                <a:solidFill>
+                  <a:schemeClr val="bg2">
+                    <a:lumMod val="90000"/>
+                  </a:schemeClr>
+                </a:solidFill>
+                <a:latin typeface="Consolas" panose="020B0609020204030204" pitchFamily="49" charset="0"/>
+                <a:cs typeface="Consolas" panose="020B0609020204030204" pitchFamily="49" charset="0"/>
+              </a:rPr>
+              <a:t>, </a:t>
+            </a:r>
+            <a:r>
+              <a:rPr lang="sv-SE" sz="1200" dirty="0" err="1">
+                <a:solidFill>
+                  <a:schemeClr val="bg2">
+                    <a:lumMod val="90000"/>
+                  </a:schemeClr>
+                </a:solidFill>
+                <a:latin typeface="Consolas" panose="020B0609020204030204" pitchFamily="49" charset="0"/>
+                <a:cs typeface="Consolas" panose="020B0609020204030204" pitchFamily="49" charset="0"/>
+              </a:rPr>
+              <a:t>Realm</a:t>
+            </a:r>
+            <a:r>
+              <a:rPr lang="sv-SE" sz="1200" dirty="0">
+                <a:solidFill>
+                  <a:schemeClr val="bg2">
+                    <a:lumMod val="90000"/>
+                  </a:schemeClr>
+                </a:solidFill>
+                <a:latin typeface="Consolas" panose="020B0609020204030204" pitchFamily="49" charset="0"/>
+                <a:cs typeface="Consolas" panose="020B0609020204030204" pitchFamily="49" charset="0"/>
+              </a:rPr>
+              <a:t>, </a:t>
+            </a:r>
+            <a:r>
+              <a:rPr lang="sv-SE" sz="1200" dirty="0" err="1">
+                <a:solidFill>
+                  <a:schemeClr val="bg2">
+                    <a:lumMod val="90000"/>
+                  </a:schemeClr>
+                </a:solidFill>
+                <a:latin typeface="Consolas" panose="020B0609020204030204" pitchFamily="49" charset="0"/>
+                <a:cs typeface="Consolas" panose="020B0609020204030204" pitchFamily="49" charset="0"/>
+              </a:rPr>
+              <a:t>false</a:t>
+            </a:r>
+            <a:r>
+              <a:rPr lang="sv-SE" sz="1200" dirty="0">
+                <a:solidFill>
+                  <a:schemeClr val="bg2">
+                    <a:lumMod val="90000"/>
+                  </a:schemeClr>
+                </a:solidFill>
+                <a:latin typeface="Consolas" panose="020B0609020204030204" pitchFamily="49" charset="0"/>
+                <a:cs typeface="Consolas" panose="020B0609020204030204" pitchFamily="49" charset="0"/>
+              </a:rPr>
+              <a:t>);</a:t>
+            </a:r>
+          </a:p>
+          <a:p>
+            <a:r>
+              <a:rPr lang="sv-SE" sz="1200" dirty="0">
+                <a:solidFill>
+                  <a:schemeClr val="bg2">
+                    <a:lumMod val="90000"/>
+                  </a:schemeClr>
+                </a:solidFill>
+                <a:latin typeface="Consolas" panose="020B0609020204030204" pitchFamily="49" charset="0"/>
+                <a:cs typeface="Consolas" panose="020B0609020204030204" pitchFamily="49" charset="0"/>
+              </a:rPr>
+              <a:t>              </a:t>
+            </a:r>
+            <a:r>
+              <a:rPr lang="sv-SE" sz="1200" b="1" dirty="0" err="1">
+                <a:solidFill>
+                  <a:schemeClr val="bg2">
+                    <a:lumMod val="90000"/>
+                  </a:schemeClr>
+                </a:solidFill>
+                <a:latin typeface="Consolas" panose="020B0609020204030204" pitchFamily="49" charset="0"/>
+                <a:cs typeface="Consolas" panose="020B0609020204030204" pitchFamily="49" charset="0"/>
+              </a:rPr>
+              <a:t>JsValue</a:t>
+            </a:r>
+            <a:r>
+              <a:rPr lang="sv-SE" sz="1200" dirty="0">
+                <a:solidFill>
+                  <a:schemeClr val="bg2">
+                    <a:lumMod val="90000"/>
+                  </a:schemeClr>
+                </a:solidFill>
+                <a:latin typeface="Consolas" panose="020B0609020204030204" pitchFamily="49" charset="0"/>
+                <a:cs typeface="Consolas" panose="020B0609020204030204" pitchFamily="49" charset="0"/>
+              </a:rPr>
+              <a:t> </a:t>
+            </a:r>
+            <a:r>
+              <a:rPr lang="sv-SE" sz="1200" dirty="0" err="1">
+                <a:solidFill>
+                  <a:schemeClr val="bg2">
+                    <a:lumMod val="90000"/>
+                  </a:schemeClr>
+                </a:solidFill>
+                <a:latin typeface="Consolas" panose="020B0609020204030204" pitchFamily="49" charset="0"/>
+                <a:cs typeface="Consolas" panose="020B0609020204030204" pitchFamily="49" charset="0"/>
+              </a:rPr>
+              <a:t>ResolveWrapper</a:t>
+            </a:r>
+            <a:r>
+              <a:rPr lang="sv-SE" sz="1200" dirty="0">
+                <a:solidFill>
+                  <a:schemeClr val="bg2">
+                    <a:lumMod val="90000"/>
+                  </a:schemeClr>
+                </a:solidFill>
+                <a:latin typeface="Consolas" panose="020B0609020204030204" pitchFamily="49" charset="0"/>
+                <a:cs typeface="Consolas" panose="020B0609020204030204" pitchFamily="49" charset="0"/>
+              </a:rPr>
+              <a:t>(</a:t>
+            </a:r>
+            <a:r>
+              <a:rPr lang="sv-SE" sz="1200" dirty="0" err="1">
+                <a:solidFill>
+                  <a:schemeClr val="bg2">
+                    <a:lumMod val="90000"/>
+                  </a:schemeClr>
+                </a:solidFill>
+                <a:latin typeface="Consolas" panose="020B0609020204030204" pitchFamily="49" charset="0"/>
+                <a:cs typeface="Consolas" panose="020B0609020204030204" pitchFamily="49" charset="0"/>
+              </a:rPr>
+              <a:t>JsValue</a:t>
+            </a:r>
+            <a:r>
+              <a:rPr lang="sv-SE" sz="1200" dirty="0">
+                <a:solidFill>
+                  <a:schemeClr val="bg2">
+                    <a:lumMod val="90000"/>
+                  </a:schemeClr>
+                </a:solidFill>
+                <a:latin typeface="Consolas" panose="020B0609020204030204" pitchFamily="49" charset="0"/>
+                <a:cs typeface="Consolas" panose="020B0609020204030204" pitchFamily="49" charset="0"/>
+              </a:rPr>
+              <a:t> __, </a:t>
+            </a:r>
+            <a:r>
+              <a:rPr lang="sv-SE" sz="1200" dirty="0" err="1">
+                <a:solidFill>
+                  <a:schemeClr val="bg2">
+                    <a:lumMod val="90000"/>
+                  </a:schemeClr>
+                </a:solidFill>
+                <a:latin typeface="Consolas" panose="020B0609020204030204" pitchFamily="49" charset="0"/>
+                <a:cs typeface="Consolas" panose="020B0609020204030204" pitchFamily="49" charset="0"/>
+              </a:rPr>
+              <a:t>IReadOnlyList</a:t>
+            </a:r>
+            <a:r>
+              <a:rPr lang="sv-SE" sz="1200" dirty="0">
+                <a:solidFill>
+                  <a:schemeClr val="bg2">
+                    <a:lumMod val="90000"/>
+                  </a:schemeClr>
+                </a:solidFill>
+                <a:latin typeface="Consolas" panose="020B0609020204030204" pitchFamily="49" charset="0"/>
+                <a:cs typeface="Consolas" panose="020B0609020204030204" pitchFamily="49" charset="0"/>
+              </a:rPr>
+              <a:t>&lt;</a:t>
+            </a:r>
+            <a:r>
+              <a:rPr lang="sv-SE" sz="1200" dirty="0" err="1">
+                <a:solidFill>
+                  <a:schemeClr val="bg2">
+                    <a:lumMod val="90000"/>
+                  </a:schemeClr>
+                </a:solidFill>
+                <a:latin typeface="Consolas" panose="020B0609020204030204" pitchFamily="49" charset="0"/>
+                <a:cs typeface="Consolas" panose="020B0609020204030204" pitchFamily="49" charset="0"/>
+              </a:rPr>
+              <a:t>JsValue</a:t>
+            </a:r>
+            <a:r>
+              <a:rPr lang="sv-SE" sz="1200" dirty="0">
+                <a:solidFill>
+                  <a:schemeClr val="bg2">
+                    <a:lumMod val="90000"/>
+                  </a:schemeClr>
+                </a:solidFill>
+                <a:latin typeface="Consolas" panose="020B0609020204030204" pitchFamily="49" charset="0"/>
+                <a:cs typeface="Consolas" panose="020B0609020204030204" pitchFamily="49" charset="0"/>
+              </a:rPr>
+              <a:t>&gt; </a:t>
+            </a:r>
+            <a:r>
+              <a:rPr lang="sv-SE" sz="1200" dirty="0" err="1">
+                <a:solidFill>
+                  <a:schemeClr val="bg2">
+                    <a:lumMod val="90000"/>
+                  </a:schemeClr>
+                </a:solidFill>
+                <a:latin typeface="Consolas" panose="020B0609020204030204" pitchFamily="49" charset="0"/>
+                <a:cs typeface="Consolas" panose="020B0609020204030204" pitchFamily="49" charset="0"/>
+              </a:rPr>
+              <a:t>resolveArgs</a:t>
+            </a:r>
+            <a:r>
+              <a:rPr lang="sv-SE" sz="1200" dirty="0">
+                <a:solidFill>
+                  <a:schemeClr val="bg2">
+                    <a:lumMod val="90000"/>
+                  </a:schemeClr>
+                </a:solidFill>
+                <a:latin typeface="Consolas" panose="020B0609020204030204" pitchFamily="49" charset="0"/>
+                <a:cs typeface="Consolas" panose="020B0609020204030204" pitchFamily="49" charset="0"/>
+              </a:rPr>
+              <a:t>)</a:t>
+            </a:r>
+          </a:p>
+          <a:p>
+            <a:r>
+              <a:rPr lang="sv-SE" sz="1200" dirty="0">
+                <a:solidFill>
+                  <a:schemeClr val="bg2">
+                    <a:lumMod val="90000"/>
+                  </a:schemeClr>
+                </a:solidFill>
+                <a:latin typeface="Consolas" panose="020B0609020204030204" pitchFamily="49" charset="0"/>
+                <a:cs typeface="Consolas" panose="020B0609020204030204" pitchFamily="49" charset="0"/>
+              </a:rPr>
+              <a:t>              </a:t>
+            </a:r>
+            <a:r>
+              <a:rPr lang="sv-SE" sz="1200" b="1" dirty="0">
+                <a:solidFill>
+                  <a:schemeClr val="bg2">
+                    <a:lumMod val="90000"/>
+                  </a:schemeClr>
+                </a:solidFill>
+                <a:latin typeface="Consolas" panose="020B0609020204030204" pitchFamily="49" charset="0"/>
+                <a:cs typeface="Consolas" panose="020B0609020204030204" pitchFamily="49" charset="0"/>
+              </a:rPr>
+              <a:t>{</a:t>
+            </a:r>
+          </a:p>
+          <a:p>
+            <a:r>
+              <a:rPr lang="sv-SE" sz="1200" dirty="0">
+                <a:solidFill>
+                  <a:schemeClr val="bg2">
+                    <a:lumMod val="90000"/>
+                  </a:schemeClr>
+                </a:solidFill>
+                <a:latin typeface="Consolas" panose="020B0609020204030204" pitchFamily="49" charset="0"/>
+                <a:cs typeface="Consolas" panose="020B0609020204030204" pitchFamily="49" charset="0"/>
+              </a:rPr>
+              <a:t>                 </a:t>
+            </a:r>
+            <a:r>
+              <a:rPr lang="sv-SE" sz="1200" b="1" dirty="0" err="1">
+                <a:solidFill>
+                  <a:schemeClr val="bg2">
+                    <a:lumMod val="90000"/>
+                  </a:schemeClr>
+                </a:solidFill>
+                <a:latin typeface="Consolas" panose="020B0609020204030204" pitchFamily="49" charset="0"/>
+                <a:cs typeface="Consolas" panose="020B0609020204030204" pitchFamily="49" charset="0"/>
+              </a:rPr>
+              <a:t>Resolve</a:t>
+            </a:r>
+            <a:r>
+              <a:rPr lang="sv-SE" sz="1200" dirty="0">
+                <a:solidFill>
+                  <a:schemeClr val="bg2">
+                    <a:lumMod val="90000"/>
+                  </a:schemeClr>
+                </a:solidFill>
+                <a:latin typeface="Consolas" panose="020B0609020204030204" pitchFamily="49" charset="0"/>
+                <a:cs typeface="Consolas" panose="020B0609020204030204" pitchFamily="49" charset="0"/>
+              </a:rPr>
+              <a:t>(index, </a:t>
+            </a:r>
+            <a:r>
+              <a:rPr lang="sv-SE" sz="1200" dirty="0" err="1">
+                <a:solidFill>
+                  <a:schemeClr val="bg2">
+                    <a:lumMod val="90000"/>
+                  </a:schemeClr>
+                </a:solidFill>
+                <a:latin typeface="Consolas" panose="020B0609020204030204" pitchFamily="49" charset="0"/>
+                <a:cs typeface="Consolas" panose="020B0609020204030204" pitchFamily="49" charset="0"/>
+              </a:rPr>
+              <a:t>resolveArgs.GetArgument</a:t>
+            </a:r>
+            <a:r>
+              <a:rPr lang="sv-SE" sz="1200" dirty="0">
+                <a:solidFill>
+                  <a:schemeClr val="bg2">
+                    <a:lumMod val="90000"/>
+                  </a:schemeClr>
+                </a:solidFill>
+                <a:latin typeface="Consolas" panose="020B0609020204030204" pitchFamily="49" charset="0"/>
+                <a:cs typeface="Consolas" panose="020B0609020204030204" pitchFamily="49" charset="0"/>
+              </a:rPr>
+              <a:t>(0), </a:t>
+            </a:r>
+            <a:r>
+              <a:rPr lang="sv-SE" sz="1200" dirty="0" err="1">
+                <a:solidFill>
+                  <a:schemeClr val="bg2">
+                    <a:lumMod val="90000"/>
+                  </a:schemeClr>
+                </a:solidFill>
+                <a:latin typeface="Consolas" panose="020B0609020204030204" pitchFamily="49" charset="0"/>
+                <a:cs typeface="Consolas" panose="020B0609020204030204" pitchFamily="49" charset="0"/>
+              </a:rPr>
+              <a:t>false</a:t>
+            </a:r>
+            <a:r>
+              <a:rPr lang="sv-SE" sz="1200" dirty="0">
+                <a:solidFill>
+                  <a:schemeClr val="bg2">
+                    <a:lumMod val="90000"/>
+                  </a:schemeClr>
+                </a:solidFill>
+                <a:latin typeface="Consolas" panose="020B0609020204030204" pitchFamily="49" charset="0"/>
+                <a:cs typeface="Consolas" panose="020B0609020204030204" pitchFamily="49" charset="0"/>
+              </a:rPr>
+              <a:t>);</a:t>
+            </a:r>
+          </a:p>
+          <a:p>
+            <a:r>
+              <a:rPr lang="sv-SE" sz="1200" dirty="0">
+                <a:solidFill>
+                  <a:schemeClr val="bg2">
+                    <a:lumMod val="90000"/>
+                  </a:schemeClr>
+                </a:solidFill>
+                <a:latin typeface="Consolas" panose="020B0609020204030204" pitchFamily="49" charset="0"/>
+                <a:cs typeface="Consolas" panose="020B0609020204030204" pitchFamily="49" charset="0"/>
+              </a:rPr>
+              <a:t>                 </a:t>
+            </a:r>
+            <a:r>
+              <a:rPr lang="sv-SE" sz="1200" b="1" dirty="0" err="1">
+                <a:solidFill>
+                  <a:schemeClr val="bg2">
+                    <a:lumMod val="90000"/>
+                  </a:schemeClr>
+                </a:solidFill>
+                <a:latin typeface="Consolas" panose="020B0609020204030204" pitchFamily="49" charset="0"/>
+                <a:cs typeface="Consolas" panose="020B0609020204030204" pitchFamily="49" charset="0"/>
+              </a:rPr>
+              <a:t>return</a:t>
+            </a:r>
+            <a:r>
+              <a:rPr lang="sv-SE" sz="1200" dirty="0">
+                <a:solidFill>
+                  <a:schemeClr val="bg2">
+                    <a:lumMod val="90000"/>
+                  </a:schemeClr>
+                </a:solidFill>
+                <a:latin typeface="Consolas" panose="020B0609020204030204" pitchFamily="49" charset="0"/>
+                <a:cs typeface="Consolas" panose="020B0609020204030204" pitchFamily="49" charset="0"/>
+              </a:rPr>
+              <a:t> </a:t>
+            </a:r>
+            <a:r>
+              <a:rPr lang="sv-SE" sz="1200" dirty="0" err="1">
+                <a:solidFill>
+                  <a:schemeClr val="bg2">
+                    <a:lumMod val="90000"/>
+                  </a:schemeClr>
+                </a:solidFill>
+                <a:latin typeface="Consolas" panose="020B0609020204030204" pitchFamily="49" charset="0"/>
+                <a:cs typeface="Consolas" panose="020B0609020204030204" pitchFamily="49" charset="0"/>
+              </a:rPr>
+              <a:t>JsValue.Undefined</a:t>
+            </a:r>
+            <a:r>
+              <a:rPr lang="sv-SE" sz="1200" dirty="0">
+                <a:solidFill>
+                  <a:schemeClr val="bg2">
+                    <a:lumMod val="90000"/>
+                  </a:schemeClr>
+                </a:solidFill>
+                <a:latin typeface="Consolas" panose="020B0609020204030204" pitchFamily="49" charset="0"/>
+                <a:cs typeface="Consolas" panose="020B0609020204030204" pitchFamily="49" charset="0"/>
+              </a:rPr>
+              <a:t>;</a:t>
+            </a:r>
+          </a:p>
+          <a:p>
+            <a:r>
+              <a:rPr lang="sv-SE" sz="1200" dirty="0">
+                <a:solidFill>
+                  <a:schemeClr val="bg2">
+                    <a:lumMod val="90000"/>
+                  </a:schemeClr>
+                </a:solidFill>
+                <a:latin typeface="Consolas" panose="020B0609020204030204" pitchFamily="49" charset="0"/>
+                <a:cs typeface="Consolas" panose="020B0609020204030204" pitchFamily="49" charset="0"/>
+              </a:rPr>
+              <a:t>              </a:t>
+            </a:r>
+            <a:r>
+              <a:rPr lang="sv-SE" sz="1200" b="1" dirty="0">
+                <a:solidFill>
+                  <a:schemeClr val="bg2">
+                    <a:lumMod val="90000"/>
+                  </a:schemeClr>
+                </a:solidFill>
+                <a:latin typeface="Consolas" panose="020B0609020204030204" pitchFamily="49" charset="0"/>
+                <a:cs typeface="Consolas" panose="020B0609020204030204" pitchFamily="49" charset="0"/>
+              </a:rPr>
+              <a:t>}</a:t>
+            </a:r>
+          </a:p>
+          <a:p>
+            <a:r>
+              <a:rPr lang="sv-SE" sz="1200" dirty="0">
+                <a:solidFill>
+                  <a:schemeClr val="bg2">
+                    <a:lumMod val="90000"/>
+                  </a:schemeClr>
+                </a:solidFill>
+                <a:latin typeface="Consolas" panose="020B0609020204030204" pitchFamily="49" charset="0"/>
+                <a:cs typeface="Consolas" panose="020B0609020204030204" pitchFamily="49" charset="0"/>
+              </a:rPr>
+              <a:t>           </a:t>
+            </a:r>
+            <a:r>
+              <a:rPr lang="sv-SE" sz="1200" b="1" dirty="0">
+                <a:solidFill>
+                  <a:schemeClr val="bg2">
+                    <a:lumMod val="90000"/>
+                  </a:schemeClr>
+                </a:solidFill>
+                <a:latin typeface="Consolas" panose="020B0609020204030204" pitchFamily="49" charset="0"/>
+                <a:cs typeface="Consolas" panose="020B0609020204030204" pitchFamily="49" charset="0"/>
+              </a:rPr>
+              <a:t>}</a:t>
+            </a:r>
+          </a:p>
+        </p:txBody>
+      </p:sp>
+    </p:spTree>
+    <p:extLst>
+      <p:ext uri="{BB962C8B-B14F-4D97-AF65-F5344CB8AC3E}">
+        <p14:creationId xmlns:p14="http://schemas.microsoft.com/office/powerpoint/2010/main" val="2388525527"/>
+      </p:ext>
+    </p:extLst>
+  </p:cSld>
+  <p:clrMapOvr>
+    <a:masterClrMapping/>
+  </p:clrMapOvr>
+</p:sld>
+</file>
+
+<file path=ppt/slides/slide3.xml><?xml version="1.0" encoding="utf-8"?>
+<p:sld xmlns:a="http://schemas.openxmlformats.org/drawingml/2006/main" xmlns:r="http://schemas.openxmlformats.org/officeDocument/2006/relationships" xmlns:p="http://schemas.openxmlformats.org/presentationml/2006/main">
+  <p:cSld>
+    <p:bg>
+      <p:bgPr>
+        <a:solidFill>
+          <a:schemeClr val="tx1">
+            <a:lumMod val="85000"/>
+            <a:lumOff val="15000"/>
+          </a:schemeClr>
+        </a:solidFill>
+        <a:effectLst/>
+      </p:bgPr>
+    </p:bg>
+    <p:spTree>
+      <p:nvGrpSpPr>
+        <p:cNvPr id="1" name="">
+          <a:extLst>
+            <a:ext uri="{FF2B5EF4-FFF2-40B4-BE49-F238E27FC236}">
+              <a16:creationId xmlns:a16="http://schemas.microsoft.com/office/drawing/2014/main" id="{9FFA5EE7-91B1-D679-A348-EC86F84A34A8}"/>
+            </a:ext>
+          </a:extLst>
+        </p:cNvPr>
+        <p:cNvGrpSpPr/>
+        <p:nvPr/>
+      </p:nvGrpSpPr>
+      <p:grpSpPr>
+        <a:xfrm>
+          <a:off x="0" y="0"/>
+          <a:ext cx="0" cy="0"/>
+          <a:chOff x="0" y="0"/>
+          <a:chExt cx="0" cy="0"/>
+        </a:xfrm>
+      </p:grpSpPr>
+      <p:sp>
+        <p:nvSpPr>
+          <p:cNvPr id="4" name="Rektangel 3">
+            <a:extLst>
+              <a:ext uri="{FF2B5EF4-FFF2-40B4-BE49-F238E27FC236}">
+                <a16:creationId xmlns:a16="http://schemas.microsoft.com/office/drawing/2014/main" id="{D5719493-3CFA-3E38-B36C-78F6ED0A3163}"/>
+              </a:ext>
+            </a:extLst>
+          </p:cNvPr>
+          <p:cNvSpPr/>
+          <p:nvPr/>
+        </p:nvSpPr>
+        <p:spPr>
+          <a:xfrm>
+            <a:off x="237067" y="544286"/>
+            <a:ext cx="10871200" cy="4789714"/>
+          </a:xfrm>
+          <a:prstGeom prst="rect">
+            <a:avLst/>
+          </a:prstGeom>
+          <a:solidFill>
+            <a:schemeClr val="tx1">
+              <a:lumMod val="95000"/>
+              <a:lumOff val="5000"/>
+            </a:schemeClr>
+          </a:solidFill>
+          <a:ln>
+            <a:noFill/>
+          </a:ln>
+        </p:spPr>
+        <p:style>
+          <a:lnRef idx="2">
+            <a:schemeClr val="accent1">
+              <a:shade val="15000"/>
+            </a:schemeClr>
+          </a:lnRef>
+          <a:fillRef idx="1">
+            <a:schemeClr val="accent1"/>
+          </a:fillRef>
+          <a:effectRef idx="0">
+            <a:schemeClr val="accent1"/>
+          </a:effectRef>
+          <a:fontRef idx="minor">
+            <a:schemeClr val="lt1"/>
+          </a:fontRef>
+        </p:style>
+        <p:txBody>
+          <a:bodyPr rtlCol="0" anchor="ctr"/>
+          <a:lstStyle/>
+          <a:p>
+            <a:r>
+              <a:rPr lang="sv-SE" sz="1200" dirty="0">
+                <a:solidFill>
+                  <a:schemeClr val="bg2">
+                    <a:lumMod val="90000"/>
+                  </a:schemeClr>
+                </a:solidFill>
+                <a:latin typeface="Consolas" panose="020B0609020204030204" pitchFamily="49" charset="0"/>
+                <a:cs typeface="Consolas" panose="020B0609020204030204" pitchFamily="49" charset="0"/>
+              </a:rPr>
+              <a:t>           </a:t>
+            </a:r>
+            <a:r>
+              <a:rPr lang="sv-SE" sz="1200" b="1" dirty="0">
+                <a:solidFill>
+                  <a:schemeClr val="bg2">
+                    <a:lumMod val="90000"/>
+                  </a:schemeClr>
+                </a:solidFill>
+                <a:latin typeface="Consolas" panose="020B0609020204030204" pitchFamily="49" charset="0"/>
+                <a:cs typeface="Consolas" panose="020B0609020204030204" pitchFamily="49" charset="0"/>
+              </a:rPr>
+              <a:t>for</a:t>
+            </a:r>
+            <a:r>
+              <a:rPr lang="sv-SE" sz="1200" dirty="0">
+                <a:solidFill>
+                  <a:schemeClr val="bg2">
+                    <a:lumMod val="90000"/>
+                  </a:schemeClr>
+                </a:solidFill>
+                <a:latin typeface="Consolas" panose="020B0609020204030204" pitchFamily="49" charset="0"/>
+                <a:cs typeface="Consolas" panose="020B0609020204030204" pitchFamily="49" charset="0"/>
+              </a:rPr>
+              <a:t> (var i = 0; i &lt; </a:t>
+            </a:r>
+            <a:r>
+              <a:rPr lang="sv-SE" sz="1200" dirty="0" err="1">
+                <a:solidFill>
+                  <a:schemeClr val="bg2">
+                    <a:lumMod val="90000"/>
+                  </a:schemeClr>
+                </a:solidFill>
+                <a:latin typeface="Consolas" panose="020B0609020204030204" pitchFamily="49" charset="0"/>
+                <a:cs typeface="Consolas" panose="020B0609020204030204" pitchFamily="49" charset="0"/>
+              </a:rPr>
+              <a:t>array.Items.Count</a:t>
+            </a:r>
+            <a:r>
+              <a:rPr lang="sv-SE" sz="1200" dirty="0">
+                <a:solidFill>
+                  <a:schemeClr val="bg2">
+                    <a:lumMod val="90000"/>
+                  </a:schemeClr>
+                </a:solidFill>
+                <a:latin typeface="Consolas" panose="020B0609020204030204" pitchFamily="49" charset="0"/>
+                <a:cs typeface="Consolas" panose="020B0609020204030204" pitchFamily="49" charset="0"/>
+              </a:rPr>
+              <a:t>; i++)</a:t>
+            </a:r>
+          </a:p>
+          <a:p>
+            <a:r>
+              <a:rPr lang="sv-SE" sz="1200" dirty="0">
+                <a:solidFill>
+                  <a:schemeClr val="bg2">
+                    <a:lumMod val="90000"/>
+                  </a:schemeClr>
+                </a:solidFill>
+                <a:latin typeface="Consolas" panose="020B0609020204030204" pitchFamily="49" charset="0"/>
+                <a:cs typeface="Consolas" panose="020B0609020204030204" pitchFamily="49" charset="0"/>
+              </a:rPr>
+              <a:t>           </a:t>
+            </a:r>
+            <a:r>
+              <a:rPr lang="sv-SE" sz="1200" b="1" dirty="0">
+                <a:solidFill>
+                  <a:schemeClr val="bg2">
+                    <a:lumMod val="90000"/>
+                  </a:schemeClr>
+                </a:solidFill>
+                <a:latin typeface="Consolas" panose="020B0609020204030204" pitchFamily="49" charset="0"/>
+                <a:cs typeface="Consolas" panose="020B0609020204030204" pitchFamily="49" charset="0"/>
+              </a:rPr>
+              <a:t>{</a:t>
+            </a:r>
+            <a:br>
+              <a:rPr lang="sv-SE" sz="1200" dirty="0">
+                <a:solidFill>
+                  <a:schemeClr val="bg2">
+                    <a:lumMod val="90000"/>
+                  </a:schemeClr>
+                </a:solidFill>
+                <a:latin typeface="Consolas" panose="020B0609020204030204" pitchFamily="49" charset="0"/>
+                <a:cs typeface="Consolas" panose="020B0609020204030204" pitchFamily="49" charset="0"/>
+              </a:rPr>
+            </a:br>
+            <a:r>
+              <a:rPr lang="sv-SE" sz="1200" dirty="0">
+                <a:solidFill>
+                  <a:schemeClr val="bg2">
+                    <a:lumMod val="90000"/>
+                  </a:schemeClr>
+                </a:solidFill>
+                <a:latin typeface="Consolas" panose="020B0609020204030204" pitchFamily="49" charset="0"/>
+                <a:cs typeface="Consolas" panose="020B0609020204030204" pitchFamily="49" charset="0"/>
+              </a:rPr>
+              <a:t>              </a:t>
+            </a:r>
+            <a:r>
+              <a:rPr lang="sv-SE" sz="1200" b="1" dirty="0">
+                <a:solidFill>
+                  <a:schemeClr val="bg2">
+                    <a:lumMod val="90000"/>
+                  </a:schemeClr>
+                </a:solidFill>
+                <a:latin typeface="Consolas" panose="020B0609020204030204" pitchFamily="49" charset="0"/>
+                <a:cs typeface="Consolas" panose="020B0609020204030204" pitchFamily="49" charset="0"/>
+              </a:rPr>
+              <a:t>var</a:t>
+            </a:r>
+            <a:r>
+              <a:rPr lang="sv-SE" sz="1200" dirty="0">
+                <a:solidFill>
+                  <a:schemeClr val="bg2">
+                    <a:lumMod val="90000"/>
+                  </a:schemeClr>
+                </a:solidFill>
+                <a:latin typeface="Consolas" panose="020B0609020204030204" pitchFamily="49" charset="0"/>
+                <a:cs typeface="Consolas" panose="020B0609020204030204" pitchFamily="49" charset="0"/>
+              </a:rPr>
+              <a:t> item = </a:t>
+            </a:r>
+            <a:r>
+              <a:rPr lang="sv-SE" sz="1200" dirty="0" err="1">
+                <a:solidFill>
+                  <a:schemeClr val="bg2">
+                    <a:lumMod val="90000"/>
+                  </a:schemeClr>
+                </a:solidFill>
+                <a:latin typeface="Consolas" panose="020B0609020204030204" pitchFamily="49" charset="0"/>
+                <a:cs typeface="Consolas" panose="020B0609020204030204" pitchFamily="49" charset="0"/>
+              </a:rPr>
+              <a:t>array.Items</a:t>
+            </a:r>
+            <a:r>
+              <a:rPr lang="sv-SE" sz="1200" dirty="0">
+                <a:solidFill>
+                  <a:schemeClr val="bg2">
+                    <a:lumMod val="90000"/>
+                  </a:schemeClr>
+                </a:solidFill>
+                <a:latin typeface="Consolas" panose="020B0609020204030204" pitchFamily="49" charset="0"/>
+                <a:cs typeface="Consolas" panose="020B0609020204030204" pitchFamily="49" charset="0"/>
+              </a:rPr>
+              <a:t>[i];</a:t>
+            </a:r>
+          </a:p>
+          <a:p>
+            <a:r>
+              <a:rPr lang="sv-SE" sz="1200" dirty="0">
+                <a:solidFill>
+                  <a:schemeClr val="bg2">
+                    <a:lumMod val="90000"/>
+                  </a:schemeClr>
+                </a:solidFill>
+                <a:latin typeface="Consolas" panose="020B0609020204030204" pitchFamily="49" charset="0"/>
+                <a:cs typeface="Consolas" panose="020B0609020204030204" pitchFamily="49" charset="0"/>
+              </a:rPr>
+              <a:t>              </a:t>
+            </a:r>
+            <a:r>
+              <a:rPr lang="sv-SE" sz="1200" b="1" dirty="0" err="1">
+                <a:solidFill>
+                  <a:schemeClr val="bg2">
+                    <a:lumMod val="90000"/>
+                  </a:schemeClr>
+                </a:solidFill>
+                <a:latin typeface="Consolas" panose="020B0609020204030204" pitchFamily="49" charset="0"/>
+                <a:cs typeface="Consolas" panose="020B0609020204030204" pitchFamily="49" charset="0"/>
+              </a:rPr>
+              <a:t>if</a:t>
+            </a:r>
+            <a:r>
+              <a:rPr lang="sv-SE" sz="1200" dirty="0">
+                <a:solidFill>
+                  <a:schemeClr val="bg2">
+                    <a:lumMod val="90000"/>
+                  </a:schemeClr>
+                </a:solidFill>
+                <a:latin typeface="Consolas" panose="020B0609020204030204" pitchFamily="49" charset="0"/>
+                <a:cs typeface="Consolas" panose="020B0609020204030204" pitchFamily="49" charset="0"/>
+              </a:rPr>
+              <a:t> (</a:t>
+            </a:r>
+            <a:r>
+              <a:rPr lang="sv-SE" sz="1200" dirty="0" err="1">
+                <a:solidFill>
+                  <a:schemeClr val="bg2">
+                    <a:lumMod val="90000"/>
+                  </a:schemeClr>
+                </a:solidFill>
+                <a:latin typeface="Consolas" panose="020B0609020204030204" pitchFamily="49" charset="0"/>
+                <a:cs typeface="Consolas" panose="020B0609020204030204" pitchFamily="49" charset="0"/>
+              </a:rPr>
+              <a:t>item.TryGetObject</a:t>
+            </a:r>
+            <a:r>
+              <a:rPr lang="sv-SE" sz="1200" dirty="0">
+                <a:solidFill>
+                  <a:schemeClr val="bg2">
+                    <a:lumMod val="90000"/>
+                  </a:schemeClr>
+                </a:solidFill>
+                <a:latin typeface="Consolas" panose="020B0609020204030204" pitchFamily="49" charset="0"/>
+                <a:cs typeface="Consolas" panose="020B0609020204030204" pitchFamily="49" charset="0"/>
+              </a:rPr>
+              <a:t>&lt;</a:t>
+            </a:r>
+            <a:r>
+              <a:rPr lang="sv-SE" sz="1200" dirty="0" err="1">
+                <a:solidFill>
+                  <a:schemeClr val="bg2">
+                    <a:lumMod val="90000"/>
+                  </a:schemeClr>
+                </a:solidFill>
+                <a:latin typeface="Consolas" panose="020B0609020204030204" pitchFamily="49" charset="0"/>
+                <a:cs typeface="Consolas" panose="020B0609020204030204" pitchFamily="49" charset="0"/>
+              </a:rPr>
+              <a:t>JsObject</a:t>
+            </a:r>
+            <a:r>
+              <a:rPr lang="sv-SE" sz="1200" dirty="0">
+                <a:solidFill>
+                  <a:schemeClr val="bg2">
+                    <a:lumMod val="90000"/>
+                  </a:schemeClr>
+                </a:solidFill>
+                <a:latin typeface="Consolas" panose="020B0609020204030204" pitchFamily="49" charset="0"/>
+                <a:cs typeface="Consolas" panose="020B0609020204030204" pitchFamily="49" charset="0"/>
+              </a:rPr>
+              <a:t>&gt;(</a:t>
+            </a:r>
+            <a:r>
+              <a:rPr lang="sv-SE" sz="1200" dirty="0" err="1">
+                <a:solidFill>
+                  <a:schemeClr val="bg2">
+                    <a:lumMod val="90000"/>
+                  </a:schemeClr>
+                </a:solidFill>
+                <a:latin typeface="Consolas" panose="020B0609020204030204" pitchFamily="49" charset="0"/>
+                <a:cs typeface="Consolas" panose="020B0609020204030204" pitchFamily="49" charset="0"/>
+              </a:rPr>
+              <a:t>out</a:t>
+            </a:r>
+            <a:r>
+              <a:rPr lang="sv-SE" sz="1200" dirty="0">
+                <a:solidFill>
+                  <a:schemeClr val="bg2">
+                    <a:lumMod val="90000"/>
+                  </a:schemeClr>
+                </a:solidFill>
+                <a:latin typeface="Consolas" panose="020B0609020204030204" pitchFamily="49" charset="0"/>
+                <a:cs typeface="Consolas" panose="020B0609020204030204" pitchFamily="49" charset="0"/>
+              </a:rPr>
+              <a:t> var </a:t>
+            </a:r>
+            <a:r>
+              <a:rPr lang="sv-SE" sz="1200" dirty="0" err="1">
+                <a:solidFill>
+                  <a:schemeClr val="bg2">
+                    <a:lumMod val="90000"/>
+                  </a:schemeClr>
+                </a:solidFill>
+                <a:latin typeface="Consolas" panose="020B0609020204030204" pitchFamily="49" charset="0"/>
+                <a:cs typeface="Consolas" panose="020B0609020204030204" pitchFamily="49" charset="0"/>
+              </a:rPr>
+              <a:t>itemObj</a:t>
+            </a:r>
+            <a:r>
+              <a:rPr lang="sv-SE" sz="1200" dirty="0">
+                <a:solidFill>
+                  <a:schemeClr val="bg2">
+                    <a:lumMod val="90000"/>
+                  </a:schemeClr>
+                </a:solidFill>
+                <a:latin typeface="Consolas" panose="020B0609020204030204" pitchFamily="49" charset="0"/>
+                <a:cs typeface="Consolas" panose="020B0609020204030204" pitchFamily="49" charset="0"/>
+              </a:rPr>
+              <a:t>) &amp;&amp; </a:t>
+            </a:r>
+            <a:r>
+              <a:rPr lang="sv-SE" sz="1200" dirty="0" err="1">
+                <a:solidFill>
+                  <a:schemeClr val="bg2">
+                    <a:lumMod val="90000"/>
+                  </a:schemeClr>
+                </a:solidFill>
+                <a:latin typeface="Consolas" panose="020B0609020204030204" pitchFamily="49" charset="0"/>
+                <a:cs typeface="Consolas" panose="020B0609020204030204" pitchFamily="49" charset="0"/>
+              </a:rPr>
+              <a:t>itemObj.TryGetProperty</a:t>
+            </a:r>
+            <a:r>
+              <a:rPr lang="sv-SE" sz="1200" dirty="0">
+                <a:solidFill>
+                  <a:schemeClr val="bg2">
+                    <a:lumMod val="90000"/>
+                  </a:schemeClr>
+                </a:solidFill>
+                <a:latin typeface="Consolas" panose="020B0609020204030204" pitchFamily="49" charset="0"/>
+                <a:cs typeface="Consolas" panose="020B0609020204030204" pitchFamily="49" charset="0"/>
+              </a:rPr>
+              <a:t>("</a:t>
+            </a:r>
+            <a:r>
+              <a:rPr lang="sv-SE" sz="1200" dirty="0" err="1">
+                <a:solidFill>
+                  <a:schemeClr val="bg2">
+                    <a:lumMod val="90000"/>
+                  </a:schemeClr>
+                </a:solidFill>
+                <a:latin typeface="Consolas" panose="020B0609020204030204" pitchFamily="49" charset="0"/>
+                <a:cs typeface="Consolas" panose="020B0609020204030204" pitchFamily="49" charset="0"/>
+              </a:rPr>
+              <a:t>then</a:t>
+            </a:r>
+            <a:r>
+              <a:rPr lang="sv-SE" sz="1200" dirty="0">
+                <a:solidFill>
+                  <a:schemeClr val="bg2">
+                    <a:lumMod val="90000"/>
+                  </a:schemeClr>
+                </a:solidFill>
+                <a:latin typeface="Consolas" panose="020B0609020204030204" pitchFamily="49" charset="0"/>
+                <a:cs typeface="Consolas" panose="020B0609020204030204" pitchFamily="49" charset="0"/>
+              </a:rPr>
+              <a:t>", </a:t>
+            </a:r>
+            <a:r>
+              <a:rPr lang="sv-SE" sz="1200" dirty="0" err="1">
+                <a:solidFill>
+                  <a:schemeClr val="bg2">
+                    <a:lumMod val="90000"/>
+                  </a:schemeClr>
+                </a:solidFill>
+                <a:latin typeface="Consolas" panose="020B0609020204030204" pitchFamily="49" charset="0"/>
+                <a:cs typeface="Consolas" panose="020B0609020204030204" pitchFamily="49" charset="0"/>
+              </a:rPr>
+              <a:t>out</a:t>
+            </a:r>
+            <a:r>
+              <a:rPr lang="sv-SE" sz="1200" dirty="0">
+                <a:solidFill>
+                  <a:schemeClr val="bg2">
+                    <a:lumMod val="90000"/>
+                  </a:schemeClr>
+                </a:solidFill>
+                <a:latin typeface="Consolas" panose="020B0609020204030204" pitchFamily="49" charset="0"/>
+                <a:cs typeface="Consolas" panose="020B0609020204030204" pitchFamily="49" charset="0"/>
+              </a:rPr>
+              <a:t> var </a:t>
+            </a:r>
+            <a:r>
+              <a:rPr lang="sv-SE" sz="1200" dirty="0" err="1">
+                <a:solidFill>
+                  <a:schemeClr val="bg2">
+                    <a:lumMod val="90000"/>
+                  </a:schemeClr>
+                </a:solidFill>
+                <a:latin typeface="Consolas" panose="020B0609020204030204" pitchFamily="49" charset="0"/>
+                <a:cs typeface="Consolas" panose="020B0609020204030204" pitchFamily="49" charset="0"/>
+              </a:rPr>
+              <a:t>thenMethod</a:t>
+            </a:r>
+            <a:r>
+              <a:rPr lang="sv-SE" sz="1200" dirty="0">
+                <a:solidFill>
+                  <a:schemeClr val="bg2">
+                    <a:lumMod val="90000"/>
+                  </a:schemeClr>
+                </a:solidFill>
+                <a:latin typeface="Consolas" panose="020B0609020204030204" pitchFamily="49" charset="0"/>
+                <a:cs typeface="Consolas" panose="020B0609020204030204" pitchFamily="49" charset="0"/>
+              </a:rPr>
+              <a:t>) &amp;&amp;</a:t>
+            </a:r>
+          </a:p>
+          <a:p>
+            <a:r>
+              <a:rPr lang="sv-SE" sz="1200" dirty="0">
+                <a:solidFill>
+                  <a:schemeClr val="bg2">
+                    <a:lumMod val="90000"/>
+                  </a:schemeClr>
+                </a:solidFill>
+                <a:latin typeface="Consolas" panose="020B0609020204030204" pitchFamily="49" charset="0"/>
+                <a:cs typeface="Consolas" panose="020B0609020204030204" pitchFamily="49" charset="0"/>
+              </a:rPr>
+              <a:t>                 </a:t>
+            </a:r>
+            <a:r>
+              <a:rPr lang="sv-SE" sz="1200" b="1" dirty="0" err="1">
+                <a:solidFill>
+                  <a:schemeClr val="bg2">
+                    <a:lumMod val="90000"/>
+                  </a:schemeClr>
+                </a:solidFill>
+                <a:latin typeface="Consolas" panose="020B0609020204030204" pitchFamily="49" charset="0"/>
+                <a:cs typeface="Consolas" panose="020B0609020204030204" pitchFamily="49" charset="0"/>
+              </a:rPr>
+              <a:t>thenMethod</a:t>
+            </a:r>
+            <a:r>
+              <a:rPr lang="sv-SE" sz="1200" dirty="0" err="1">
+                <a:solidFill>
+                  <a:schemeClr val="bg2">
+                    <a:lumMod val="90000"/>
+                  </a:schemeClr>
+                </a:solidFill>
+                <a:latin typeface="Consolas" panose="020B0609020204030204" pitchFamily="49" charset="0"/>
+                <a:cs typeface="Consolas" panose="020B0609020204030204" pitchFamily="49" charset="0"/>
+              </a:rPr>
+              <a:t>.TryGetCallable</a:t>
+            </a:r>
+            <a:r>
+              <a:rPr lang="sv-SE" sz="1200" dirty="0">
+                <a:solidFill>
+                  <a:schemeClr val="bg2">
+                    <a:lumMod val="90000"/>
+                  </a:schemeClr>
+                </a:solidFill>
+                <a:latin typeface="Consolas" panose="020B0609020204030204" pitchFamily="49" charset="0"/>
+                <a:cs typeface="Consolas" panose="020B0609020204030204" pitchFamily="49" charset="0"/>
+              </a:rPr>
+              <a:t>(</a:t>
+            </a:r>
+            <a:r>
+              <a:rPr lang="sv-SE" sz="1200" dirty="0" err="1">
+                <a:solidFill>
+                  <a:schemeClr val="bg2">
+                    <a:lumMod val="90000"/>
+                  </a:schemeClr>
+                </a:solidFill>
+                <a:latin typeface="Consolas" panose="020B0609020204030204" pitchFamily="49" charset="0"/>
+                <a:cs typeface="Consolas" panose="020B0609020204030204" pitchFamily="49" charset="0"/>
+              </a:rPr>
+              <a:t>out</a:t>
+            </a:r>
+            <a:r>
+              <a:rPr lang="sv-SE" sz="1200" dirty="0">
+                <a:solidFill>
+                  <a:schemeClr val="bg2">
+                    <a:lumMod val="90000"/>
+                  </a:schemeClr>
+                </a:solidFill>
+                <a:latin typeface="Consolas" panose="020B0609020204030204" pitchFamily="49" charset="0"/>
+                <a:cs typeface="Consolas" panose="020B0609020204030204" pitchFamily="49" charset="0"/>
+              </a:rPr>
+              <a:t> var </a:t>
+            </a:r>
+            <a:r>
+              <a:rPr lang="sv-SE" sz="1200" dirty="0" err="1">
+                <a:solidFill>
+                  <a:schemeClr val="bg2">
+                    <a:lumMod val="90000"/>
+                  </a:schemeClr>
+                </a:solidFill>
+                <a:latin typeface="Consolas" panose="020B0609020204030204" pitchFamily="49" charset="0"/>
+                <a:cs typeface="Consolas" panose="020B0609020204030204" pitchFamily="49" charset="0"/>
+              </a:rPr>
+              <a:t>thenCallable</a:t>
+            </a:r>
+            <a:r>
+              <a:rPr lang="sv-SE" sz="1200" dirty="0">
+                <a:solidFill>
+                  <a:schemeClr val="bg2">
+                    <a:lumMod val="90000"/>
+                  </a:schemeClr>
+                </a:solidFill>
+                <a:latin typeface="Consolas" panose="020B0609020204030204" pitchFamily="49" charset="0"/>
+                <a:cs typeface="Consolas" panose="020B0609020204030204" pitchFamily="49" charset="0"/>
+              </a:rPr>
+              <a:t>))</a:t>
+            </a:r>
+          </a:p>
+          <a:p>
+            <a:r>
+              <a:rPr lang="sv-SE" sz="1200" dirty="0">
+                <a:solidFill>
+                  <a:schemeClr val="bg2">
+                    <a:lumMod val="90000"/>
+                  </a:schemeClr>
+                </a:solidFill>
+                <a:latin typeface="Consolas" panose="020B0609020204030204" pitchFamily="49" charset="0"/>
+                <a:cs typeface="Consolas" panose="020B0609020204030204" pitchFamily="49" charset="0"/>
+              </a:rPr>
+              <a:t>              </a:t>
+            </a:r>
+            <a:r>
+              <a:rPr lang="sv-SE" sz="1200" b="1" dirty="0">
+                <a:solidFill>
+                  <a:schemeClr val="bg2">
+                    <a:lumMod val="90000"/>
+                  </a:schemeClr>
+                </a:solidFill>
+                <a:latin typeface="Consolas" panose="020B0609020204030204" pitchFamily="49" charset="0"/>
+                <a:cs typeface="Consolas" panose="020B0609020204030204" pitchFamily="49" charset="0"/>
+              </a:rPr>
+              <a:t>{</a:t>
+            </a:r>
+          </a:p>
+          <a:p>
+            <a:r>
+              <a:rPr lang="sv-SE" sz="1200" dirty="0">
+                <a:solidFill>
+                  <a:schemeClr val="bg2">
+                    <a:lumMod val="90000"/>
+                  </a:schemeClr>
+                </a:solidFill>
+                <a:latin typeface="Consolas" panose="020B0609020204030204" pitchFamily="49" charset="0"/>
+                <a:cs typeface="Consolas" panose="020B0609020204030204" pitchFamily="49" charset="0"/>
+              </a:rPr>
+              <a:t>                 </a:t>
+            </a:r>
+            <a:r>
+              <a:rPr lang="sv-SE" sz="1200" b="1" dirty="0">
+                <a:solidFill>
+                  <a:schemeClr val="bg2">
+                    <a:lumMod val="90000"/>
+                  </a:schemeClr>
+                </a:solidFill>
+                <a:latin typeface="Consolas" panose="020B0609020204030204" pitchFamily="49" charset="0"/>
+                <a:cs typeface="Consolas" panose="020B0609020204030204" pitchFamily="49" charset="0"/>
+              </a:rPr>
+              <a:t>var</a:t>
+            </a:r>
+            <a:r>
+              <a:rPr lang="sv-SE" sz="1200" dirty="0">
+                <a:solidFill>
+                  <a:schemeClr val="bg2">
+                    <a:lumMod val="90000"/>
+                  </a:schemeClr>
+                </a:solidFill>
+                <a:latin typeface="Consolas" panose="020B0609020204030204" pitchFamily="49" charset="0"/>
+                <a:cs typeface="Consolas" panose="020B0609020204030204" pitchFamily="49" charset="0"/>
+              </a:rPr>
+              <a:t> </a:t>
+            </a:r>
+            <a:r>
+              <a:rPr lang="sv-SE" sz="1200" dirty="0" err="1">
+                <a:solidFill>
+                  <a:schemeClr val="bg2">
+                    <a:lumMod val="90000"/>
+                  </a:schemeClr>
+                </a:solidFill>
+                <a:latin typeface="Consolas" panose="020B0609020204030204" pitchFamily="49" charset="0"/>
+                <a:cs typeface="Consolas" panose="020B0609020204030204" pitchFamily="49" charset="0"/>
+              </a:rPr>
+              <a:t>thenArgs</a:t>
+            </a:r>
+            <a:r>
+              <a:rPr lang="sv-SE" sz="1200" dirty="0">
+                <a:solidFill>
+                  <a:schemeClr val="bg2">
+                    <a:lumMod val="90000"/>
+                  </a:schemeClr>
+                </a:solidFill>
+                <a:latin typeface="Consolas" panose="020B0609020204030204" pitchFamily="49" charset="0"/>
+                <a:cs typeface="Consolas" panose="020B0609020204030204" pitchFamily="49" charset="0"/>
+              </a:rPr>
+              <a:t> = new[] { (</a:t>
+            </a:r>
+            <a:r>
+              <a:rPr lang="sv-SE" sz="1200" dirty="0" err="1">
+                <a:solidFill>
+                  <a:schemeClr val="bg2">
+                    <a:lumMod val="90000"/>
+                  </a:schemeClr>
+                </a:solidFill>
+                <a:latin typeface="Consolas" panose="020B0609020204030204" pitchFamily="49" charset="0"/>
+                <a:cs typeface="Consolas" panose="020B0609020204030204" pitchFamily="49" charset="0"/>
+              </a:rPr>
+              <a:t>JsValue</a:t>
+            </a:r>
+            <a:r>
+              <a:rPr lang="sv-SE" sz="1200" dirty="0">
+                <a:solidFill>
+                  <a:schemeClr val="bg2">
+                    <a:lumMod val="90000"/>
+                  </a:schemeClr>
+                </a:solidFill>
+                <a:latin typeface="Consolas" panose="020B0609020204030204" pitchFamily="49" charset="0"/>
+                <a:cs typeface="Consolas" panose="020B0609020204030204" pitchFamily="49" charset="0"/>
+              </a:rPr>
+              <a:t>)</a:t>
+            </a:r>
+            <a:r>
+              <a:rPr lang="sv-SE" sz="1200" dirty="0" err="1">
+                <a:solidFill>
+                  <a:schemeClr val="bg2">
+                    <a:lumMod val="90000"/>
+                  </a:schemeClr>
+                </a:solidFill>
+                <a:latin typeface="Consolas" panose="020B0609020204030204" pitchFamily="49" charset="0"/>
+                <a:cs typeface="Consolas" panose="020B0609020204030204" pitchFamily="49" charset="0"/>
+              </a:rPr>
+              <a:t>CreateResolve</a:t>
+            </a:r>
+            <a:r>
+              <a:rPr lang="sv-SE" sz="1200" dirty="0">
+                <a:solidFill>
+                  <a:schemeClr val="bg2">
+                    <a:lumMod val="90000"/>
+                  </a:schemeClr>
+                </a:solidFill>
+                <a:latin typeface="Consolas" panose="020B0609020204030204" pitchFamily="49" charset="0"/>
+                <a:cs typeface="Consolas" panose="020B0609020204030204" pitchFamily="49" charset="0"/>
+              </a:rPr>
+              <a:t>(i), (</a:t>
+            </a:r>
+            <a:r>
+              <a:rPr lang="sv-SE" sz="1200" dirty="0" err="1">
+                <a:solidFill>
+                  <a:schemeClr val="bg2">
+                    <a:lumMod val="90000"/>
+                  </a:schemeClr>
+                </a:solidFill>
+                <a:latin typeface="Consolas" panose="020B0609020204030204" pitchFamily="49" charset="0"/>
+                <a:cs typeface="Consolas" panose="020B0609020204030204" pitchFamily="49" charset="0"/>
+              </a:rPr>
+              <a:t>JsValue</a:t>
+            </a:r>
+            <a:r>
+              <a:rPr lang="sv-SE" sz="1200" dirty="0">
+                <a:solidFill>
+                  <a:schemeClr val="bg2">
+                    <a:lumMod val="90000"/>
+                  </a:schemeClr>
+                </a:solidFill>
+                <a:latin typeface="Consolas" panose="020B0609020204030204" pitchFamily="49" charset="0"/>
+                <a:cs typeface="Consolas" panose="020B0609020204030204" pitchFamily="49" charset="0"/>
+              </a:rPr>
+              <a:t>)</a:t>
+            </a:r>
+            <a:r>
+              <a:rPr lang="sv-SE" sz="1200" dirty="0" err="1">
+                <a:solidFill>
+                  <a:schemeClr val="bg2">
+                    <a:lumMod val="90000"/>
+                  </a:schemeClr>
+                </a:solidFill>
+                <a:latin typeface="Consolas" panose="020B0609020204030204" pitchFamily="49" charset="0"/>
+                <a:cs typeface="Consolas" panose="020B0609020204030204" pitchFamily="49" charset="0"/>
+              </a:rPr>
+              <a:t>CreateReject</a:t>
+            </a:r>
+            <a:r>
+              <a:rPr lang="sv-SE" sz="1200" dirty="0">
+                <a:solidFill>
+                  <a:schemeClr val="bg2">
+                    <a:lumMod val="90000"/>
+                  </a:schemeClr>
+                </a:solidFill>
+                <a:latin typeface="Consolas" panose="020B0609020204030204" pitchFamily="49" charset="0"/>
+                <a:cs typeface="Consolas" panose="020B0609020204030204" pitchFamily="49" charset="0"/>
+              </a:rPr>
+              <a:t>(i) };</a:t>
+            </a:r>
+          </a:p>
+          <a:p>
+            <a:r>
+              <a:rPr lang="sv-SE" sz="1200" dirty="0">
+                <a:solidFill>
+                  <a:schemeClr val="bg2">
+                    <a:lumMod val="90000"/>
+                  </a:schemeClr>
+                </a:solidFill>
+                <a:latin typeface="Consolas" panose="020B0609020204030204" pitchFamily="49" charset="0"/>
+                <a:cs typeface="Consolas" panose="020B0609020204030204" pitchFamily="49" charset="0"/>
+              </a:rPr>
+              <a:t>                 </a:t>
+            </a:r>
+            <a:r>
+              <a:rPr lang="sv-SE" sz="1200" b="1" dirty="0" err="1">
+                <a:solidFill>
+                  <a:schemeClr val="bg2">
+                    <a:lumMod val="90000"/>
+                  </a:schemeClr>
+                </a:solidFill>
+                <a:latin typeface="Consolas" panose="020B0609020204030204" pitchFamily="49" charset="0"/>
+                <a:cs typeface="Consolas" panose="020B0609020204030204" pitchFamily="49" charset="0"/>
+              </a:rPr>
+              <a:t>thenCallable</a:t>
+            </a:r>
+            <a:r>
+              <a:rPr lang="sv-SE" sz="1200" dirty="0" err="1">
+                <a:solidFill>
+                  <a:schemeClr val="bg2">
+                    <a:lumMod val="90000"/>
+                  </a:schemeClr>
+                </a:solidFill>
+                <a:latin typeface="Consolas" panose="020B0609020204030204" pitchFamily="49" charset="0"/>
+                <a:cs typeface="Consolas" panose="020B0609020204030204" pitchFamily="49" charset="0"/>
+              </a:rPr>
+              <a:t>.Invoke</a:t>
+            </a:r>
+            <a:r>
+              <a:rPr lang="sv-SE" sz="1200" dirty="0">
+                <a:solidFill>
+                  <a:schemeClr val="bg2">
+                    <a:lumMod val="90000"/>
+                  </a:schemeClr>
+                </a:solidFill>
+                <a:latin typeface="Consolas" panose="020B0609020204030204" pitchFamily="49" charset="0"/>
+                <a:cs typeface="Consolas" panose="020B0609020204030204" pitchFamily="49" charset="0"/>
+              </a:rPr>
+              <a:t>(</a:t>
+            </a:r>
+            <a:r>
+              <a:rPr lang="sv-SE" sz="1200" dirty="0" err="1">
+                <a:solidFill>
+                  <a:schemeClr val="bg2">
+                    <a:lumMod val="90000"/>
+                  </a:schemeClr>
+                </a:solidFill>
+                <a:latin typeface="Consolas" panose="020B0609020204030204" pitchFamily="49" charset="0"/>
+                <a:cs typeface="Consolas" panose="020B0609020204030204" pitchFamily="49" charset="0"/>
+              </a:rPr>
+              <a:t>thenArgs</a:t>
+            </a:r>
+            <a:r>
+              <a:rPr lang="sv-SE" sz="1200" dirty="0">
+                <a:solidFill>
+                  <a:schemeClr val="bg2">
+                    <a:lumMod val="90000"/>
+                  </a:schemeClr>
+                </a:solidFill>
+                <a:latin typeface="Consolas" panose="020B0609020204030204" pitchFamily="49" charset="0"/>
+                <a:cs typeface="Consolas" panose="020B0609020204030204" pitchFamily="49" charset="0"/>
+              </a:rPr>
+              <a:t>, item);</a:t>
+            </a:r>
+          </a:p>
+          <a:p>
+            <a:r>
+              <a:rPr lang="sv-SE" sz="1200" dirty="0">
+                <a:solidFill>
+                  <a:schemeClr val="bg2">
+                    <a:lumMod val="90000"/>
+                  </a:schemeClr>
+                </a:solidFill>
+                <a:latin typeface="Consolas" panose="020B0609020204030204" pitchFamily="49" charset="0"/>
+                <a:cs typeface="Consolas" panose="020B0609020204030204" pitchFamily="49" charset="0"/>
+              </a:rPr>
+              <a:t>              </a:t>
+            </a:r>
+            <a:r>
+              <a:rPr lang="sv-SE" sz="1200" b="1" dirty="0">
+                <a:solidFill>
+                  <a:schemeClr val="bg2">
+                    <a:lumMod val="90000"/>
+                  </a:schemeClr>
+                </a:solidFill>
+                <a:latin typeface="Consolas" panose="020B0609020204030204" pitchFamily="49" charset="0"/>
+                <a:cs typeface="Consolas" panose="020B0609020204030204" pitchFamily="49" charset="0"/>
+              </a:rPr>
+              <a:t>}</a:t>
+            </a:r>
+          </a:p>
+          <a:p>
+            <a:r>
+              <a:rPr lang="sv-SE" sz="1200" dirty="0">
+                <a:solidFill>
+                  <a:schemeClr val="bg2">
+                    <a:lumMod val="90000"/>
+                  </a:schemeClr>
+                </a:solidFill>
+                <a:latin typeface="Consolas" panose="020B0609020204030204" pitchFamily="49" charset="0"/>
+                <a:cs typeface="Consolas" panose="020B0609020204030204" pitchFamily="49" charset="0"/>
+              </a:rPr>
+              <a:t>              </a:t>
+            </a:r>
+            <a:r>
+              <a:rPr lang="sv-SE" sz="1200" b="1" dirty="0" err="1">
+                <a:solidFill>
+                  <a:schemeClr val="bg2">
+                    <a:lumMod val="90000"/>
+                  </a:schemeClr>
+                </a:solidFill>
+                <a:latin typeface="Consolas" panose="020B0609020204030204" pitchFamily="49" charset="0"/>
+                <a:cs typeface="Consolas" panose="020B0609020204030204" pitchFamily="49" charset="0"/>
+              </a:rPr>
+              <a:t>else</a:t>
+            </a:r>
+            <a:endParaRPr lang="sv-SE" sz="1200" b="1" dirty="0">
+              <a:solidFill>
+                <a:schemeClr val="bg2">
+                  <a:lumMod val="90000"/>
+                </a:schemeClr>
+              </a:solidFill>
+              <a:latin typeface="Consolas" panose="020B0609020204030204" pitchFamily="49" charset="0"/>
+              <a:cs typeface="Consolas" panose="020B0609020204030204" pitchFamily="49" charset="0"/>
+            </a:endParaRPr>
+          </a:p>
+          <a:p>
+            <a:r>
+              <a:rPr lang="sv-SE" sz="1200" dirty="0">
+                <a:solidFill>
+                  <a:schemeClr val="bg2">
+                    <a:lumMod val="90000"/>
+                  </a:schemeClr>
+                </a:solidFill>
+                <a:latin typeface="Consolas" panose="020B0609020204030204" pitchFamily="49" charset="0"/>
+                <a:cs typeface="Consolas" panose="020B0609020204030204" pitchFamily="49" charset="0"/>
+              </a:rPr>
+              <a:t>              </a:t>
+            </a:r>
+            <a:r>
+              <a:rPr lang="sv-SE" sz="1200" b="1" dirty="0">
+                <a:solidFill>
+                  <a:schemeClr val="bg2">
+                    <a:lumMod val="90000"/>
+                  </a:schemeClr>
+                </a:solidFill>
+                <a:latin typeface="Consolas" panose="020B0609020204030204" pitchFamily="49" charset="0"/>
+                <a:cs typeface="Consolas" panose="020B0609020204030204" pitchFamily="49" charset="0"/>
+              </a:rPr>
+              <a:t>{</a:t>
+            </a:r>
+          </a:p>
+          <a:p>
+            <a:r>
+              <a:rPr lang="sv-SE" sz="1200" dirty="0">
+                <a:solidFill>
+                  <a:schemeClr val="bg2">
+                    <a:lumMod val="90000"/>
+                  </a:schemeClr>
+                </a:solidFill>
+                <a:latin typeface="Consolas" panose="020B0609020204030204" pitchFamily="49" charset="0"/>
+                <a:cs typeface="Consolas" panose="020B0609020204030204" pitchFamily="49" charset="0"/>
+              </a:rPr>
+              <a:t>                 </a:t>
+            </a:r>
+            <a:r>
+              <a:rPr lang="sv-SE" sz="1200" b="1" dirty="0" err="1">
+                <a:solidFill>
+                  <a:schemeClr val="bg2">
+                    <a:lumMod val="90000"/>
+                  </a:schemeClr>
+                </a:solidFill>
+                <a:latin typeface="Consolas" panose="020B0609020204030204" pitchFamily="49" charset="0"/>
+                <a:cs typeface="Consolas" panose="020B0609020204030204" pitchFamily="49" charset="0"/>
+              </a:rPr>
+              <a:t>Resolve</a:t>
+            </a:r>
+            <a:r>
+              <a:rPr lang="sv-SE" sz="1200" dirty="0">
+                <a:solidFill>
+                  <a:schemeClr val="bg2">
+                    <a:lumMod val="90000"/>
+                  </a:schemeClr>
+                </a:solidFill>
+                <a:latin typeface="Consolas" panose="020B0609020204030204" pitchFamily="49" charset="0"/>
+                <a:cs typeface="Consolas" panose="020B0609020204030204" pitchFamily="49" charset="0"/>
+              </a:rPr>
+              <a:t>(i, item, </a:t>
+            </a:r>
+            <a:r>
+              <a:rPr lang="sv-SE" sz="1200" dirty="0" err="1">
+                <a:solidFill>
+                  <a:schemeClr val="bg2">
+                    <a:lumMod val="90000"/>
+                  </a:schemeClr>
+                </a:solidFill>
+                <a:latin typeface="Consolas" panose="020B0609020204030204" pitchFamily="49" charset="0"/>
+                <a:cs typeface="Consolas" panose="020B0609020204030204" pitchFamily="49" charset="0"/>
+              </a:rPr>
+              <a:t>false</a:t>
+            </a:r>
+            <a:r>
+              <a:rPr lang="sv-SE" sz="1200" dirty="0">
+                <a:solidFill>
+                  <a:schemeClr val="bg2">
+                    <a:lumMod val="90000"/>
+                  </a:schemeClr>
+                </a:solidFill>
+                <a:latin typeface="Consolas" panose="020B0609020204030204" pitchFamily="49" charset="0"/>
+                <a:cs typeface="Consolas" panose="020B0609020204030204" pitchFamily="49" charset="0"/>
+              </a:rPr>
+              <a:t>);</a:t>
+            </a:r>
+          </a:p>
+          <a:p>
+            <a:r>
+              <a:rPr lang="sv-SE" sz="1200" dirty="0">
+                <a:solidFill>
+                  <a:schemeClr val="bg2">
+                    <a:lumMod val="90000"/>
+                  </a:schemeClr>
+                </a:solidFill>
+                <a:latin typeface="Consolas" panose="020B0609020204030204" pitchFamily="49" charset="0"/>
+                <a:cs typeface="Consolas" panose="020B0609020204030204" pitchFamily="49" charset="0"/>
+              </a:rPr>
+              <a:t>              </a:t>
+            </a:r>
+            <a:r>
+              <a:rPr lang="sv-SE" sz="1200" b="1" dirty="0">
+                <a:solidFill>
+                  <a:schemeClr val="bg2">
+                    <a:lumMod val="90000"/>
+                  </a:schemeClr>
+                </a:solidFill>
+                <a:latin typeface="Consolas" panose="020B0609020204030204" pitchFamily="49" charset="0"/>
+                <a:cs typeface="Consolas" panose="020B0609020204030204" pitchFamily="49" charset="0"/>
+              </a:rPr>
+              <a:t>}</a:t>
+            </a:r>
+          </a:p>
+          <a:p>
+            <a:r>
+              <a:rPr lang="sv-SE" sz="1200" dirty="0">
+                <a:solidFill>
+                  <a:schemeClr val="bg2">
+                    <a:lumMod val="90000"/>
+                  </a:schemeClr>
+                </a:solidFill>
+                <a:latin typeface="Consolas" panose="020B0609020204030204" pitchFamily="49" charset="0"/>
+                <a:cs typeface="Consolas" panose="020B0609020204030204" pitchFamily="49" charset="0"/>
+              </a:rPr>
+              <a:t>           </a:t>
+            </a:r>
+            <a:r>
+              <a:rPr lang="sv-SE" sz="1200" b="1" dirty="0">
+                <a:solidFill>
+                  <a:schemeClr val="bg2">
+                    <a:lumMod val="90000"/>
+                  </a:schemeClr>
+                </a:solidFill>
+                <a:latin typeface="Consolas" panose="020B0609020204030204" pitchFamily="49" charset="0"/>
+                <a:cs typeface="Consolas" panose="020B0609020204030204" pitchFamily="49" charset="0"/>
+              </a:rPr>
+              <a:t>}</a:t>
+            </a:r>
+            <a:endParaRPr lang="sv-SE" sz="1200" dirty="0">
+              <a:solidFill>
+                <a:schemeClr val="bg2">
+                  <a:lumMod val="90000"/>
+                </a:schemeClr>
+              </a:solidFill>
+              <a:latin typeface="Consolas" panose="020B0609020204030204" pitchFamily="49" charset="0"/>
+              <a:cs typeface="Consolas" panose="020B0609020204030204" pitchFamily="49" charset="0"/>
+            </a:endParaRPr>
+          </a:p>
+          <a:p>
+            <a:r>
+              <a:rPr lang="sv-SE" sz="1200" dirty="0">
+                <a:solidFill>
+                  <a:schemeClr val="bg2">
+                    <a:lumMod val="90000"/>
+                  </a:schemeClr>
+                </a:solidFill>
+                <a:latin typeface="Consolas" panose="020B0609020204030204" pitchFamily="49" charset="0"/>
+                <a:cs typeface="Consolas" panose="020B0609020204030204" pitchFamily="49" charset="0"/>
+              </a:rPr>
+              <a:t>           </a:t>
+            </a:r>
+            <a:r>
+              <a:rPr lang="sv-SE" sz="1200" b="1" dirty="0" err="1">
+                <a:solidFill>
+                  <a:schemeClr val="bg2">
+                    <a:lumMod val="90000"/>
+                  </a:schemeClr>
+                </a:solidFill>
+                <a:latin typeface="Consolas" panose="020B0609020204030204" pitchFamily="49" charset="0"/>
+                <a:cs typeface="Consolas" panose="020B0609020204030204" pitchFamily="49" charset="0"/>
+              </a:rPr>
+              <a:t>return</a:t>
+            </a:r>
+            <a:r>
+              <a:rPr lang="sv-SE" sz="1200" dirty="0">
+                <a:solidFill>
+                  <a:schemeClr val="bg2">
+                    <a:lumMod val="90000"/>
+                  </a:schemeClr>
+                </a:solidFill>
+                <a:latin typeface="Consolas" panose="020B0609020204030204" pitchFamily="49" charset="0"/>
+                <a:cs typeface="Consolas" panose="020B0609020204030204" pitchFamily="49" charset="0"/>
+              </a:rPr>
+              <a:t> new </a:t>
+            </a:r>
+            <a:r>
+              <a:rPr lang="sv-SE" sz="1200" dirty="0" err="1">
+                <a:solidFill>
+                  <a:schemeClr val="bg2">
+                    <a:lumMod val="90000"/>
+                  </a:schemeClr>
+                </a:solidFill>
+                <a:latin typeface="Consolas" panose="020B0609020204030204" pitchFamily="49" charset="0"/>
+                <a:cs typeface="Consolas" panose="020B0609020204030204" pitchFamily="49" charset="0"/>
+              </a:rPr>
+              <a:t>JsValue</a:t>
+            </a:r>
+            <a:r>
+              <a:rPr lang="sv-SE" sz="1200" dirty="0">
+                <a:solidFill>
+                  <a:schemeClr val="bg2">
+                    <a:lumMod val="90000"/>
+                  </a:schemeClr>
+                </a:solidFill>
+                <a:latin typeface="Consolas" panose="020B0609020204030204" pitchFamily="49" charset="0"/>
+                <a:cs typeface="Consolas" panose="020B0609020204030204" pitchFamily="49" charset="0"/>
+              </a:rPr>
+              <a:t>(</a:t>
+            </a:r>
+            <a:r>
+              <a:rPr lang="sv-SE" sz="1200" dirty="0" err="1">
+                <a:solidFill>
+                  <a:schemeClr val="bg2">
+                    <a:lumMod val="90000"/>
+                  </a:schemeClr>
+                </a:solidFill>
+                <a:latin typeface="Consolas" panose="020B0609020204030204" pitchFamily="49" charset="0"/>
+                <a:cs typeface="Consolas" panose="020B0609020204030204" pitchFamily="49" charset="0"/>
+              </a:rPr>
+              <a:t>resultPromise.JsObject</a:t>
+            </a:r>
+            <a:r>
+              <a:rPr lang="sv-SE" sz="1200" dirty="0">
+                <a:solidFill>
+                  <a:schemeClr val="bg2">
+                    <a:lumMod val="90000"/>
+                  </a:schemeClr>
+                </a:solidFill>
+                <a:latin typeface="Consolas" panose="020B0609020204030204" pitchFamily="49" charset="0"/>
+                <a:cs typeface="Consolas" panose="020B0609020204030204" pitchFamily="49" charset="0"/>
+              </a:rPr>
+              <a:t>);</a:t>
+            </a:r>
+          </a:p>
+          <a:p>
+            <a:r>
+              <a:rPr lang="sv-SE" sz="1200" dirty="0">
+                <a:solidFill>
+                  <a:schemeClr val="bg2">
+                    <a:lumMod val="90000"/>
+                  </a:schemeClr>
+                </a:solidFill>
+                <a:latin typeface="Consolas" panose="020B0609020204030204" pitchFamily="49" charset="0"/>
+                <a:cs typeface="Consolas" panose="020B0609020204030204" pitchFamily="49" charset="0"/>
+              </a:rPr>
+              <a:t>           </a:t>
+            </a:r>
+            <a:r>
+              <a:rPr lang="sv-SE" sz="1200" b="1" dirty="0" err="1">
+                <a:solidFill>
+                  <a:schemeClr val="bg2">
+                    <a:lumMod val="90000"/>
+                  </a:schemeClr>
+                </a:solidFill>
+                <a:latin typeface="Consolas" panose="020B0609020204030204" pitchFamily="49" charset="0"/>
+                <a:cs typeface="Consolas" panose="020B0609020204030204" pitchFamily="49" charset="0"/>
+              </a:rPr>
+              <a:t>HostFunction</a:t>
+            </a:r>
+            <a:r>
+              <a:rPr lang="sv-SE" sz="1200" dirty="0">
+                <a:solidFill>
+                  <a:schemeClr val="bg2">
+                    <a:lumMod val="90000"/>
+                  </a:schemeClr>
+                </a:solidFill>
+                <a:latin typeface="Consolas" panose="020B0609020204030204" pitchFamily="49" charset="0"/>
+                <a:cs typeface="Consolas" panose="020B0609020204030204" pitchFamily="49" charset="0"/>
+              </a:rPr>
+              <a:t> </a:t>
+            </a:r>
+            <a:r>
+              <a:rPr lang="sv-SE" sz="1200" dirty="0" err="1">
+                <a:solidFill>
+                  <a:schemeClr val="bg2">
+                    <a:lumMod val="90000"/>
+                  </a:schemeClr>
+                </a:solidFill>
+                <a:latin typeface="Consolas" panose="020B0609020204030204" pitchFamily="49" charset="0"/>
+                <a:cs typeface="Consolas" panose="020B0609020204030204" pitchFamily="49" charset="0"/>
+              </a:rPr>
+              <a:t>CreateResolve</a:t>
+            </a:r>
+            <a:r>
+              <a:rPr lang="sv-SE" sz="1200" dirty="0">
+                <a:solidFill>
+                  <a:schemeClr val="bg2">
+                    <a:lumMod val="90000"/>
+                  </a:schemeClr>
+                </a:solidFill>
+                <a:latin typeface="Consolas" panose="020B0609020204030204" pitchFamily="49" charset="0"/>
+                <a:cs typeface="Consolas" panose="020B0609020204030204" pitchFamily="49" charset="0"/>
+              </a:rPr>
+              <a:t>(</a:t>
+            </a:r>
+            <a:r>
+              <a:rPr lang="sv-SE" sz="1200" dirty="0" err="1">
+                <a:solidFill>
+                  <a:schemeClr val="bg2">
+                    <a:lumMod val="90000"/>
+                  </a:schemeClr>
+                </a:solidFill>
+                <a:latin typeface="Consolas" panose="020B0609020204030204" pitchFamily="49" charset="0"/>
+                <a:cs typeface="Consolas" panose="020B0609020204030204" pitchFamily="49" charset="0"/>
+              </a:rPr>
+              <a:t>int</a:t>
+            </a:r>
+            <a:r>
+              <a:rPr lang="sv-SE" sz="1200" dirty="0">
+                <a:solidFill>
+                  <a:schemeClr val="bg2">
+                    <a:lumMod val="90000"/>
+                  </a:schemeClr>
+                </a:solidFill>
+                <a:latin typeface="Consolas" panose="020B0609020204030204" pitchFamily="49" charset="0"/>
+                <a:cs typeface="Consolas" panose="020B0609020204030204" pitchFamily="49" charset="0"/>
+              </a:rPr>
+              <a:t> index)</a:t>
+            </a:r>
+          </a:p>
+          <a:p>
+            <a:r>
+              <a:rPr lang="sv-SE" sz="1200" dirty="0">
+                <a:solidFill>
+                  <a:schemeClr val="bg2">
+                    <a:lumMod val="90000"/>
+                  </a:schemeClr>
+                </a:solidFill>
+                <a:latin typeface="Consolas" panose="020B0609020204030204" pitchFamily="49" charset="0"/>
+                <a:cs typeface="Consolas" panose="020B0609020204030204" pitchFamily="49" charset="0"/>
+              </a:rPr>
+              <a:t>           </a:t>
+            </a:r>
+            <a:r>
+              <a:rPr lang="sv-SE" sz="1200" b="1" dirty="0">
+                <a:solidFill>
+                  <a:schemeClr val="bg2">
+                    <a:lumMod val="90000"/>
+                  </a:schemeClr>
+                </a:solidFill>
+                <a:latin typeface="Consolas" panose="020B0609020204030204" pitchFamily="49" charset="0"/>
+                <a:cs typeface="Consolas" panose="020B0609020204030204" pitchFamily="49" charset="0"/>
+              </a:rPr>
+              <a:t>{</a:t>
+            </a:r>
+          </a:p>
+          <a:p>
+            <a:r>
+              <a:rPr lang="sv-SE" sz="1200" dirty="0">
+                <a:solidFill>
+                  <a:schemeClr val="bg2">
+                    <a:lumMod val="90000"/>
+                  </a:schemeClr>
+                </a:solidFill>
+                <a:latin typeface="Consolas" panose="020B0609020204030204" pitchFamily="49" charset="0"/>
+                <a:cs typeface="Consolas" panose="020B0609020204030204" pitchFamily="49" charset="0"/>
+              </a:rPr>
+              <a:t>              </a:t>
+            </a:r>
+            <a:r>
+              <a:rPr lang="sv-SE" sz="1200" b="1" dirty="0" err="1">
+                <a:solidFill>
+                  <a:schemeClr val="bg2">
+                    <a:lumMod val="90000"/>
+                  </a:schemeClr>
+                </a:solidFill>
+                <a:latin typeface="Consolas" panose="020B0609020204030204" pitchFamily="49" charset="0"/>
+                <a:cs typeface="Consolas" panose="020B0609020204030204" pitchFamily="49" charset="0"/>
+              </a:rPr>
+              <a:t>return</a:t>
+            </a:r>
+            <a:r>
+              <a:rPr lang="sv-SE" sz="1200" dirty="0">
+                <a:solidFill>
+                  <a:schemeClr val="bg2">
+                    <a:lumMod val="90000"/>
+                  </a:schemeClr>
+                </a:solidFill>
+                <a:latin typeface="Consolas" panose="020B0609020204030204" pitchFamily="49" charset="0"/>
+                <a:cs typeface="Consolas" panose="020B0609020204030204" pitchFamily="49" charset="0"/>
+              </a:rPr>
+              <a:t> new </a:t>
+            </a:r>
+            <a:r>
+              <a:rPr lang="sv-SE" sz="1200" dirty="0" err="1">
+                <a:solidFill>
+                  <a:schemeClr val="bg2">
+                    <a:lumMod val="90000"/>
+                  </a:schemeClr>
+                </a:solidFill>
+                <a:latin typeface="Consolas" panose="020B0609020204030204" pitchFamily="49" charset="0"/>
+                <a:cs typeface="Consolas" panose="020B0609020204030204" pitchFamily="49" charset="0"/>
+              </a:rPr>
+              <a:t>HostFunction</a:t>
+            </a:r>
+            <a:r>
+              <a:rPr lang="sv-SE" sz="1200" dirty="0">
+                <a:solidFill>
+                  <a:schemeClr val="bg2">
+                    <a:lumMod val="90000"/>
+                  </a:schemeClr>
+                </a:solidFill>
+                <a:latin typeface="Consolas" panose="020B0609020204030204" pitchFamily="49" charset="0"/>
+                <a:cs typeface="Consolas" panose="020B0609020204030204" pitchFamily="49" charset="0"/>
+              </a:rPr>
+              <a:t>(</a:t>
+            </a:r>
+            <a:r>
+              <a:rPr lang="sv-SE" sz="1200" dirty="0" err="1">
+                <a:solidFill>
+                  <a:schemeClr val="bg2">
+                    <a:lumMod val="90000"/>
+                  </a:schemeClr>
+                </a:solidFill>
+                <a:latin typeface="Consolas" panose="020B0609020204030204" pitchFamily="49" charset="0"/>
+                <a:cs typeface="Consolas" panose="020B0609020204030204" pitchFamily="49" charset="0"/>
+              </a:rPr>
+              <a:t>ResolveWrapper</a:t>
+            </a:r>
+            <a:r>
+              <a:rPr lang="sv-SE" sz="1200" dirty="0">
+                <a:solidFill>
+                  <a:schemeClr val="bg2">
+                    <a:lumMod val="90000"/>
+                  </a:schemeClr>
+                </a:solidFill>
+                <a:latin typeface="Consolas" panose="020B0609020204030204" pitchFamily="49" charset="0"/>
+                <a:cs typeface="Consolas" panose="020B0609020204030204" pitchFamily="49" charset="0"/>
+              </a:rPr>
+              <a:t>, </a:t>
+            </a:r>
+            <a:r>
+              <a:rPr lang="sv-SE" sz="1200" dirty="0" err="1">
+                <a:solidFill>
+                  <a:schemeClr val="bg2">
+                    <a:lumMod val="90000"/>
+                  </a:schemeClr>
+                </a:solidFill>
+                <a:latin typeface="Consolas" panose="020B0609020204030204" pitchFamily="49" charset="0"/>
+                <a:cs typeface="Consolas" panose="020B0609020204030204" pitchFamily="49" charset="0"/>
+              </a:rPr>
+              <a:t>Realm</a:t>
+            </a:r>
+            <a:r>
+              <a:rPr lang="sv-SE" sz="1200" dirty="0">
+                <a:solidFill>
+                  <a:schemeClr val="bg2">
+                    <a:lumMod val="90000"/>
+                  </a:schemeClr>
+                </a:solidFill>
+                <a:latin typeface="Consolas" panose="020B0609020204030204" pitchFamily="49" charset="0"/>
+                <a:cs typeface="Consolas" panose="020B0609020204030204" pitchFamily="49" charset="0"/>
+              </a:rPr>
+              <a:t>, </a:t>
+            </a:r>
+            <a:r>
+              <a:rPr lang="sv-SE" sz="1200" dirty="0" err="1">
+                <a:solidFill>
+                  <a:schemeClr val="bg2">
+                    <a:lumMod val="90000"/>
+                  </a:schemeClr>
+                </a:solidFill>
+                <a:latin typeface="Consolas" panose="020B0609020204030204" pitchFamily="49" charset="0"/>
+                <a:cs typeface="Consolas" panose="020B0609020204030204" pitchFamily="49" charset="0"/>
+              </a:rPr>
+              <a:t>false</a:t>
+            </a:r>
+            <a:r>
+              <a:rPr lang="sv-SE" sz="1200" dirty="0">
+                <a:solidFill>
+                  <a:schemeClr val="bg2">
+                    <a:lumMod val="90000"/>
+                  </a:schemeClr>
+                </a:solidFill>
+                <a:latin typeface="Consolas" panose="020B0609020204030204" pitchFamily="49" charset="0"/>
+                <a:cs typeface="Consolas" panose="020B0609020204030204" pitchFamily="49" charset="0"/>
+              </a:rPr>
+              <a:t>);</a:t>
+            </a:r>
+          </a:p>
+          <a:p>
+            <a:r>
+              <a:rPr lang="sv-SE" sz="1200" dirty="0">
+                <a:solidFill>
+                  <a:schemeClr val="bg2">
+                    <a:lumMod val="90000"/>
+                  </a:schemeClr>
+                </a:solidFill>
+                <a:latin typeface="Consolas" panose="020B0609020204030204" pitchFamily="49" charset="0"/>
+                <a:cs typeface="Consolas" panose="020B0609020204030204" pitchFamily="49" charset="0"/>
+              </a:rPr>
+              <a:t>              </a:t>
+            </a:r>
+            <a:r>
+              <a:rPr lang="sv-SE" sz="1200" b="1" dirty="0" err="1">
+                <a:solidFill>
+                  <a:schemeClr val="bg2">
+                    <a:lumMod val="90000"/>
+                  </a:schemeClr>
+                </a:solidFill>
+                <a:latin typeface="Consolas" panose="020B0609020204030204" pitchFamily="49" charset="0"/>
+                <a:cs typeface="Consolas" panose="020B0609020204030204" pitchFamily="49" charset="0"/>
+              </a:rPr>
+              <a:t>JsValue</a:t>
+            </a:r>
+            <a:r>
+              <a:rPr lang="sv-SE" sz="1200" dirty="0">
+                <a:solidFill>
+                  <a:schemeClr val="bg2">
+                    <a:lumMod val="90000"/>
+                  </a:schemeClr>
+                </a:solidFill>
+                <a:latin typeface="Consolas" panose="020B0609020204030204" pitchFamily="49" charset="0"/>
+                <a:cs typeface="Consolas" panose="020B0609020204030204" pitchFamily="49" charset="0"/>
+              </a:rPr>
+              <a:t> </a:t>
+            </a:r>
+            <a:r>
+              <a:rPr lang="sv-SE" sz="1200" dirty="0" err="1">
+                <a:solidFill>
+                  <a:schemeClr val="bg2">
+                    <a:lumMod val="90000"/>
+                  </a:schemeClr>
+                </a:solidFill>
+                <a:latin typeface="Consolas" panose="020B0609020204030204" pitchFamily="49" charset="0"/>
+                <a:cs typeface="Consolas" panose="020B0609020204030204" pitchFamily="49" charset="0"/>
+              </a:rPr>
+              <a:t>ResolveWrapper</a:t>
+            </a:r>
+            <a:r>
+              <a:rPr lang="sv-SE" sz="1200" dirty="0">
+                <a:solidFill>
+                  <a:schemeClr val="bg2">
+                    <a:lumMod val="90000"/>
+                  </a:schemeClr>
+                </a:solidFill>
+                <a:latin typeface="Consolas" panose="020B0609020204030204" pitchFamily="49" charset="0"/>
+                <a:cs typeface="Consolas" panose="020B0609020204030204" pitchFamily="49" charset="0"/>
+              </a:rPr>
+              <a:t>(</a:t>
+            </a:r>
+            <a:r>
+              <a:rPr lang="sv-SE" sz="1200" dirty="0" err="1">
+                <a:solidFill>
+                  <a:schemeClr val="bg2">
+                    <a:lumMod val="90000"/>
+                  </a:schemeClr>
+                </a:solidFill>
+                <a:latin typeface="Consolas" panose="020B0609020204030204" pitchFamily="49" charset="0"/>
+                <a:cs typeface="Consolas" panose="020B0609020204030204" pitchFamily="49" charset="0"/>
+              </a:rPr>
+              <a:t>JsValue</a:t>
+            </a:r>
+            <a:r>
+              <a:rPr lang="sv-SE" sz="1200" dirty="0">
+                <a:solidFill>
+                  <a:schemeClr val="bg2">
+                    <a:lumMod val="90000"/>
+                  </a:schemeClr>
+                </a:solidFill>
+                <a:latin typeface="Consolas" panose="020B0609020204030204" pitchFamily="49" charset="0"/>
+                <a:cs typeface="Consolas" panose="020B0609020204030204" pitchFamily="49" charset="0"/>
+              </a:rPr>
+              <a:t> __, </a:t>
+            </a:r>
+            <a:r>
+              <a:rPr lang="sv-SE" sz="1200" dirty="0" err="1">
+                <a:solidFill>
+                  <a:schemeClr val="bg2">
+                    <a:lumMod val="90000"/>
+                  </a:schemeClr>
+                </a:solidFill>
+                <a:latin typeface="Consolas" panose="020B0609020204030204" pitchFamily="49" charset="0"/>
+                <a:cs typeface="Consolas" panose="020B0609020204030204" pitchFamily="49" charset="0"/>
+              </a:rPr>
+              <a:t>IReadOnlyList</a:t>
+            </a:r>
+            <a:r>
+              <a:rPr lang="sv-SE" sz="1200" dirty="0">
+                <a:solidFill>
+                  <a:schemeClr val="bg2">
+                    <a:lumMod val="90000"/>
+                  </a:schemeClr>
+                </a:solidFill>
+                <a:latin typeface="Consolas" panose="020B0609020204030204" pitchFamily="49" charset="0"/>
+                <a:cs typeface="Consolas" panose="020B0609020204030204" pitchFamily="49" charset="0"/>
+              </a:rPr>
+              <a:t>&lt;</a:t>
+            </a:r>
+            <a:r>
+              <a:rPr lang="sv-SE" sz="1200" dirty="0" err="1">
+                <a:solidFill>
+                  <a:schemeClr val="bg2">
+                    <a:lumMod val="90000"/>
+                  </a:schemeClr>
+                </a:solidFill>
+                <a:latin typeface="Consolas" panose="020B0609020204030204" pitchFamily="49" charset="0"/>
+                <a:cs typeface="Consolas" panose="020B0609020204030204" pitchFamily="49" charset="0"/>
+              </a:rPr>
+              <a:t>JsValue</a:t>
+            </a:r>
+            <a:r>
+              <a:rPr lang="sv-SE" sz="1200" dirty="0">
+                <a:solidFill>
+                  <a:schemeClr val="bg2">
+                    <a:lumMod val="90000"/>
+                  </a:schemeClr>
+                </a:solidFill>
+                <a:latin typeface="Consolas" panose="020B0609020204030204" pitchFamily="49" charset="0"/>
+                <a:cs typeface="Consolas" panose="020B0609020204030204" pitchFamily="49" charset="0"/>
+              </a:rPr>
+              <a:t>&gt; </a:t>
+            </a:r>
+            <a:r>
+              <a:rPr lang="sv-SE" sz="1200" dirty="0" err="1">
+                <a:solidFill>
+                  <a:schemeClr val="bg2">
+                    <a:lumMod val="90000"/>
+                  </a:schemeClr>
+                </a:solidFill>
+                <a:latin typeface="Consolas" panose="020B0609020204030204" pitchFamily="49" charset="0"/>
+                <a:cs typeface="Consolas" panose="020B0609020204030204" pitchFamily="49" charset="0"/>
+              </a:rPr>
+              <a:t>resolveArgs</a:t>
+            </a:r>
+            <a:r>
+              <a:rPr lang="sv-SE" sz="1200" dirty="0">
+                <a:solidFill>
+                  <a:schemeClr val="bg2">
+                    <a:lumMod val="90000"/>
+                  </a:schemeClr>
+                </a:solidFill>
+                <a:latin typeface="Consolas" panose="020B0609020204030204" pitchFamily="49" charset="0"/>
+                <a:cs typeface="Consolas" panose="020B0609020204030204" pitchFamily="49" charset="0"/>
+              </a:rPr>
+              <a:t>)</a:t>
+            </a:r>
+          </a:p>
+          <a:p>
+            <a:r>
+              <a:rPr lang="sv-SE" sz="1200" dirty="0">
+                <a:solidFill>
+                  <a:schemeClr val="bg2">
+                    <a:lumMod val="90000"/>
+                  </a:schemeClr>
+                </a:solidFill>
+                <a:latin typeface="Consolas" panose="020B0609020204030204" pitchFamily="49" charset="0"/>
+                <a:cs typeface="Consolas" panose="020B0609020204030204" pitchFamily="49" charset="0"/>
+              </a:rPr>
+              <a:t>              </a:t>
+            </a:r>
+            <a:r>
+              <a:rPr lang="sv-SE" sz="1200" b="1" dirty="0">
+                <a:solidFill>
+                  <a:schemeClr val="bg2">
+                    <a:lumMod val="90000"/>
+                  </a:schemeClr>
+                </a:solidFill>
+                <a:latin typeface="Consolas" panose="020B0609020204030204" pitchFamily="49" charset="0"/>
+                <a:cs typeface="Consolas" panose="020B0609020204030204" pitchFamily="49" charset="0"/>
+              </a:rPr>
+              <a:t>{</a:t>
+            </a:r>
+          </a:p>
+          <a:p>
+            <a:r>
+              <a:rPr lang="sv-SE" sz="1200" dirty="0">
+                <a:solidFill>
+                  <a:schemeClr val="bg2">
+                    <a:lumMod val="90000"/>
+                  </a:schemeClr>
+                </a:solidFill>
+                <a:latin typeface="Consolas" panose="020B0609020204030204" pitchFamily="49" charset="0"/>
+                <a:cs typeface="Consolas" panose="020B0609020204030204" pitchFamily="49" charset="0"/>
+              </a:rPr>
+              <a:t>                 </a:t>
+            </a:r>
+            <a:r>
+              <a:rPr lang="sv-SE" sz="1200" b="1" dirty="0" err="1">
+                <a:solidFill>
+                  <a:schemeClr val="bg2">
+                    <a:lumMod val="90000"/>
+                  </a:schemeClr>
+                </a:solidFill>
+                <a:latin typeface="Consolas" panose="020B0609020204030204" pitchFamily="49" charset="0"/>
+                <a:cs typeface="Consolas" panose="020B0609020204030204" pitchFamily="49" charset="0"/>
+              </a:rPr>
+              <a:t>Resolve</a:t>
+            </a:r>
+            <a:r>
+              <a:rPr lang="sv-SE" sz="1200" dirty="0">
+                <a:solidFill>
+                  <a:schemeClr val="bg2">
+                    <a:lumMod val="90000"/>
+                  </a:schemeClr>
+                </a:solidFill>
+                <a:latin typeface="Consolas" panose="020B0609020204030204" pitchFamily="49" charset="0"/>
+                <a:cs typeface="Consolas" panose="020B0609020204030204" pitchFamily="49" charset="0"/>
+              </a:rPr>
+              <a:t>(index, </a:t>
+            </a:r>
+            <a:r>
+              <a:rPr lang="sv-SE" sz="1200" dirty="0" err="1">
+                <a:solidFill>
+                  <a:schemeClr val="bg2">
+                    <a:lumMod val="90000"/>
+                  </a:schemeClr>
+                </a:solidFill>
+                <a:latin typeface="Consolas" panose="020B0609020204030204" pitchFamily="49" charset="0"/>
+                <a:cs typeface="Consolas" panose="020B0609020204030204" pitchFamily="49" charset="0"/>
+              </a:rPr>
+              <a:t>resolveArgs.GetArgument</a:t>
+            </a:r>
+            <a:r>
+              <a:rPr lang="sv-SE" sz="1200" dirty="0">
+                <a:solidFill>
+                  <a:schemeClr val="bg2">
+                    <a:lumMod val="90000"/>
+                  </a:schemeClr>
+                </a:solidFill>
+                <a:latin typeface="Consolas" panose="020B0609020204030204" pitchFamily="49" charset="0"/>
+                <a:cs typeface="Consolas" panose="020B0609020204030204" pitchFamily="49" charset="0"/>
+              </a:rPr>
+              <a:t>(0), </a:t>
+            </a:r>
+            <a:r>
+              <a:rPr lang="sv-SE" sz="1200" dirty="0" err="1">
+                <a:solidFill>
+                  <a:schemeClr val="bg2">
+                    <a:lumMod val="90000"/>
+                  </a:schemeClr>
+                </a:solidFill>
+                <a:latin typeface="Consolas" panose="020B0609020204030204" pitchFamily="49" charset="0"/>
+                <a:cs typeface="Consolas" panose="020B0609020204030204" pitchFamily="49" charset="0"/>
+              </a:rPr>
+              <a:t>false</a:t>
+            </a:r>
+            <a:r>
+              <a:rPr lang="sv-SE" sz="1200" dirty="0">
+                <a:solidFill>
+                  <a:schemeClr val="bg2">
+                    <a:lumMod val="90000"/>
+                  </a:schemeClr>
+                </a:solidFill>
+                <a:latin typeface="Consolas" panose="020B0609020204030204" pitchFamily="49" charset="0"/>
+                <a:cs typeface="Consolas" panose="020B0609020204030204" pitchFamily="49" charset="0"/>
+              </a:rPr>
+              <a:t>);</a:t>
+            </a:r>
+          </a:p>
+          <a:p>
+            <a:r>
+              <a:rPr lang="sv-SE" sz="1200" dirty="0">
+                <a:solidFill>
+                  <a:schemeClr val="bg2">
+                    <a:lumMod val="90000"/>
+                  </a:schemeClr>
+                </a:solidFill>
+                <a:latin typeface="Consolas" panose="020B0609020204030204" pitchFamily="49" charset="0"/>
+                <a:cs typeface="Consolas" panose="020B0609020204030204" pitchFamily="49" charset="0"/>
+              </a:rPr>
+              <a:t>                 </a:t>
+            </a:r>
+            <a:r>
+              <a:rPr lang="sv-SE" sz="1200" b="1" dirty="0" err="1">
+                <a:solidFill>
+                  <a:schemeClr val="bg2">
+                    <a:lumMod val="90000"/>
+                  </a:schemeClr>
+                </a:solidFill>
+                <a:latin typeface="Consolas" panose="020B0609020204030204" pitchFamily="49" charset="0"/>
+                <a:cs typeface="Consolas" panose="020B0609020204030204" pitchFamily="49" charset="0"/>
+              </a:rPr>
+              <a:t>return</a:t>
+            </a:r>
+            <a:r>
+              <a:rPr lang="sv-SE" sz="1200" dirty="0">
+                <a:solidFill>
+                  <a:schemeClr val="bg2">
+                    <a:lumMod val="90000"/>
+                  </a:schemeClr>
+                </a:solidFill>
+                <a:latin typeface="Consolas" panose="020B0609020204030204" pitchFamily="49" charset="0"/>
+                <a:cs typeface="Consolas" panose="020B0609020204030204" pitchFamily="49" charset="0"/>
+              </a:rPr>
+              <a:t> </a:t>
+            </a:r>
+            <a:r>
+              <a:rPr lang="sv-SE" sz="1200" dirty="0" err="1">
+                <a:solidFill>
+                  <a:schemeClr val="bg2">
+                    <a:lumMod val="90000"/>
+                  </a:schemeClr>
+                </a:solidFill>
+                <a:latin typeface="Consolas" panose="020B0609020204030204" pitchFamily="49" charset="0"/>
+                <a:cs typeface="Consolas" panose="020B0609020204030204" pitchFamily="49" charset="0"/>
+              </a:rPr>
+              <a:t>JsValue.Undefined</a:t>
+            </a:r>
+            <a:r>
+              <a:rPr lang="sv-SE" sz="1200" dirty="0">
+                <a:solidFill>
+                  <a:schemeClr val="bg2">
+                    <a:lumMod val="90000"/>
+                  </a:schemeClr>
+                </a:solidFill>
+                <a:latin typeface="Consolas" panose="020B0609020204030204" pitchFamily="49" charset="0"/>
+                <a:cs typeface="Consolas" panose="020B0609020204030204" pitchFamily="49" charset="0"/>
+              </a:rPr>
+              <a:t>;</a:t>
+            </a:r>
+          </a:p>
+          <a:p>
+            <a:r>
+              <a:rPr lang="sv-SE" sz="1200" dirty="0">
+                <a:solidFill>
+                  <a:schemeClr val="bg2">
+                    <a:lumMod val="90000"/>
+                  </a:schemeClr>
+                </a:solidFill>
+                <a:latin typeface="Consolas" panose="020B0609020204030204" pitchFamily="49" charset="0"/>
+                <a:cs typeface="Consolas" panose="020B0609020204030204" pitchFamily="49" charset="0"/>
+              </a:rPr>
+              <a:t>              </a:t>
+            </a:r>
+            <a:r>
+              <a:rPr lang="sv-SE" sz="1200" b="1" dirty="0">
+                <a:solidFill>
+                  <a:schemeClr val="bg2">
+                    <a:lumMod val="90000"/>
+                  </a:schemeClr>
+                </a:solidFill>
+                <a:latin typeface="Consolas" panose="020B0609020204030204" pitchFamily="49" charset="0"/>
+                <a:cs typeface="Consolas" panose="020B0609020204030204" pitchFamily="49" charset="0"/>
+              </a:rPr>
+              <a:t>}</a:t>
+            </a:r>
+          </a:p>
+          <a:p>
+            <a:r>
+              <a:rPr lang="sv-SE" sz="1200" dirty="0">
+                <a:solidFill>
+                  <a:schemeClr val="bg2">
+                    <a:lumMod val="90000"/>
+                  </a:schemeClr>
+                </a:solidFill>
+                <a:latin typeface="Consolas" panose="020B0609020204030204" pitchFamily="49" charset="0"/>
+                <a:cs typeface="Consolas" panose="020B0609020204030204" pitchFamily="49" charset="0"/>
+              </a:rPr>
+              <a:t>           </a:t>
+            </a:r>
+            <a:r>
+              <a:rPr lang="sv-SE" sz="1200" b="1" dirty="0">
+                <a:solidFill>
+                  <a:schemeClr val="bg2">
+                    <a:lumMod val="90000"/>
+                  </a:schemeClr>
+                </a:solidFill>
+                <a:latin typeface="Consolas" panose="020B0609020204030204" pitchFamily="49" charset="0"/>
+                <a:cs typeface="Consolas" panose="020B0609020204030204" pitchFamily="49" charset="0"/>
+              </a:rPr>
+              <a:t>}</a:t>
+            </a:r>
+          </a:p>
+        </p:txBody>
+      </p:sp>
+    </p:spTree>
+    <p:extLst>
+      <p:ext uri="{BB962C8B-B14F-4D97-AF65-F5344CB8AC3E}">
+        <p14:creationId xmlns:p14="http://schemas.microsoft.com/office/powerpoint/2010/main" val="3018558105"/>
+      </p:ext>
+    </p:extLst>
+  </p:cSld>
+  <p:clrMapOvr>
+    <a:masterClrMapping/>
+  </p:clrMapOvr>
+</p:sld>
+</file>
+
+<file path=ppt/slides/slide4.xml><?xml version="1.0" encoding="utf-8"?>
+<p:sld xmlns:a="http://schemas.openxmlformats.org/drawingml/2006/main" xmlns:r="http://schemas.openxmlformats.org/officeDocument/2006/relationships" xmlns:p="http://schemas.openxmlformats.org/presentationml/2006/main">
+  <p:cSld>
+    <p:bg>
+      <p:bgPr>
+        <a:solidFill>
+          <a:schemeClr val="tx1">
+            <a:lumMod val="85000"/>
+            <a:lumOff val="15000"/>
+          </a:schemeClr>
+        </a:solidFill>
+        <a:effectLst/>
+      </p:bgPr>
+    </p:bg>
+    <p:spTree>
+      <p:nvGrpSpPr>
+        <p:cNvPr id="1" name="">
+          <a:extLst>
+            <a:ext uri="{FF2B5EF4-FFF2-40B4-BE49-F238E27FC236}">
+              <a16:creationId xmlns:a16="http://schemas.microsoft.com/office/drawing/2014/main" id="{409EFCE8-3C0B-8EE1-6A43-94D906A7A81E}"/>
+            </a:ext>
+          </a:extLst>
+        </p:cNvPr>
+        <p:cNvGrpSpPr/>
+        <p:nvPr/>
+      </p:nvGrpSpPr>
+      <p:grpSpPr>
+        <a:xfrm>
+          <a:off x="0" y="0"/>
+          <a:ext cx="0" cy="0"/>
+          <a:chOff x="0" y="0"/>
+          <a:chExt cx="0" cy="0"/>
+        </a:xfrm>
+      </p:grpSpPr>
+      <p:sp>
+        <p:nvSpPr>
+          <p:cNvPr id="4" name="Rektangel 3">
+            <a:extLst>
+              <a:ext uri="{FF2B5EF4-FFF2-40B4-BE49-F238E27FC236}">
+                <a16:creationId xmlns:a16="http://schemas.microsoft.com/office/drawing/2014/main" id="{80B4BFAB-B48E-5A9A-E3B5-6E125651EB1A}"/>
+              </a:ext>
+            </a:extLst>
+          </p:cNvPr>
+          <p:cNvSpPr/>
+          <p:nvPr/>
+        </p:nvSpPr>
+        <p:spPr>
+          <a:xfrm>
+            <a:off x="237067" y="544286"/>
+            <a:ext cx="10871200" cy="4789714"/>
+          </a:xfrm>
+          <a:prstGeom prst="rect">
+            <a:avLst/>
+          </a:prstGeom>
+          <a:solidFill>
+            <a:schemeClr val="tx1">
+              <a:lumMod val="95000"/>
+              <a:lumOff val="5000"/>
+            </a:schemeClr>
+          </a:solidFill>
+          <a:ln>
+            <a:noFill/>
+          </a:ln>
+        </p:spPr>
+        <p:style>
+          <a:lnRef idx="2">
+            <a:schemeClr val="accent1">
+              <a:shade val="15000"/>
+            </a:schemeClr>
+          </a:lnRef>
+          <a:fillRef idx="1">
+            <a:schemeClr val="accent1"/>
+          </a:fillRef>
+          <a:effectRef idx="0">
+            <a:schemeClr val="accent1"/>
+          </a:effectRef>
+          <a:fontRef idx="minor">
+            <a:schemeClr val="lt1"/>
+          </a:fontRef>
+        </p:style>
+        <p:txBody>
+          <a:bodyPr rtlCol="0" anchor="ctr"/>
+          <a:lstStyle/>
+          <a:p>
+            <a:r>
+              <a:rPr lang="sv-SE" sz="1200" dirty="0">
+                <a:latin typeface="Consolas" panose="020B0609020204030204" pitchFamily="49" charset="0"/>
+                <a:cs typeface="Consolas" panose="020B0609020204030204" pitchFamily="49" charset="0"/>
+              </a:rPr>
+              <a:t>        </a:t>
+            </a:r>
+            <a:r>
+              <a:rPr lang="sv-SE" sz="1200" dirty="0">
+                <a:highlight>
+                  <a:srgbClr val="808080"/>
+                </a:highlight>
+                <a:latin typeface="Consolas" panose="020B0609020204030204" pitchFamily="49" charset="0"/>
+                <a:cs typeface="Consolas" panose="020B0609020204030204" pitchFamily="49" charset="0"/>
+              </a:rPr>
+              <a:t>±0 </a:t>
+            </a:r>
+            <a:r>
+              <a:rPr lang="sv-SE" sz="1200" b="1" dirty="0">
+                <a:highlight>
+                  <a:srgbClr val="FF0000"/>
+                </a:highlight>
+                <a:latin typeface="Consolas" panose="020B0609020204030204" pitchFamily="49" charset="0"/>
+                <a:cs typeface="Consolas" panose="020B0609020204030204" pitchFamily="49" charset="0"/>
+              </a:rPr>
+              <a:t>for</a:t>
+            </a:r>
+            <a:r>
+              <a:rPr lang="sv-SE" sz="1200" dirty="0">
+                <a:latin typeface="Consolas" panose="020B0609020204030204" pitchFamily="49" charset="0"/>
+                <a:cs typeface="Consolas" panose="020B0609020204030204" pitchFamily="49" charset="0"/>
+              </a:rPr>
+              <a:t> </a:t>
+            </a:r>
+            <a:r>
+              <a:rPr lang="sv-SE" sz="1200" dirty="0">
+                <a:solidFill>
+                  <a:schemeClr val="bg1">
+                    <a:lumMod val="50000"/>
+                  </a:schemeClr>
+                </a:solidFill>
+                <a:latin typeface="Consolas" panose="020B0609020204030204" pitchFamily="49" charset="0"/>
+                <a:cs typeface="Consolas" panose="020B0609020204030204" pitchFamily="49" charset="0"/>
+              </a:rPr>
+              <a:t>(var i = 0; i &lt; </a:t>
+            </a:r>
+            <a:r>
+              <a:rPr lang="sv-SE" sz="1200" dirty="0" err="1">
+                <a:solidFill>
+                  <a:schemeClr val="bg1">
+                    <a:lumMod val="50000"/>
+                  </a:schemeClr>
+                </a:solidFill>
+                <a:latin typeface="Consolas" panose="020B0609020204030204" pitchFamily="49" charset="0"/>
+                <a:cs typeface="Consolas" panose="020B0609020204030204" pitchFamily="49" charset="0"/>
+              </a:rPr>
+              <a:t>array.Items.Count</a:t>
+            </a:r>
+            <a:r>
+              <a:rPr lang="sv-SE" sz="1200" dirty="0">
+                <a:solidFill>
+                  <a:schemeClr val="bg1">
+                    <a:lumMod val="50000"/>
+                  </a:schemeClr>
+                </a:solidFill>
+                <a:latin typeface="Consolas" panose="020B0609020204030204" pitchFamily="49" charset="0"/>
+                <a:cs typeface="Consolas" panose="020B0609020204030204" pitchFamily="49" charset="0"/>
+              </a:rPr>
+              <a:t>; i++)</a:t>
+            </a:r>
+          </a:p>
+          <a:p>
+            <a:r>
+              <a:rPr lang="sv-SE" sz="1200" dirty="0">
+                <a:latin typeface="Consolas" panose="020B0609020204030204" pitchFamily="49" charset="0"/>
+                <a:cs typeface="Consolas" panose="020B0609020204030204" pitchFamily="49" charset="0"/>
+              </a:rPr>
+              <a:t>        </a:t>
+            </a:r>
+            <a:r>
+              <a:rPr lang="sv-SE" sz="1200" dirty="0">
+                <a:highlight>
+                  <a:srgbClr val="808080"/>
+                </a:highlight>
+                <a:latin typeface="Consolas" panose="020B0609020204030204" pitchFamily="49" charset="0"/>
+                <a:cs typeface="Consolas" panose="020B0609020204030204" pitchFamily="49" charset="0"/>
+              </a:rPr>
+              <a:t>±0 </a:t>
+            </a:r>
+            <a:r>
+              <a:rPr lang="sv-SE" sz="1200" b="1" dirty="0">
+                <a:highlight>
+                  <a:srgbClr val="FF0000"/>
+                </a:highlight>
+                <a:latin typeface="Consolas" panose="020B0609020204030204" pitchFamily="49" charset="0"/>
+                <a:cs typeface="Consolas" panose="020B0609020204030204" pitchFamily="49" charset="0"/>
+              </a:rPr>
+              <a:t>{</a:t>
+            </a:r>
+            <a:br>
+              <a:rPr lang="sv-SE" sz="1200" dirty="0">
+                <a:latin typeface="Consolas" panose="020B0609020204030204" pitchFamily="49" charset="0"/>
+                <a:cs typeface="Consolas" panose="020B0609020204030204" pitchFamily="49" charset="0"/>
+              </a:rPr>
+            </a:br>
+            <a:r>
+              <a:rPr lang="sv-SE" sz="1200" dirty="0">
+                <a:latin typeface="Consolas" panose="020B0609020204030204" pitchFamily="49" charset="0"/>
+                <a:cs typeface="Consolas" panose="020B0609020204030204" pitchFamily="49" charset="0"/>
+              </a:rPr>
+              <a:t>           </a:t>
+            </a:r>
+            <a:r>
+              <a:rPr lang="sv-SE" sz="1200" dirty="0">
+                <a:highlight>
+                  <a:srgbClr val="808080"/>
+                </a:highlight>
+                <a:latin typeface="Consolas" panose="020B0609020204030204" pitchFamily="49" charset="0"/>
+                <a:cs typeface="Consolas" panose="020B0609020204030204" pitchFamily="49" charset="0"/>
+              </a:rPr>
+              <a:t>+1 </a:t>
+            </a:r>
+            <a:r>
+              <a:rPr lang="sv-SE" sz="1200" b="1" dirty="0">
+                <a:highlight>
+                  <a:srgbClr val="FF0000"/>
+                </a:highlight>
+                <a:latin typeface="Consolas" panose="020B0609020204030204" pitchFamily="49" charset="0"/>
+                <a:cs typeface="Consolas" panose="020B0609020204030204" pitchFamily="49" charset="0"/>
+              </a:rPr>
+              <a:t>var</a:t>
+            </a:r>
+            <a:r>
+              <a:rPr lang="sv-SE" sz="1200" dirty="0">
+                <a:latin typeface="Consolas" panose="020B0609020204030204" pitchFamily="49" charset="0"/>
+                <a:cs typeface="Consolas" panose="020B0609020204030204" pitchFamily="49" charset="0"/>
+              </a:rPr>
+              <a:t> </a:t>
+            </a:r>
+            <a:r>
+              <a:rPr lang="sv-SE" sz="1200" dirty="0">
+                <a:solidFill>
+                  <a:schemeClr val="bg1">
+                    <a:lumMod val="50000"/>
+                  </a:schemeClr>
+                </a:solidFill>
+                <a:latin typeface="Consolas" panose="020B0609020204030204" pitchFamily="49" charset="0"/>
+                <a:cs typeface="Consolas" panose="020B0609020204030204" pitchFamily="49" charset="0"/>
+              </a:rPr>
+              <a:t>item = </a:t>
+            </a:r>
+            <a:r>
+              <a:rPr lang="sv-SE" sz="1200" dirty="0" err="1">
+                <a:solidFill>
+                  <a:schemeClr val="bg1">
+                    <a:lumMod val="50000"/>
+                  </a:schemeClr>
+                </a:solidFill>
+                <a:latin typeface="Consolas" panose="020B0609020204030204" pitchFamily="49" charset="0"/>
+                <a:cs typeface="Consolas" panose="020B0609020204030204" pitchFamily="49" charset="0"/>
+              </a:rPr>
+              <a:t>array.Items</a:t>
+            </a:r>
+            <a:r>
+              <a:rPr lang="sv-SE" sz="1200" dirty="0">
+                <a:solidFill>
+                  <a:schemeClr val="bg1">
+                    <a:lumMod val="50000"/>
+                  </a:schemeClr>
+                </a:solidFill>
+                <a:latin typeface="Consolas" panose="020B0609020204030204" pitchFamily="49" charset="0"/>
+                <a:cs typeface="Consolas" panose="020B0609020204030204" pitchFamily="49" charset="0"/>
+              </a:rPr>
+              <a:t>[i];</a:t>
+            </a:r>
+          </a:p>
+          <a:p>
+            <a:r>
+              <a:rPr lang="sv-SE" sz="1200" dirty="0">
+                <a:latin typeface="Consolas" panose="020B0609020204030204" pitchFamily="49" charset="0"/>
+                <a:cs typeface="Consolas" panose="020B0609020204030204" pitchFamily="49" charset="0"/>
+              </a:rPr>
+              <a:t>           </a:t>
+            </a:r>
+            <a:r>
+              <a:rPr lang="sv-SE" sz="1200" dirty="0">
+                <a:highlight>
+                  <a:srgbClr val="808080"/>
+                </a:highlight>
+                <a:latin typeface="Consolas" panose="020B0609020204030204" pitchFamily="49" charset="0"/>
+                <a:cs typeface="Consolas" panose="020B0609020204030204" pitchFamily="49" charset="0"/>
+              </a:rPr>
+              <a:t>±0 </a:t>
+            </a:r>
+            <a:r>
+              <a:rPr lang="sv-SE" sz="1200" b="1" dirty="0" err="1">
+                <a:highlight>
+                  <a:srgbClr val="FF0000"/>
+                </a:highlight>
+                <a:latin typeface="Consolas" panose="020B0609020204030204" pitchFamily="49" charset="0"/>
+                <a:cs typeface="Consolas" panose="020B0609020204030204" pitchFamily="49" charset="0"/>
+              </a:rPr>
+              <a:t>if</a:t>
+            </a:r>
+            <a:r>
+              <a:rPr lang="sv-SE" sz="1200" dirty="0">
+                <a:latin typeface="Consolas" panose="020B0609020204030204" pitchFamily="49" charset="0"/>
+                <a:cs typeface="Consolas" panose="020B0609020204030204" pitchFamily="49" charset="0"/>
+              </a:rPr>
+              <a:t> </a:t>
+            </a:r>
+            <a:r>
+              <a:rPr lang="sv-SE" sz="1200" dirty="0">
+                <a:solidFill>
+                  <a:schemeClr val="bg1">
+                    <a:lumMod val="50000"/>
+                  </a:schemeClr>
+                </a:solidFill>
+                <a:latin typeface="Consolas" panose="020B0609020204030204" pitchFamily="49" charset="0"/>
+                <a:cs typeface="Consolas" panose="020B0609020204030204" pitchFamily="49" charset="0"/>
+              </a:rPr>
+              <a:t>(</a:t>
+            </a:r>
+            <a:r>
+              <a:rPr lang="sv-SE" sz="1200" dirty="0" err="1">
+                <a:solidFill>
+                  <a:schemeClr val="bg1">
+                    <a:lumMod val="50000"/>
+                  </a:schemeClr>
+                </a:solidFill>
+                <a:latin typeface="Consolas" panose="020B0609020204030204" pitchFamily="49" charset="0"/>
+                <a:cs typeface="Consolas" panose="020B0609020204030204" pitchFamily="49" charset="0"/>
+              </a:rPr>
+              <a:t>item.TryGetObject</a:t>
+            </a:r>
+            <a:r>
+              <a:rPr lang="sv-SE" sz="1200" dirty="0">
+                <a:solidFill>
+                  <a:schemeClr val="bg1">
+                    <a:lumMod val="50000"/>
+                  </a:schemeClr>
+                </a:solidFill>
+                <a:latin typeface="Consolas" panose="020B0609020204030204" pitchFamily="49" charset="0"/>
+                <a:cs typeface="Consolas" panose="020B0609020204030204" pitchFamily="49" charset="0"/>
+              </a:rPr>
+              <a:t>&lt;</a:t>
+            </a:r>
+            <a:r>
+              <a:rPr lang="sv-SE" sz="1200" dirty="0" err="1">
+                <a:solidFill>
+                  <a:schemeClr val="bg1">
+                    <a:lumMod val="50000"/>
+                  </a:schemeClr>
+                </a:solidFill>
+                <a:latin typeface="Consolas" panose="020B0609020204030204" pitchFamily="49" charset="0"/>
+                <a:cs typeface="Consolas" panose="020B0609020204030204" pitchFamily="49" charset="0"/>
+              </a:rPr>
+              <a:t>JsObject</a:t>
+            </a:r>
+            <a:r>
+              <a:rPr lang="sv-SE" sz="1200" dirty="0">
+                <a:solidFill>
+                  <a:schemeClr val="bg1">
+                    <a:lumMod val="50000"/>
+                  </a:schemeClr>
+                </a:solidFill>
+                <a:latin typeface="Consolas" panose="020B0609020204030204" pitchFamily="49" charset="0"/>
+                <a:cs typeface="Consolas" panose="020B0609020204030204" pitchFamily="49" charset="0"/>
+              </a:rPr>
+              <a:t>&gt;(</a:t>
+            </a:r>
+            <a:r>
+              <a:rPr lang="sv-SE" sz="1200" dirty="0" err="1">
+                <a:solidFill>
+                  <a:schemeClr val="bg1">
+                    <a:lumMod val="50000"/>
+                  </a:schemeClr>
+                </a:solidFill>
+                <a:latin typeface="Consolas" panose="020B0609020204030204" pitchFamily="49" charset="0"/>
+                <a:cs typeface="Consolas" panose="020B0609020204030204" pitchFamily="49" charset="0"/>
+              </a:rPr>
+              <a:t>out</a:t>
+            </a:r>
+            <a:r>
+              <a:rPr lang="sv-SE" sz="1200" dirty="0">
+                <a:solidFill>
+                  <a:schemeClr val="bg1">
+                    <a:lumMod val="50000"/>
+                  </a:schemeClr>
+                </a:solidFill>
+                <a:latin typeface="Consolas" panose="020B0609020204030204" pitchFamily="49" charset="0"/>
+                <a:cs typeface="Consolas" panose="020B0609020204030204" pitchFamily="49" charset="0"/>
+              </a:rPr>
+              <a:t> var </a:t>
+            </a:r>
+            <a:r>
+              <a:rPr lang="sv-SE" sz="1200" dirty="0" err="1">
+                <a:solidFill>
+                  <a:schemeClr val="bg1">
+                    <a:lumMod val="50000"/>
+                  </a:schemeClr>
+                </a:solidFill>
+                <a:latin typeface="Consolas" panose="020B0609020204030204" pitchFamily="49" charset="0"/>
+                <a:cs typeface="Consolas" panose="020B0609020204030204" pitchFamily="49" charset="0"/>
+              </a:rPr>
+              <a:t>itemObj</a:t>
+            </a:r>
+            <a:r>
+              <a:rPr lang="sv-SE" sz="1200" dirty="0">
+                <a:solidFill>
+                  <a:schemeClr val="bg1">
+                    <a:lumMod val="50000"/>
+                  </a:schemeClr>
+                </a:solidFill>
+                <a:latin typeface="Consolas" panose="020B0609020204030204" pitchFamily="49" charset="0"/>
+                <a:cs typeface="Consolas" panose="020B0609020204030204" pitchFamily="49" charset="0"/>
+              </a:rPr>
+              <a:t>) &amp;&amp; </a:t>
+            </a:r>
+            <a:r>
+              <a:rPr lang="sv-SE" sz="1200" dirty="0" err="1">
+                <a:solidFill>
+                  <a:schemeClr val="bg1">
+                    <a:lumMod val="50000"/>
+                  </a:schemeClr>
+                </a:solidFill>
+                <a:latin typeface="Consolas" panose="020B0609020204030204" pitchFamily="49" charset="0"/>
+                <a:cs typeface="Consolas" panose="020B0609020204030204" pitchFamily="49" charset="0"/>
+              </a:rPr>
+              <a:t>itemObj.TryGetProperty</a:t>
+            </a:r>
+            <a:r>
+              <a:rPr lang="sv-SE" sz="1200" dirty="0">
+                <a:solidFill>
+                  <a:schemeClr val="bg1">
+                    <a:lumMod val="50000"/>
+                  </a:schemeClr>
+                </a:solidFill>
+                <a:latin typeface="Consolas" panose="020B0609020204030204" pitchFamily="49" charset="0"/>
+                <a:cs typeface="Consolas" panose="020B0609020204030204" pitchFamily="49" charset="0"/>
+              </a:rPr>
+              <a:t>("</a:t>
+            </a:r>
+            <a:r>
+              <a:rPr lang="sv-SE" sz="1200" dirty="0" err="1">
+                <a:solidFill>
+                  <a:schemeClr val="bg1">
+                    <a:lumMod val="50000"/>
+                  </a:schemeClr>
+                </a:solidFill>
+                <a:latin typeface="Consolas" panose="020B0609020204030204" pitchFamily="49" charset="0"/>
+                <a:cs typeface="Consolas" panose="020B0609020204030204" pitchFamily="49" charset="0"/>
+              </a:rPr>
+              <a:t>then</a:t>
+            </a:r>
+            <a:r>
+              <a:rPr lang="sv-SE" sz="1200" dirty="0">
+                <a:solidFill>
+                  <a:schemeClr val="bg1">
+                    <a:lumMod val="50000"/>
+                  </a:schemeClr>
+                </a:solidFill>
+                <a:latin typeface="Consolas" panose="020B0609020204030204" pitchFamily="49" charset="0"/>
+                <a:cs typeface="Consolas" panose="020B0609020204030204" pitchFamily="49" charset="0"/>
+              </a:rPr>
+              <a:t>", </a:t>
+            </a:r>
+            <a:r>
+              <a:rPr lang="sv-SE" sz="1200" dirty="0" err="1">
+                <a:solidFill>
+                  <a:schemeClr val="bg1">
+                    <a:lumMod val="50000"/>
+                  </a:schemeClr>
+                </a:solidFill>
+                <a:latin typeface="Consolas" panose="020B0609020204030204" pitchFamily="49" charset="0"/>
+                <a:cs typeface="Consolas" panose="020B0609020204030204" pitchFamily="49" charset="0"/>
+              </a:rPr>
+              <a:t>out</a:t>
+            </a:r>
+            <a:r>
+              <a:rPr lang="sv-SE" sz="1200" dirty="0">
+                <a:solidFill>
+                  <a:schemeClr val="bg1">
+                    <a:lumMod val="50000"/>
+                  </a:schemeClr>
+                </a:solidFill>
+                <a:latin typeface="Consolas" panose="020B0609020204030204" pitchFamily="49" charset="0"/>
+                <a:cs typeface="Consolas" panose="020B0609020204030204" pitchFamily="49" charset="0"/>
+              </a:rPr>
+              <a:t> var </a:t>
+            </a:r>
+            <a:r>
+              <a:rPr lang="sv-SE" sz="1200" dirty="0" err="1">
+                <a:solidFill>
+                  <a:schemeClr val="bg1">
+                    <a:lumMod val="50000"/>
+                  </a:schemeClr>
+                </a:solidFill>
+                <a:latin typeface="Consolas" panose="020B0609020204030204" pitchFamily="49" charset="0"/>
+                <a:cs typeface="Consolas" panose="020B0609020204030204" pitchFamily="49" charset="0"/>
+              </a:rPr>
+              <a:t>thenMethod</a:t>
+            </a:r>
+            <a:r>
+              <a:rPr lang="sv-SE" sz="1200" dirty="0">
+                <a:solidFill>
+                  <a:schemeClr val="bg1">
+                    <a:lumMod val="50000"/>
+                  </a:schemeClr>
+                </a:solidFill>
+                <a:latin typeface="Consolas" panose="020B0609020204030204" pitchFamily="49" charset="0"/>
+                <a:cs typeface="Consolas" panose="020B0609020204030204" pitchFamily="49" charset="0"/>
+              </a:rPr>
+              <a:t>) &amp;&amp;</a:t>
+            </a:r>
+          </a:p>
+          <a:p>
+            <a:r>
+              <a:rPr lang="sv-SE" sz="1200" dirty="0">
+                <a:latin typeface="Consolas" panose="020B0609020204030204" pitchFamily="49" charset="0"/>
+                <a:cs typeface="Consolas" panose="020B0609020204030204" pitchFamily="49" charset="0"/>
+              </a:rPr>
+              <a:t>              </a:t>
+            </a:r>
+            <a:r>
+              <a:rPr lang="sv-SE" sz="1200" dirty="0">
+                <a:highlight>
+                  <a:srgbClr val="808080"/>
+                </a:highlight>
+                <a:latin typeface="Consolas" panose="020B0609020204030204" pitchFamily="49" charset="0"/>
+                <a:cs typeface="Consolas" panose="020B0609020204030204" pitchFamily="49" charset="0"/>
+              </a:rPr>
+              <a:t>+1 </a:t>
+            </a:r>
+            <a:r>
+              <a:rPr lang="sv-SE" sz="1200" b="1" dirty="0" err="1">
+                <a:highlight>
+                  <a:srgbClr val="FF0000"/>
+                </a:highlight>
+                <a:latin typeface="Consolas" panose="020B0609020204030204" pitchFamily="49" charset="0"/>
+                <a:cs typeface="Consolas" panose="020B0609020204030204" pitchFamily="49" charset="0"/>
+              </a:rPr>
+              <a:t>thenMethod</a:t>
+            </a:r>
+            <a:r>
+              <a:rPr lang="sv-SE" sz="1200" dirty="0" err="1">
+                <a:solidFill>
+                  <a:schemeClr val="bg1">
+                    <a:lumMod val="50000"/>
+                  </a:schemeClr>
+                </a:solidFill>
+                <a:latin typeface="Consolas" panose="020B0609020204030204" pitchFamily="49" charset="0"/>
+                <a:cs typeface="Consolas" panose="020B0609020204030204" pitchFamily="49" charset="0"/>
+              </a:rPr>
+              <a:t>.TryGetCallable</a:t>
+            </a:r>
+            <a:r>
+              <a:rPr lang="sv-SE" sz="1200" dirty="0">
+                <a:solidFill>
+                  <a:schemeClr val="bg1">
+                    <a:lumMod val="50000"/>
+                  </a:schemeClr>
+                </a:solidFill>
+                <a:latin typeface="Consolas" panose="020B0609020204030204" pitchFamily="49" charset="0"/>
+                <a:cs typeface="Consolas" panose="020B0609020204030204" pitchFamily="49" charset="0"/>
+              </a:rPr>
+              <a:t>(</a:t>
+            </a:r>
+            <a:r>
+              <a:rPr lang="sv-SE" sz="1200" dirty="0" err="1">
+                <a:solidFill>
+                  <a:schemeClr val="bg1">
+                    <a:lumMod val="50000"/>
+                  </a:schemeClr>
+                </a:solidFill>
+                <a:latin typeface="Consolas" panose="020B0609020204030204" pitchFamily="49" charset="0"/>
+                <a:cs typeface="Consolas" panose="020B0609020204030204" pitchFamily="49" charset="0"/>
+              </a:rPr>
+              <a:t>out</a:t>
+            </a:r>
+            <a:r>
+              <a:rPr lang="sv-SE" sz="1200" dirty="0">
+                <a:solidFill>
+                  <a:schemeClr val="bg1">
+                    <a:lumMod val="50000"/>
+                  </a:schemeClr>
+                </a:solidFill>
+                <a:latin typeface="Consolas" panose="020B0609020204030204" pitchFamily="49" charset="0"/>
+                <a:cs typeface="Consolas" panose="020B0609020204030204" pitchFamily="49" charset="0"/>
+              </a:rPr>
+              <a:t> var </a:t>
+            </a:r>
+            <a:r>
+              <a:rPr lang="sv-SE" sz="1200" dirty="0" err="1">
+                <a:solidFill>
+                  <a:schemeClr val="bg1">
+                    <a:lumMod val="50000"/>
+                  </a:schemeClr>
+                </a:solidFill>
+                <a:latin typeface="Consolas" panose="020B0609020204030204" pitchFamily="49" charset="0"/>
+                <a:cs typeface="Consolas" panose="020B0609020204030204" pitchFamily="49" charset="0"/>
+              </a:rPr>
+              <a:t>thenCallable</a:t>
+            </a:r>
+            <a:r>
+              <a:rPr lang="sv-SE" sz="1200" dirty="0">
+                <a:solidFill>
+                  <a:schemeClr val="bg1">
+                    <a:lumMod val="50000"/>
+                  </a:schemeClr>
+                </a:solidFill>
+                <a:latin typeface="Consolas" panose="020B0609020204030204" pitchFamily="49" charset="0"/>
+                <a:cs typeface="Consolas" panose="020B0609020204030204" pitchFamily="49" charset="0"/>
+              </a:rPr>
+              <a:t>))</a:t>
+            </a:r>
+          </a:p>
+          <a:p>
+            <a:r>
+              <a:rPr lang="sv-SE" sz="1200" dirty="0">
+                <a:latin typeface="Consolas" panose="020B0609020204030204" pitchFamily="49" charset="0"/>
+                <a:cs typeface="Consolas" panose="020B0609020204030204" pitchFamily="49" charset="0"/>
+              </a:rPr>
+              <a:t>           </a:t>
+            </a:r>
+            <a:r>
+              <a:rPr lang="sv-SE" sz="1200" dirty="0">
+                <a:highlight>
+                  <a:srgbClr val="808080"/>
+                </a:highlight>
+                <a:latin typeface="Consolas" panose="020B0609020204030204" pitchFamily="49" charset="0"/>
+                <a:cs typeface="Consolas" panose="020B0609020204030204" pitchFamily="49" charset="0"/>
+              </a:rPr>
+              <a:t>-1 </a:t>
+            </a:r>
+            <a:r>
+              <a:rPr lang="sv-SE" sz="1200" b="1" dirty="0">
+                <a:highlight>
+                  <a:srgbClr val="FF0000"/>
+                </a:highlight>
+                <a:latin typeface="Consolas" panose="020B0609020204030204" pitchFamily="49" charset="0"/>
+                <a:cs typeface="Consolas" panose="020B0609020204030204" pitchFamily="49" charset="0"/>
+              </a:rPr>
+              <a:t>{</a:t>
+            </a:r>
+          </a:p>
+          <a:p>
+            <a:r>
+              <a:rPr lang="sv-SE" sz="1200" dirty="0">
+                <a:latin typeface="Consolas" panose="020B0609020204030204" pitchFamily="49" charset="0"/>
+                <a:cs typeface="Consolas" panose="020B0609020204030204" pitchFamily="49" charset="0"/>
+              </a:rPr>
+              <a:t>              </a:t>
+            </a:r>
+            <a:r>
+              <a:rPr lang="sv-SE" sz="1200" dirty="0">
+                <a:highlight>
+                  <a:srgbClr val="808080"/>
+                </a:highlight>
+                <a:latin typeface="Consolas" panose="020B0609020204030204" pitchFamily="49" charset="0"/>
+                <a:cs typeface="Consolas" panose="020B0609020204030204" pitchFamily="49" charset="0"/>
+              </a:rPr>
+              <a:t>+1 </a:t>
+            </a:r>
+            <a:r>
+              <a:rPr lang="sv-SE" sz="1200" b="1" dirty="0">
+                <a:solidFill>
+                  <a:schemeClr val="bg1"/>
+                </a:solidFill>
+                <a:highlight>
+                  <a:srgbClr val="FF0000"/>
+                </a:highlight>
+                <a:latin typeface="Consolas" panose="020B0609020204030204" pitchFamily="49" charset="0"/>
+                <a:cs typeface="Consolas" panose="020B0609020204030204" pitchFamily="49" charset="0"/>
+              </a:rPr>
+              <a:t>var</a:t>
+            </a:r>
+            <a:r>
+              <a:rPr lang="sv-SE" sz="1200" dirty="0">
+                <a:solidFill>
+                  <a:schemeClr val="bg1">
+                    <a:lumMod val="50000"/>
+                  </a:schemeClr>
+                </a:solidFill>
+                <a:latin typeface="Consolas" panose="020B0609020204030204" pitchFamily="49" charset="0"/>
+                <a:cs typeface="Consolas" panose="020B0609020204030204" pitchFamily="49" charset="0"/>
+              </a:rPr>
+              <a:t> </a:t>
+            </a:r>
+            <a:r>
+              <a:rPr lang="sv-SE" sz="1200" dirty="0" err="1">
+                <a:solidFill>
+                  <a:schemeClr val="bg1">
+                    <a:lumMod val="50000"/>
+                  </a:schemeClr>
+                </a:solidFill>
+                <a:latin typeface="Consolas" panose="020B0609020204030204" pitchFamily="49" charset="0"/>
+                <a:cs typeface="Consolas" panose="020B0609020204030204" pitchFamily="49" charset="0"/>
+              </a:rPr>
+              <a:t>thenArgs</a:t>
+            </a:r>
+            <a:r>
+              <a:rPr lang="sv-SE" sz="1200" dirty="0">
+                <a:solidFill>
+                  <a:schemeClr val="bg1">
+                    <a:lumMod val="50000"/>
+                  </a:schemeClr>
+                </a:solidFill>
+                <a:latin typeface="Consolas" panose="020B0609020204030204" pitchFamily="49" charset="0"/>
+                <a:cs typeface="Consolas" panose="020B0609020204030204" pitchFamily="49" charset="0"/>
+              </a:rPr>
+              <a:t> = new[] { (</a:t>
+            </a:r>
+            <a:r>
+              <a:rPr lang="sv-SE" sz="1200" dirty="0" err="1">
+                <a:solidFill>
+                  <a:schemeClr val="bg1">
+                    <a:lumMod val="50000"/>
+                  </a:schemeClr>
+                </a:solidFill>
+                <a:latin typeface="Consolas" panose="020B0609020204030204" pitchFamily="49" charset="0"/>
+                <a:cs typeface="Consolas" panose="020B0609020204030204" pitchFamily="49" charset="0"/>
+              </a:rPr>
+              <a:t>JsValue</a:t>
+            </a:r>
+            <a:r>
+              <a:rPr lang="sv-SE" sz="1200" dirty="0">
+                <a:solidFill>
+                  <a:schemeClr val="bg1">
+                    <a:lumMod val="50000"/>
+                  </a:schemeClr>
+                </a:solidFill>
+                <a:latin typeface="Consolas" panose="020B0609020204030204" pitchFamily="49" charset="0"/>
+                <a:cs typeface="Consolas" panose="020B0609020204030204" pitchFamily="49" charset="0"/>
+              </a:rPr>
+              <a:t>)</a:t>
+            </a:r>
+            <a:r>
+              <a:rPr lang="sv-SE" sz="1200" dirty="0" err="1">
+                <a:solidFill>
+                  <a:schemeClr val="bg1">
+                    <a:lumMod val="50000"/>
+                  </a:schemeClr>
+                </a:solidFill>
+                <a:latin typeface="Consolas" panose="020B0609020204030204" pitchFamily="49" charset="0"/>
+                <a:cs typeface="Consolas" panose="020B0609020204030204" pitchFamily="49" charset="0"/>
+              </a:rPr>
+              <a:t>CreateResolve</a:t>
+            </a:r>
+            <a:r>
+              <a:rPr lang="sv-SE" sz="1200" dirty="0">
+                <a:solidFill>
+                  <a:schemeClr val="bg1">
+                    <a:lumMod val="50000"/>
+                  </a:schemeClr>
+                </a:solidFill>
+                <a:latin typeface="Consolas" panose="020B0609020204030204" pitchFamily="49" charset="0"/>
+                <a:cs typeface="Consolas" panose="020B0609020204030204" pitchFamily="49" charset="0"/>
+              </a:rPr>
+              <a:t>(i), (</a:t>
+            </a:r>
+            <a:r>
+              <a:rPr lang="sv-SE" sz="1200" dirty="0" err="1">
+                <a:solidFill>
+                  <a:schemeClr val="bg1">
+                    <a:lumMod val="50000"/>
+                  </a:schemeClr>
+                </a:solidFill>
+                <a:latin typeface="Consolas" panose="020B0609020204030204" pitchFamily="49" charset="0"/>
+                <a:cs typeface="Consolas" panose="020B0609020204030204" pitchFamily="49" charset="0"/>
+              </a:rPr>
+              <a:t>JsValue</a:t>
+            </a:r>
+            <a:r>
+              <a:rPr lang="sv-SE" sz="1200" dirty="0">
+                <a:solidFill>
+                  <a:schemeClr val="bg1">
+                    <a:lumMod val="50000"/>
+                  </a:schemeClr>
+                </a:solidFill>
+                <a:latin typeface="Consolas" panose="020B0609020204030204" pitchFamily="49" charset="0"/>
+                <a:cs typeface="Consolas" panose="020B0609020204030204" pitchFamily="49" charset="0"/>
+              </a:rPr>
+              <a:t>)</a:t>
+            </a:r>
+            <a:r>
+              <a:rPr lang="sv-SE" sz="1200" dirty="0" err="1">
+                <a:solidFill>
+                  <a:schemeClr val="bg1">
+                    <a:lumMod val="50000"/>
+                  </a:schemeClr>
+                </a:solidFill>
+                <a:latin typeface="Consolas" panose="020B0609020204030204" pitchFamily="49" charset="0"/>
+                <a:cs typeface="Consolas" panose="020B0609020204030204" pitchFamily="49" charset="0"/>
+              </a:rPr>
+              <a:t>CreateReject</a:t>
+            </a:r>
+            <a:r>
+              <a:rPr lang="sv-SE" sz="1200" dirty="0">
+                <a:solidFill>
+                  <a:schemeClr val="bg1">
+                    <a:lumMod val="50000"/>
+                  </a:schemeClr>
+                </a:solidFill>
+                <a:latin typeface="Consolas" panose="020B0609020204030204" pitchFamily="49" charset="0"/>
+                <a:cs typeface="Consolas" panose="020B0609020204030204" pitchFamily="49" charset="0"/>
+              </a:rPr>
+              <a:t>(i) };</a:t>
+            </a:r>
+          </a:p>
+          <a:p>
+            <a:r>
+              <a:rPr lang="sv-SE" sz="1200" dirty="0">
+                <a:latin typeface="Consolas" panose="020B0609020204030204" pitchFamily="49" charset="0"/>
+                <a:cs typeface="Consolas" panose="020B0609020204030204" pitchFamily="49" charset="0"/>
+              </a:rPr>
+              <a:t>              </a:t>
+            </a:r>
+            <a:r>
+              <a:rPr lang="sv-SE" sz="1200" dirty="0">
+                <a:highlight>
+                  <a:srgbClr val="808080"/>
+                </a:highlight>
+                <a:latin typeface="Consolas" panose="020B0609020204030204" pitchFamily="49" charset="0"/>
+                <a:cs typeface="Consolas" panose="020B0609020204030204" pitchFamily="49" charset="0"/>
+              </a:rPr>
+              <a:t>±0 </a:t>
+            </a:r>
+            <a:r>
+              <a:rPr lang="sv-SE" sz="1200" b="1" dirty="0" err="1">
+                <a:highlight>
+                  <a:srgbClr val="FF0000"/>
+                </a:highlight>
+                <a:latin typeface="Consolas" panose="020B0609020204030204" pitchFamily="49" charset="0"/>
+                <a:cs typeface="Consolas" panose="020B0609020204030204" pitchFamily="49" charset="0"/>
+              </a:rPr>
+              <a:t>thenCallable</a:t>
+            </a:r>
+            <a:r>
+              <a:rPr lang="sv-SE" sz="1200" dirty="0" err="1">
+                <a:solidFill>
+                  <a:schemeClr val="bg1">
+                    <a:lumMod val="50000"/>
+                  </a:schemeClr>
+                </a:solidFill>
+                <a:latin typeface="Consolas" panose="020B0609020204030204" pitchFamily="49" charset="0"/>
+                <a:cs typeface="Consolas" panose="020B0609020204030204" pitchFamily="49" charset="0"/>
+              </a:rPr>
+              <a:t>.Invoke</a:t>
+            </a:r>
+            <a:r>
+              <a:rPr lang="sv-SE" sz="1200" dirty="0">
+                <a:solidFill>
+                  <a:schemeClr val="bg1">
+                    <a:lumMod val="50000"/>
+                  </a:schemeClr>
+                </a:solidFill>
+                <a:latin typeface="Consolas" panose="020B0609020204030204" pitchFamily="49" charset="0"/>
+                <a:cs typeface="Consolas" panose="020B0609020204030204" pitchFamily="49" charset="0"/>
+              </a:rPr>
+              <a:t>(</a:t>
+            </a:r>
+            <a:r>
+              <a:rPr lang="sv-SE" sz="1200" dirty="0" err="1">
+                <a:solidFill>
+                  <a:schemeClr val="bg1">
+                    <a:lumMod val="50000"/>
+                  </a:schemeClr>
+                </a:solidFill>
+                <a:latin typeface="Consolas" panose="020B0609020204030204" pitchFamily="49" charset="0"/>
+                <a:cs typeface="Consolas" panose="020B0609020204030204" pitchFamily="49" charset="0"/>
+              </a:rPr>
+              <a:t>thenArgs</a:t>
+            </a:r>
+            <a:r>
+              <a:rPr lang="sv-SE" sz="1200" dirty="0">
+                <a:solidFill>
+                  <a:schemeClr val="bg1">
+                    <a:lumMod val="50000"/>
+                  </a:schemeClr>
+                </a:solidFill>
+                <a:latin typeface="Consolas" panose="020B0609020204030204" pitchFamily="49" charset="0"/>
+                <a:cs typeface="Consolas" panose="020B0609020204030204" pitchFamily="49" charset="0"/>
+              </a:rPr>
+              <a:t>, item);</a:t>
+            </a:r>
+          </a:p>
+          <a:p>
+            <a:r>
+              <a:rPr lang="sv-SE" sz="1200" dirty="0">
+                <a:latin typeface="Consolas" panose="020B0609020204030204" pitchFamily="49" charset="0"/>
+                <a:cs typeface="Consolas" panose="020B0609020204030204" pitchFamily="49" charset="0"/>
+              </a:rPr>
+              <a:t>           </a:t>
+            </a:r>
+            <a:r>
+              <a:rPr lang="sv-SE" sz="1200" dirty="0">
+                <a:highlight>
+                  <a:srgbClr val="808080"/>
+                </a:highlight>
+                <a:latin typeface="Consolas" panose="020B0609020204030204" pitchFamily="49" charset="0"/>
+                <a:cs typeface="Consolas" panose="020B0609020204030204" pitchFamily="49" charset="0"/>
+              </a:rPr>
+              <a:t>-1 </a:t>
+            </a:r>
+            <a:r>
+              <a:rPr lang="sv-SE" sz="1200" b="1" dirty="0">
+                <a:highlight>
+                  <a:srgbClr val="FF0000"/>
+                </a:highlight>
+                <a:latin typeface="Consolas" panose="020B0609020204030204" pitchFamily="49" charset="0"/>
+                <a:cs typeface="Consolas" panose="020B0609020204030204" pitchFamily="49" charset="0"/>
+              </a:rPr>
+              <a:t>}</a:t>
+            </a:r>
+          </a:p>
+          <a:p>
+            <a:r>
+              <a:rPr lang="sv-SE" sz="1200" dirty="0">
+                <a:latin typeface="Consolas" panose="020B0609020204030204" pitchFamily="49" charset="0"/>
+                <a:cs typeface="Consolas" panose="020B0609020204030204" pitchFamily="49" charset="0"/>
+              </a:rPr>
+              <a:t>           </a:t>
+            </a:r>
+            <a:r>
+              <a:rPr lang="sv-SE" sz="1200" dirty="0">
+                <a:highlight>
+                  <a:srgbClr val="808080"/>
+                </a:highlight>
+                <a:latin typeface="Consolas" panose="020B0609020204030204" pitchFamily="49" charset="0"/>
+                <a:cs typeface="Consolas" panose="020B0609020204030204" pitchFamily="49" charset="0"/>
+              </a:rPr>
+              <a:t>±0 </a:t>
+            </a:r>
+            <a:r>
+              <a:rPr lang="sv-SE" sz="1200" b="1" dirty="0" err="1">
+                <a:highlight>
+                  <a:srgbClr val="FF0000"/>
+                </a:highlight>
+                <a:latin typeface="Consolas" panose="020B0609020204030204" pitchFamily="49" charset="0"/>
+                <a:cs typeface="Consolas" panose="020B0609020204030204" pitchFamily="49" charset="0"/>
+              </a:rPr>
+              <a:t>else</a:t>
+            </a:r>
+            <a:endParaRPr lang="sv-SE" sz="1200" b="1" dirty="0">
+              <a:highlight>
+                <a:srgbClr val="FF0000"/>
+              </a:highlight>
+              <a:latin typeface="Consolas" panose="020B0609020204030204" pitchFamily="49" charset="0"/>
+              <a:cs typeface="Consolas" panose="020B0609020204030204" pitchFamily="49" charset="0"/>
+            </a:endParaRPr>
+          </a:p>
+          <a:p>
+            <a:r>
+              <a:rPr lang="sv-SE" sz="1200" dirty="0">
+                <a:latin typeface="Consolas" panose="020B0609020204030204" pitchFamily="49" charset="0"/>
+                <a:cs typeface="Consolas" panose="020B0609020204030204" pitchFamily="49" charset="0"/>
+              </a:rPr>
+              <a:t>           </a:t>
+            </a:r>
+            <a:r>
+              <a:rPr lang="sv-SE" sz="1200" dirty="0">
+                <a:highlight>
+                  <a:srgbClr val="808080"/>
+                </a:highlight>
+                <a:latin typeface="Consolas" panose="020B0609020204030204" pitchFamily="49" charset="0"/>
+                <a:cs typeface="Consolas" panose="020B0609020204030204" pitchFamily="49" charset="0"/>
+              </a:rPr>
+              <a:t>±0 </a:t>
+            </a:r>
+            <a:r>
+              <a:rPr lang="sv-SE" sz="1200" b="1" dirty="0">
+                <a:highlight>
+                  <a:srgbClr val="FF0000"/>
+                </a:highlight>
+                <a:latin typeface="Consolas" panose="020B0609020204030204" pitchFamily="49" charset="0"/>
+                <a:cs typeface="Consolas" panose="020B0609020204030204" pitchFamily="49" charset="0"/>
+              </a:rPr>
+              <a:t>{</a:t>
+            </a:r>
+          </a:p>
+          <a:p>
+            <a:r>
+              <a:rPr lang="sv-SE" sz="1200" dirty="0">
+                <a:latin typeface="Consolas" panose="020B0609020204030204" pitchFamily="49" charset="0"/>
+                <a:cs typeface="Consolas" panose="020B0609020204030204" pitchFamily="49" charset="0"/>
+              </a:rPr>
+              <a:t>              </a:t>
+            </a:r>
+            <a:r>
+              <a:rPr lang="sv-SE" sz="1200" dirty="0">
+                <a:highlight>
+                  <a:srgbClr val="808080"/>
+                </a:highlight>
+                <a:latin typeface="Consolas" panose="020B0609020204030204" pitchFamily="49" charset="0"/>
+                <a:cs typeface="Consolas" panose="020B0609020204030204" pitchFamily="49" charset="0"/>
+              </a:rPr>
+              <a:t>+1 </a:t>
+            </a:r>
+            <a:r>
+              <a:rPr lang="sv-SE" sz="1200" b="1" dirty="0" err="1">
+                <a:highlight>
+                  <a:srgbClr val="FF0000"/>
+                </a:highlight>
+                <a:latin typeface="Consolas" panose="020B0609020204030204" pitchFamily="49" charset="0"/>
+                <a:cs typeface="Consolas" panose="020B0609020204030204" pitchFamily="49" charset="0"/>
+              </a:rPr>
+              <a:t>Resolve</a:t>
+            </a:r>
+            <a:r>
+              <a:rPr lang="sv-SE" sz="1200" dirty="0">
+                <a:solidFill>
+                  <a:schemeClr val="bg1">
+                    <a:lumMod val="50000"/>
+                  </a:schemeClr>
+                </a:solidFill>
+                <a:latin typeface="Consolas" panose="020B0609020204030204" pitchFamily="49" charset="0"/>
+                <a:cs typeface="Consolas" panose="020B0609020204030204" pitchFamily="49" charset="0"/>
+              </a:rPr>
+              <a:t>(i, item, </a:t>
+            </a:r>
+            <a:r>
+              <a:rPr lang="sv-SE" sz="1200" dirty="0" err="1">
+                <a:solidFill>
+                  <a:schemeClr val="bg1">
+                    <a:lumMod val="50000"/>
+                  </a:schemeClr>
+                </a:solidFill>
+                <a:latin typeface="Consolas" panose="020B0609020204030204" pitchFamily="49" charset="0"/>
+                <a:cs typeface="Consolas" panose="020B0609020204030204" pitchFamily="49" charset="0"/>
+              </a:rPr>
+              <a:t>false</a:t>
+            </a:r>
+            <a:r>
+              <a:rPr lang="sv-SE" sz="1200" dirty="0">
+                <a:solidFill>
+                  <a:schemeClr val="bg1">
+                    <a:lumMod val="50000"/>
+                  </a:schemeClr>
+                </a:solidFill>
+                <a:latin typeface="Consolas" panose="020B0609020204030204" pitchFamily="49" charset="0"/>
+                <a:cs typeface="Consolas" panose="020B0609020204030204" pitchFamily="49" charset="0"/>
+              </a:rPr>
+              <a:t>);</a:t>
+            </a:r>
+          </a:p>
+          <a:p>
+            <a:r>
+              <a:rPr lang="sv-SE" sz="1200" dirty="0">
+                <a:latin typeface="Consolas" panose="020B0609020204030204" pitchFamily="49" charset="0"/>
+                <a:cs typeface="Consolas" panose="020B0609020204030204" pitchFamily="49" charset="0"/>
+              </a:rPr>
+              <a:t>           </a:t>
+            </a:r>
+            <a:r>
+              <a:rPr lang="sv-SE" sz="1200" dirty="0">
+                <a:highlight>
+                  <a:srgbClr val="808080"/>
+                </a:highlight>
+                <a:latin typeface="Consolas" panose="020B0609020204030204" pitchFamily="49" charset="0"/>
+                <a:cs typeface="Consolas" panose="020B0609020204030204" pitchFamily="49" charset="0"/>
+              </a:rPr>
+              <a:t>-1 </a:t>
+            </a:r>
+            <a:r>
+              <a:rPr lang="sv-SE" sz="1200" b="1" dirty="0">
+                <a:highlight>
+                  <a:srgbClr val="FF0000"/>
+                </a:highlight>
+                <a:latin typeface="Consolas" panose="020B0609020204030204" pitchFamily="49" charset="0"/>
+                <a:cs typeface="Consolas" panose="020B0609020204030204" pitchFamily="49" charset="0"/>
+              </a:rPr>
+              <a:t>}</a:t>
+            </a:r>
+          </a:p>
+          <a:p>
+            <a:r>
+              <a:rPr lang="sv-SE" sz="1200" dirty="0">
+                <a:latin typeface="Consolas" panose="020B0609020204030204" pitchFamily="49" charset="0"/>
+                <a:cs typeface="Consolas" panose="020B0609020204030204" pitchFamily="49" charset="0"/>
+              </a:rPr>
+              <a:t>        </a:t>
+            </a:r>
+            <a:r>
+              <a:rPr lang="sv-SE" sz="1200" dirty="0">
+                <a:highlight>
+                  <a:srgbClr val="808080"/>
+                </a:highlight>
+                <a:latin typeface="Consolas" panose="020B0609020204030204" pitchFamily="49" charset="0"/>
+                <a:cs typeface="Consolas" panose="020B0609020204030204" pitchFamily="49" charset="0"/>
+              </a:rPr>
+              <a:t>-1 </a:t>
+            </a:r>
+            <a:r>
+              <a:rPr lang="sv-SE" sz="1200" b="1" dirty="0">
+                <a:highlight>
+                  <a:srgbClr val="FF0000"/>
+                </a:highlight>
+                <a:latin typeface="Consolas" panose="020B0609020204030204" pitchFamily="49" charset="0"/>
+                <a:cs typeface="Consolas" panose="020B0609020204030204" pitchFamily="49" charset="0"/>
+              </a:rPr>
+              <a:t>}</a:t>
+            </a:r>
+            <a:endParaRPr lang="sv-SE" sz="1200" dirty="0">
+              <a:latin typeface="Consolas" panose="020B0609020204030204" pitchFamily="49" charset="0"/>
+              <a:cs typeface="Consolas" panose="020B0609020204030204" pitchFamily="49" charset="0"/>
+            </a:endParaRPr>
+          </a:p>
+          <a:p>
+            <a:r>
+              <a:rPr lang="sv-SE" sz="1200" dirty="0">
+                <a:latin typeface="Consolas" panose="020B0609020204030204" pitchFamily="49" charset="0"/>
+                <a:cs typeface="Consolas" panose="020B0609020204030204" pitchFamily="49" charset="0"/>
+              </a:rPr>
+              <a:t>        </a:t>
+            </a:r>
+            <a:r>
+              <a:rPr lang="sv-SE" sz="1200" dirty="0">
+                <a:highlight>
+                  <a:srgbClr val="808080"/>
+                </a:highlight>
+                <a:latin typeface="Consolas" panose="020B0609020204030204" pitchFamily="49" charset="0"/>
+                <a:cs typeface="Consolas" panose="020B0609020204030204" pitchFamily="49" charset="0"/>
+              </a:rPr>
+              <a:t>±0 </a:t>
+            </a:r>
+            <a:r>
+              <a:rPr lang="sv-SE" sz="1200" b="1" dirty="0" err="1">
+                <a:solidFill>
+                  <a:schemeClr val="bg1"/>
+                </a:solidFill>
+                <a:highlight>
+                  <a:srgbClr val="FF0000"/>
+                </a:highlight>
+                <a:latin typeface="Consolas" panose="020B0609020204030204" pitchFamily="49" charset="0"/>
+                <a:cs typeface="Consolas" panose="020B0609020204030204" pitchFamily="49" charset="0"/>
+              </a:rPr>
+              <a:t>return</a:t>
+            </a:r>
+            <a:r>
+              <a:rPr lang="sv-SE" sz="1200" dirty="0">
+                <a:solidFill>
+                  <a:schemeClr val="bg1">
+                    <a:lumMod val="50000"/>
+                  </a:schemeClr>
+                </a:solidFill>
+                <a:latin typeface="Consolas" panose="020B0609020204030204" pitchFamily="49" charset="0"/>
+                <a:cs typeface="Consolas" panose="020B0609020204030204" pitchFamily="49" charset="0"/>
+              </a:rPr>
+              <a:t> new </a:t>
+            </a:r>
+            <a:r>
+              <a:rPr lang="sv-SE" sz="1200" dirty="0" err="1">
+                <a:solidFill>
+                  <a:schemeClr val="bg1">
+                    <a:lumMod val="50000"/>
+                  </a:schemeClr>
+                </a:solidFill>
+                <a:latin typeface="Consolas" panose="020B0609020204030204" pitchFamily="49" charset="0"/>
+                <a:cs typeface="Consolas" panose="020B0609020204030204" pitchFamily="49" charset="0"/>
+              </a:rPr>
+              <a:t>JsValue</a:t>
+            </a:r>
+            <a:r>
+              <a:rPr lang="sv-SE" sz="1200" dirty="0">
+                <a:solidFill>
+                  <a:schemeClr val="bg1">
+                    <a:lumMod val="50000"/>
+                  </a:schemeClr>
+                </a:solidFill>
+                <a:latin typeface="Consolas" panose="020B0609020204030204" pitchFamily="49" charset="0"/>
+                <a:cs typeface="Consolas" panose="020B0609020204030204" pitchFamily="49" charset="0"/>
+              </a:rPr>
+              <a:t>(</a:t>
+            </a:r>
+            <a:r>
+              <a:rPr lang="sv-SE" sz="1200" dirty="0" err="1">
+                <a:solidFill>
+                  <a:schemeClr val="bg1">
+                    <a:lumMod val="50000"/>
+                  </a:schemeClr>
+                </a:solidFill>
+                <a:latin typeface="Consolas" panose="020B0609020204030204" pitchFamily="49" charset="0"/>
+                <a:cs typeface="Consolas" panose="020B0609020204030204" pitchFamily="49" charset="0"/>
+              </a:rPr>
+              <a:t>resultPromise.JsObject</a:t>
+            </a:r>
+            <a:r>
+              <a:rPr lang="sv-SE" sz="1200" dirty="0">
+                <a:solidFill>
+                  <a:schemeClr val="bg1">
+                    <a:lumMod val="50000"/>
+                  </a:schemeClr>
+                </a:solidFill>
+                <a:latin typeface="Consolas" panose="020B0609020204030204" pitchFamily="49" charset="0"/>
+                <a:cs typeface="Consolas" panose="020B0609020204030204" pitchFamily="49" charset="0"/>
+              </a:rPr>
+              <a:t>);</a:t>
+            </a:r>
+          </a:p>
+          <a:p>
+            <a:r>
+              <a:rPr lang="sv-SE" sz="1200" dirty="0">
+                <a:latin typeface="Consolas" panose="020B0609020204030204" pitchFamily="49" charset="0"/>
+                <a:cs typeface="Consolas" panose="020B0609020204030204" pitchFamily="49" charset="0"/>
+              </a:rPr>
+              <a:t>        </a:t>
+            </a:r>
+            <a:r>
+              <a:rPr lang="sv-SE" sz="1200" dirty="0">
+                <a:highlight>
+                  <a:srgbClr val="808080"/>
+                </a:highlight>
+                <a:latin typeface="Consolas" panose="020B0609020204030204" pitchFamily="49" charset="0"/>
+                <a:cs typeface="Consolas" panose="020B0609020204030204" pitchFamily="49" charset="0"/>
+              </a:rPr>
+              <a:t>±0 </a:t>
+            </a:r>
+            <a:r>
+              <a:rPr lang="sv-SE" sz="1200" b="1" dirty="0" err="1">
+                <a:solidFill>
+                  <a:schemeClr val="bg1"/>
+                </a:solidFill>
+                <a:highlight>
+                  <a:srgbClr val="FF0000"/>
+                </a:highlight>
+                <a:latin typeface="Consolas" panose="020B0609020204030204" pitchFamily="49" charset="0"/>
+                <a:cs typeface="Consolas" panose="020B0609020204030204" pitchFamily="49" charset="0"/>
+              </a:rPr>
+              <a:t>HostFunction</a:t>
+            </a:r>
+            <a:r>
+              <a:rPr lang="sv-SE" sz="1200" dirty="0">
+                <a:solidFill>
+                  <a:schemeClr val="bg1">
+                    <a:lumMod val="50000"/>
+                  </a:schemeClr>
+                </a:solidFill>
+                <a:latin typeface="Consolas" panose="020B0609020204030204" pitchFamily="49" charset="0"/>
+                <a:cs typeface="Consolas" panose="020B0609020204030204" pitchFamily="49" charset="0"/>
+              </a:rPr>
+              <a:t> </a:t>
+            </a:r>
+            <a:r>
+              <a:rPr lang="sv-SE" sz="1200" dirty="0" err="1">
+                <a:solidFill>
+                  <a:schemeClr val="bg1">
+                    <a:lumMod val="50000"/>
+                  </a:schemeClr>
+                </a:solidFill>
+                <a:latin typeface="Consolas" panose="020B0609020204030204" pitchFamily="49" charset="0"/>
+                <a:cs typeface="Consolas" panose="020B0609020204030204" pitchFamily="49" charset="0"/>
+              </a:rPr>
+              <a:t>CreateResolve</a:t>
+            </a:r>
+            <a:r>
+              <a:rPr lang="sv-SE" sz="1200" dirty="0">
+                <a:solidFill>
+                  <a:schemeClr val="bg1">
+                    <a:lumMod val="50000"/>
+                  </a:schemeClr>
+                </a:solidFill>
+                <a:latin typeface="Consolas" panose="020B0609020204030204" pitchFamily="49" charset="0"/>
+                <a:cs typeface="Consolas" panose="020B0609020204030204" pitchFamily="49" charset="0"/>
+              </a:rPr>
+              <a:t>(</a:t>
+            </a:r>
+            <a:r>
+              <a:rPr lang="sv-SE" sz="1200" dirty="0" err="1">
+                <a:solidFill>
+                  <a:schemeClr val="bg1">
+                    <a:lumMod val="50000"/>
+                  </a:schemeClr>
+                </a:solidFill>
+                <a:latin typeface="Consolas" panose="020B0609020204030204" pitchFamily="49" charset="0"/>
+                <a:cs typeface="Consolas" panose="020B0609020204030204" pitchFamily="49" charset="0"/>
+              </a:rPr>
+              <a:t>int</a:t>
+            </a:r>
+            <a:r>
+              <a:rPr lang="sv-SE" sz="1200" dirty="0">
+                <a:solidFill>
+                  <a:schemeClr val="bg1">
+                    <a:lumMod val="50000"/>
+                  </a:schemeClr>
+                </a:solidFill>
+                <a:latin typeface="Consolas" panose="020B0609020204030204" pitchFamily="49" charset="0"/>
+                <a:cs typeface="Consolas" panose="020B0609020204030204" pitchFamily="49" charset="0"/>
+              </a:rPr>
+              <a:t> index)</a:t>
+            </a:r>
+          </a:p>
+          <a:p>
+            <a:r>
+              <a:rPr lang="sv-SE" sz="1200" dirty="0">
+                <a:latin typeface="Consolas" panose="020B0609020204030204" pitchFamily="49" charset="0"/>
+                <a:cs typeface="Consolas" panose="020B0609020204030204" pitchFamily="49" charset="0"/>
+              </a:rPr>
+              <a:t>        </a:t>
+            </a:r>
+            <a:r>
+              <a:rPr lang="sv-SE" sz="1200" dirty="0">
+                <a:highlight>
+                  <a:srgbClr val="808080"/>
+                </a:highlight>
+                <a:latin typeface="Consolas" panose="020B0609020204030204" pitchFamily="49" charset="0"/>
+                <a:cs typeface="Consolas" panose="020B0609020204030204" pitchFamily="49" charset="0"/>
+              </a:rPr>
+              <a:t>±0 </a:t>
+            </a:r>
+            <a:r>
+              <a:rPr lang="sv-SE" sz="1200" b="1" dirty="0">
+                <a:highlight>
+                  <a:srgbClr val="FF0000"/>
+                </a:highlight>
+                <a:latin typeface="Consolas" panose="020B0609020204030204" pitchFamily="49" charset="0"/>
+                <a:cs typeface="Consolas" panose="020B0609020204030204" pitchFamily="49" charset="0"/>
+              </a:rPr>
+              <a:t>{</a:t>
+            </a:r>
+          </a:p>
+          <a:p>
+            <a:r>
+              <a:rPr lang="sv-SE" sz="1200" dirty="0">
+                <a:latin typeface="Consolas" panose="020B0609020204030204" pitchFamily="49" charset="0"/>
+                <a:cs typeface="Consolas" panose="020B0609020204030204" pitchFamily="49" charset="0"/>
+              </a:rPr>
+              <a:t>           </a:t>
+            </a:r>
+            <a:r>
+              <a:rPr lang="sv-SE" sz="1200" dirty="0">
+                <a:highlight>
+                  <a:srgbClr val="808080"/>
+                </a:highlight>
+                <a:latin typeface="Consolas" panose="020B0609020204030204" pitchFamily="49" charset="0"/>
+                <a:cs typeface="Consolas" panose="020B0609020204030204" pitchFamily="49" charset="0"/>
+              </a:rPr>
+              <a:t>+1 </a:t>
+            </a:r>
+            <a:r>
+              <a:rPr lang="sv-SE" sz="1200" b="1" dirty="0" err="1">
+                <a:highlight>
+                  <a:srgbClr val="FF0000"/>
+                </a:highlight>
+                <a:latin typeface="Consolas" panose="020B0609020204030204" pitchFamily="49" charset="0"/>
+                <a:cs typeface="Consolas" panose="020B0609020204030204" pitchFamily="49" charset="0"/>
+              </a:rPr>
+              <a:t>return</a:t>
+            </a:r>
+            <a:r>
+              <a:rPr lang="sv-SE" sz="1200" dirty="0">
+                <a:solidFill>
+                  <a:schemeClr val="bg1">
+                    <a:lumMod val="50000"/>
+                  </a:schemeClr>
+                </a:solidFill>
+                <a:latin typeface="Consolas" panose="020B0609020204030204" pitchFamily="49" charset="0"/>
+                <a:cs typeface="Consolas" panose="020B0609020204030204" pitchFamily="49" charset="0"/>
+              </a:rPr>
+              <a:t> new </a:t>
+            </a:r>
+            <a:r>
+              <a:rPr lang="sv-SE" sz="1200" dirty="0" err="1">
+                <a:solidFill>
+                  <a:schemeClr val="bg1">
+                    <a:lumMod val="50000"/>
+                  </a:schemeClr>
+                </a:solidFill>
+                <a:latin typeface="Consolas" panose="020B0609020204030204" pitchFamily="49" charset="0"/>
+                <a:cs typeface="Consolas" panose="020B0609020204030204" pitchFamily="49" charset="0"/>
+              </a:rPr>
+              <a:t>HostFunction</a:t>
+            </a:r>
+            <a:r>
+              <a:rPr lang="sv-SE" sz="1200" dirty="0">
+                <a:solidFill>
+                  <a:schemeClr val="bg1">
+                    <a:lumMod val="50000"/>
+                  </a:schemeClr>
+                </a:solidFill>
+                <a:latin typeface="Consolas" panose="020B0609020204030204" pitchFamily="49" charset="0"/>
+                <a:cs typeface="Consolas" panose="020B0609020204030204" pitchFamily="49" charset="0"/>
+              </a:rPr>
+              <a:t>(</a:t>
+            </a:r>
+            <a:r>
+              <a:rPr lang="sv-SE" sz="1200" dirty="0" err="1">
+                <a:solidFill>
+                  <a:schemeClr val="bg1">
+                    <a:lumMod val="50000"/>
+                  </a:schemeClr>
+                </a:solidFill>
+                <a:latin typeface="Consolas" panose="020B0609020204030204" pitchFamily="49" charset="0"/>
+                <a:cs typeface="Consolas" panose="020B0609020204030204" pitchFamily="49" charset="0"/>
+              </a:rPr>
+              <a:t>ResolveWrapper</a:t>
+            </a:r>
+            <a:r>
+              <a:rPr lang="sv-SE" sz="1200" dirty="0">
+                <a:solidFill>
+                  <a:schemeClr val="bg1">
+                    <a:lumMod val="50000"/>
+                  </a:schemeClr>
+                </a:solidFill>
+                <a:latin typeface="Consolas" panose="020B0609020204030204" pitchFamily="49" charset="0"/>
+                <a:cs typeface="Consolas" panose="020B0609020204030204" pitchFamily="49" charset="0"/>
+              </a:rPr>
+              <a:t>, </a:t>
+            </a:r>
+            <a:r>
+              <a:rPr lang="sv-SE" sz="1200" dirty="0" err="1">
+                <a:solidFill>
+                  <a:schemeClr val="bg1">
+                    <a:lumMod val="50000"/>
+                  </a:schemeClr>
+                </a:solidFill>
+                <a:latin typeface="Consolas" panose="020B0609020204030204" pitchFamily="49" charset="0"/>
+                <a:cs typeface="Consolas" panose="020B0609020204030204" pitchFamily="49" charset="0"/>
+              </a:rPr>
+              <a:t>Realm</a:t>
+            </a:r>
+            <a:r>
+              <a:rPr lang="sv-SE" sz="1200" dirty="0">
+                <a:solidFill>
+                  <a:schemeClr val="bg1">
+                    <a:lumMod val="50000"/>
+                  </a:schemeClr>
+                </a:solidFill>
+                <a:latin typeface="Consolas" panose="020B0609020204030204" pitchFamily="49" charset="0"/>
+                <a:cs typeface="Consolas" panose="020B0609020204030204" pitchFamily="49" charset="0"/>
+              </a:rPr>
+              <a:t>, </a:t>
+            </a:r>
+            <a:r>
+              <a:rPr lang="sv-SE" sz="1200" dirty="0" err="1">
+                <a:solidFill>
+                  <a:schemeClr val="bg1">
+                    <a:lumMod val="50000"/>
+                  </a:schemeClr>
+                </a:solidFill>
+                <a:latin typeface="Consolas" panose="020B0609020204030204" pitchFamily="49" charset="0"/>
+                <a:cs typeface="Consolas" panose="020B0609020204030204" pitchFamily="49" charset="0"/>
+              </a:rPr>
+              <a:t>false</a:t>
+            </a:r>
+            <a:r>
+              <a:rPr lang="sv-SE" sz="1200" dirty="0">
+                <a:solidFill>
+                  <a:schemeClr val="bg1">
+                    <a:lumMod val="50000"/>
+                  </a:schemeClr>
+                </a:solidFill>
+                <a:latin typeface="Consolas" panose="020B0609020204030204" pitchFamily="49" charset="0"/>
+                <a:cs typeface="Consolas" panose="020B0609020204030204" pitchFamily="49" charset="0"/>
+              </a:rPr>
+              <a:t>);</a:t>
+            </a:r>
+          </a:p>
+          <a:p>
+            <a:r>
+              <a:rPr lang="sv-SE" sz="1200" dirty="0">
+                <a:latin typeface="Consolas" panose="020B0609020204030204" pitchFamily="49" charset="0"/>
+                <a:cs typeface="Consolas" panose="020B0609020204030204" pitchFamily="49" charset="0"/>
+              </a:rPr>
+              <a:t>           </a:t>
+            </a:r>
+            <a:r>
+              <a:rPr lang="sv-SE" sz="1200" dirty="0">
+                <a:highlight>
+                  <a:srgbClr val="808080"/>
+                </a:highlight>
+                <a:latin typeface="Consolas" panose="020B0609020204030204" pitchFamily="49" charset="0"/>
+                <a:cs typeface="Consolas" panose="020B0609020204030204" pitchFamily="49" charset="0"/>
+              </a:rPr>
+              <a:t>±0 </a:t>
+            </a:r>
+            <a:r>
+              <a:rPr lang="sv-SE" sz="1200" b="1" dirty="0" err="1">
+                <a:highlight>
+                  <a:srgbClr val="FF0000"/>
+                </a:highlight>
+                <a:latin typeface="Consolas" panose="020B0609020204030204" pitchFamily="49" charset="0"/>
+                <a:cs typeface="Consolas" panose="020B0609020204030204" pitchFamily="49" charset="0"/>
+              </a:rPr>
+              <a:t>JsValue</a:t>
+            </a:r>
+            <a:r>
+              <a:rPr lang="sv-SE" sz="1200" dirty="0">
+                <a:solidFill>
+                  <a:schemeClr val="bg1">
+                    <a:lumMod val="50000"/>
+                  </a:schemeClr>
+                </a:solidFill>
+                <a:latin typeface="Consolas" panose="020B0609020204030204" pitchFamily="49" charset="0"/>
+                <a:cs typeface="Consolas" panose="020B0609020204030204" pitchFamily="49" charset="0"/>
+              </a:rPr>
+              <a:t> </a:t>
+            </a:r>
+            <a:r>
+              <a:rPr lang="sv-SE" sz="1200" dirty="0" err="1">
+                <a:solidFill>
+                  <a:schemeClr val="bg1">
+                    <a:lumMod val="50000"/>
+                  </a:schemeClr>
+                </a:solidFill>
+                <a:latin typeface="Consolas" panose="020B0609020204030204" pitchFamily="49" charset="0"/>
+                <a:cs typeface="Consolas" panose="020B0609020204030204" pitchFamily="49" charset="0"/>
+              </a:rPr>
+              <a:t>ResolveWrapper</a:t>
+            </a:r>
+            <a:r>
+              <a:rPr lang="sv-SE" sz="1200" dirty="0">
+                <a:solidFill>
+                  <a:schemeClr val="bg1">
+                    <a:lumMod val="50000"/>
+                  </a:schemeClr>
+                </a:solidFill>
+                <a:latin typeface="Consolas" panose="020B0609020204030204" pitchFamily="49" charset="0"/>
+                <a:cs typeface="Consolas" panose="020B0609020204030204" pitchFamily="49" charset="0"/>
+              </a:rPr>
+              <a:t>(</a:t>
+            </a:r>
+            <a:r>
+              <a:rPr lang="sv-SE" sz="1200" dirty="0" err="1">
+                <a:solidFill>
+                  <a:schemeClr val="bg1">
+                    <a:lumMod val="50000"/>
+                  </a:schemeClr>
+                </a:solidFill>
+                <a:latin typeface="Consolas" panose="020B0609020204030204" pitchFamily="49" charset="0"/>
+                <a:cs typeface="Consolas" panose="020B0609020204030204" pitchFamily="49" charset="0"/>
+              </a:rPr>
+              <a:t>JsValue</a:t>
+            </a:r>
+            <a:r>
+              <a:rPr lang="sv-SE" sz="1200" dirty="0">
+                <a:solidFill>
+                  <a:schemeClr val="bg1">
+                    <a:lumMod val="50000"/>
+                  </a:schemeClr>
+                </a:solidFill>
+                <a:latin typeface="Consolas" panose="020B0609020204030204" pitchFamily="49" charset="0"/>
+                <a:cs typeface="Consolas" panose="020B0609020204030204" pitchFamily="49" charset="0"/>
+              </a:rPr>
+              <a:t> __, </a:t>
+            </a:r>
+            <a:r>
+              <a:rPr lang="sv-SE" sz="1200" dirty="0" err="1">
+                <a:solidFill>
+                  <a:schemeClr val="bg1">
+                    <a:lumMod val="50000"/>
+                  </a:schemeClr>
+                </a:solidFill>
+                <a:latin typeface="Consolas" panose="020B0609020204030204" pitchFamily="49" charset="0"/>
+                <a:cs typeface="Consolas" panose="020B0609020204030204" pitchFamily="49" charset="0"/>
+              </a:rPr>
+              <a:t>IReadOnlyList</a:t>
+            </a:r>
+            <a:r>
+              <a:rPr lang="sv-SE" sz="1200" dirty="0">
+                <a:solidFill>
+                  <a:schemeClr val="bg1">
+                    <a:lumMod val="50000"/>
+                  </a:schemeClr>
+                </a:solidFill>
+                <a:latin typeface="Consolas" panose="020B0609020204030204" pitchFamily="49" charset="0"/>
+                <a:cs typeface="Consolas" panose="020B0609020204030204" pitchFamily="49" charset="0"/>
+              </a:rPr>
+              <a:t>&lt;</a:t>
+            </a:r>
+            <a:r>
+              <a:rPr lang="sv-SE" sz="1200" dirty="0" err="1">
+                <a:solidFill>
+                  <a:schemeClr val="bg1">
+                    <a:lumMod val="50000"/>
+                  </a:schemeClr>
+                </a:solidFill>
+                <a:latin typeface="Consolas" panose="020B0609020204030204" pitchFamily="49" charset="0"/>
+                <a:cs typeface="Consolas" panose="020B0609020204030204" pitchFamily="49" charset="0"/>
+              </a:rPr>
+              <a:t>JsValue</a:t>
+            </a:r>
+            <a:r>
+              <a:rPr lang="sv-SE" sz="1200" dirty="0">
+                <a:solidFill>
+                  <a:schemeClr val="bg1">
+                    <a:lumMod val="50000"/>
+                  </a:schemeClr>
+                </a:solidFill>
+                <a:latin typeface="Consolas" panose="020B0609020204030204" pitchFamily="49" charset="0"/>
+                <a:cs typeface="Consolas" panose="020B0609020204030204" pitchFamily="49" charset="0"/>
+              </a:rPr>
+              <a:t>&gt; </a:t>
+            </a:r>
+            <a:r>
+              <a:rPr lang="sv-SE" sz="1200" dirty="0" err="1">
+                <a:solidFill>
+                  <a:schemeClr val="bg1">
+                    <a:lumMod val="50000"/>
+                  </a:schemeClr>
+                </a:solidFill>
+                <a:latin typeface="Consolas" panose="020B0609020204030204" pitchFamily="49" charset="0"/>
+                <a:cs typeface="Consolas" panose="020B0609020204030204" pitchFamily="49" charset="0"/>
+              </a:rPr>
+              <a:t>resolveArgs</a:t>
+            </a:r>
+            <a:r>
+              <a:rPr lang="sv-SE" sz="1200" dirty="0">
+                <a:solidFill>
+                  <a:schemeClr val="bg1">
+                    <a:lumMod val="50000"/>
+                  </a:schemeClr>
+                </a:solidFill>
+                <a:latin typeface="Consolas" panose="020B0609020204030204" pitchFamily="49" charset="0"/>
+                <a:cs typeface="Consolas" panose="020B0609020204030204" pitchFamily="49" charset="0"/>
+              </a:rPr>
+              <a:t>)</a:t>
+            </a:r>
+          </a:p>
+          <a:p>
+            <a:r>
+              <a:rPr lang="sv-SE" sz="1200" dirty="0">
+                <a:latin typeface="Consolas" panose="020B0609020204030204" pitchFamily="49" charset="0"/>
+                <a:cs typeface="Consolas" panose="020B0609020204030204" pitchFamily="49" charset="0"/>
+              </a:rPr>
+              <a:t>           </a:t>
+            </a:r>
+            <a:r>
+              <a:rPr lang="sv-SE" sz="1200" dirty="0">
+                <a:highlight>
+                  <a:srgbClr val="808080"/>
+                </a:highlight>
+                <a:latin typeface="Consolas" panose="020B0609020204030204" pitchFamily="49" charset="0"/>
+                <a:cs typeface="Consolas" panose="020B0609020204030204" pitchFamily="49" charset="0"/>
+              </a:rPr>
+              <a:t>±0 </a:t>
+            </a:r>
+            <a:r>
+              <a:rPr lang="sv-SE" sz="1200" b="1" dirty="0">
+                <a:highlight>
+                  <a:srgbClr val="FF0000"/>
+                </a:highlight>
+                <a:latin typeface="Consolas" panose="020B0609020204030204" pitchFamily="49" charset="0"/>
+                <a:cs typeface="Consolas" panose="020B0609020204030204" pitchFamily="49" charset="0"/>
+              </a:rPr>
+              <a:t>{</a:t>
+            </a:r>
+          </a:p>
+          <a:p>
+            <a:r>
+              <a:rPr lang="sv-SE" sz="1200" dirty="0">
+                <a:latin typeface="Consolas" panose="020B0609020204030204" pitchFamily="49" charset="0"/>
+                <a:cs typeface="Consolas" panose="020B0609020204030204" pitchFamily="49" charset="0"/>
+              </a:rPr>
+              <a:t>              </a:t>
+            </a:r>
+            <a:r>
+              <a:rPr lang="sv-SE" sz="1200" dirty="0">
+                <a:highlight>
+                  <a:srgbClr val="808080"/>
+                </a:highlight>
+                <a:latin typeface="Consolas" panose="020B0609020204030204" pitchFamily="49" charset="0"/>
+                <a:cs typeface="Consolas" panose="020B0609020204030204" pitchFamily="49" charset="0"/>
+              </a:rPr>
+              <a:t>+1 </a:t>
+            </a:r>
+            <a:r>
+              <a:rPr lang="sv-SE" sz="1200" b="1" dirty="0" err="1">
+                <a:highlight>
+                  <a:srgbClr val="FF0000"/>
+                </a:highlight>
+                <a:latin typeface="Consolas" panose="020B0609020204030204" pitchFamily="49" charset="0"/>
+                <a:cs typeface="Consolas" panose="020B0609020204030204" pitchFamily="49" charset="0"/>
+              </a:rPr>
+              <a:t>Resolve</a:t>
+            </a:r>
+            <a:r>
+              <a:rPr lang="sv-SE" sz="1200" dirty="0">
+                <a:solidFill>
+                  <a:schemeClr val="bg1">
+                    <a:lumMod val="50000"/>
+                  </a:schemeClr>
+                </a:solidFill>
+                <a:latin typeface="Consolas" panose="020B0609020204030204" pitchFamily="49" charset="0"/>
+                <a:cs typeface="Consolas" panose="020B0609020204030204" pitchFamily="49" charset="0"/>
+              </a:rPr>
+              <a:t>(index, </a:t>
+            </a:r>
+            <a:r>
+              <a:rPr lang="sv-SE" sz="1200" dirty="0" err="1">
+                <a:solidFill>
+                  <a:schemeClr val="bg1">
+                    <a:lumMod val="50000"/>
+                  </a:schemeClr>
+                </a:solidFill>
+                <a:latin typeface="Consolas" panose="020B0609020204030204" pitchFamily="49" charset="0"/>
+                <a:cs typeface="Consolas" panose="020B0609020204030204" pitchFamily="49" charset="0"/>
+              </a:rPr>
+              <a:t>resolveArgs.GetArgument</a:t>
+            </a:r>
+            <a:r>
+              <a:rPr lang="sv-SE" sz="1200" dirty="0">
+                <a:solidFill>
+                  <a:schemeClr val="bg1">
+                    <a:lumMod val="50000"/>
+                  </a:schemeClr>
+                </a:solidFill>
+                <a:latin typeface="Consolas" panose="020B0609020204030204" pitchFamily="49" charset="0"/>
+                <a:cs typeface="Consolas" panose="020B0609020204030204" pitchFamily="49" charset="0"/>
+              </a:rPr>
+              <a:t>(0), </a:t>
+            </a:r>
+            <a:r>
+              <a:rPr lang="sv-SE" sz="1200" dirty="0" err="1">
+                <a:solidFill>
+                  <a:schemeClr val="bg1">
+                    <a:lumMod val="50000"/>
+                  </a:schemeClr>
+                </a:solidFill>
+                <a:latin typeface="Consolas" panose="020B0609020204030204" pitchFamily="49" charset="0"/>
+                <a:cs typeface="Consolas" panose="020B0609020204030204" pitchFamily="49" charset="0"/>
+              </a:rPr>
+              <a:t>false</a:t>
+            </a:r>
+            <a:r>
+              <a:rPr lang="sv-SE" sz="1200" dirty="0">
+                <a:solidFill>
+                  <a:schemeClr val="bg1">
+                    <a:lumMod val="50000"/>
+                  </a:schemeClr>
+                </a:solidFill>
+                <a:latin typeface="Consolas" panose="020B0609020204030204" pitchFamily="49" charset="0"/>
+                <a:cs typeface="Consolas" panose="020B0609020204030204" pitchFamily="49" charset="0"/>
+              </a:rPr>
+              <a:t>);</a:t>
+            </a:r>
+          </a:p>
+          <a:p>
+            <a:r>
+              <a:rPr lang="sv-SE" sz="1200" dirty="0">
+                <a:latin typeface="Consolas" panose="020B0609020204030204" pitchFamily="49" charset="0"/>
+                <a:cs typeface="Consolas" panose="020B0609020204030204" pitchFamily="49" charset="0"/>
+              </a:rPr>
+              <a:t>              </a:t>
+            </a:r>
+            <a:r>
+              <a:rPr lang="sv-SE" sz="1200" dirty="0">
+                <a:highlight>
+                  <a:srgbClr val="808080"/>
+                </a:highlight>
+                <a:latin typeface="Consolas" panose="020B0609020204030204" pitchFamily="49" charset="0"/>
+                <a:cs typeface="Consolas" panose="020B0609020204030204" pitchFamily="49" charset="0"/>
+              </a:rPr>
+              <a:t>+1 </a:t>
+            </a:r>
+            <a:r>
+              <a:rPr lang="sv-SE" sz="1200" b="1" dirty="0" err="1">
+                <a:highlight>
+                  <a:srgbClr val="FF0000"/>
+                </a:highlight>
+                <a:latin typeface="Consolas" panose="020B0609020204030204" pitchFamily="49" charset="0"/>
+                <a:cs typeface="Consolas" panose="020B0609020204030204" pitchFamily="49" charset="0"/>
+              </a:rPr>
+              <a:t>return</a:t>
+            </a:r>
+            <a:r>
+              <a:rPr lang="sv-SE" sz="1200" dirty="0">
+                <a:solidFill>
+                  <a:schemeClr val="bg1">
+                    <a:lumMod val="50000"/>
+                  </a:schemeClr>
+                </a:solidFill>
+                <a:latin typeface="Consolas" panose="020B0609020204030204" pitchFamily="49" charset="0"/>
+                <a:cs typeface="Consolas" panose="020B0609020204030204" pitchFamily="49" charset="0"/>
+              </a:rPr>
+              <a:t> </a:t>
+            </a:r>
+            <a:r>
+              <a:rPr lang="sv-SE" sz="1200" dirty="0" err="1">
+                <a:solidFill>
+                  <a:schemeClr val="bg1">
+                    <a:lumMod val="50000"/>
+                  </a:schemeClr>
+                </a:solidFill>
+                <a:latin typeface="Consolas" panose="020B0609020204030204" pitchFamily="49" charset="0"/>
+                <a:cs typeface="Consolas" panose="020B0609020204030204" pitchFamily="49" charset="0"/>
+              </a:rPr>
+              <a:t>JsValue.Undefined</a:t>
+            </a:r>
+            <a:r>
+              <a:rPr lang="sv-SE" sz="1200" dirty="0">
+                <a:solidFill>
+                  <a:schemeClr val="bg1">
+                    <a:lumMod val="50000"/>
+                  </a:schemeClr>
+                </a:solidFill>
+                <a:latin typeface="Consolas" panose="020B0609020204030204" pitchFamily="49" charset="0"/>
+                <a:cs typeface="Consolas" panose="020B0609020204030204" pitchFamily="49" charset="0"/>
+              </a:rPr>
+              <a:t>;</a:t>
+            </a:r>
+          </a:p>
+          <a:p>
+            <a:r>
+              <a:rPr lang="sv-SE" sz="1200" dirty="0">
+                <a:latin typeface="Consolas" panose="020B0609020204030204" pitchFamily="49" charset="0"/>
+                <a:cs typeface="Consolas" panose="020B0609020204030204" pitchFamily="49" charset="0"/>
+              </a:rPr>
+              <a:t>           </a:t>
+            </a:r>
+            <a:r>
+              <a:rPr lang="sv-SE" sz="1200" dirty="0">
+                <a:highlight>
+                  <a:srgbClr val="808080"/>
+                </a:highlight>
+                <a:latin typeface="Consolas" panose="020B0609020204030204" pitchFamily="49" charset="0"/>
+                <a:cs typeface="Consolas" panose="020B0609020204030204" pitchFamily="49" charset="0"/>
+              </a:rPr>
+              <a:t>-1 </a:t>
+            </a:r>
+            <a:r>
+              <a:rPr lang="sv-SE" sz="1200" b="1" dirty="0">
+                <a:highlight>
+                  <a:srgbClr val="FF0000"/>
+                </a:highlight>
+                <a:latin typeface="Consolas" panose="020B0609020204030204" pitchFamily="49" charset="0"/>
+                <a:cs typeface="Consolas" panose="020B0609020204030204" pitchFamily="49" charset="0"/>
+              </a:rPr>
+              <a:t>}</a:t>
+            </a:r>
+          </a:p>
+          <a:p>
+            <a:r>
+              <a:rPr lang="sv-SE" sz="1200" dirty="0">
+                <a:latin typeface="Consolas" panose="020B0609020204030204" pitchFamily="49" charset="0"/>
+                <a:cs typeface="Consolas" panose="020B0609020204030204" pitchFamily="49" charset="0"/>
+              </a:rPr>
+              <a:t>        </a:t>
+            </a:r>
+            <a:r>
+              <a:rPr lang="sv-SE" sz="1200" dirty="0">
+                <a:highlight>
+                  <a:srgbClr val="808080"/>
+                </a:highlight>
+                <a:latin typeface="Consolas" panose="020B0609020204030204" pitchFamily="49" charset="0"/>
+                <a:cs typeface="Consolas" panose="020B0609020204030204" pitchFamily="49" charset="0"/>
+              </a:rPr>
+              <a:t>-1 </a:t>
+            </a:r>
+            <a:r>
+              <a:rPr lang="sv-SE" sz="1200" b="1" dirty="0">
+                <a:highlight>
+                  <a:srgbClr val="FF0000"/>
+                </a:highlight>
+                <a:latin typeface="Consolas" panose="020B0609020204030204" pitchFamily="49" charset="0"/>
+                <a:cs typeface="Consolas" panose="020B0609020204030204" pitchFamily="49" charset="0"/>
+              </a:rPr>
+              <a:t>}</a:t>
+            </a:r>
+          </a:p>
+        </p:txBody>
+      </p:sp>
+    </p:spTree>
+    <p:extLst>
+      <p:ext uri="{BB962C8B-B14F-4D97-AF65-F5344CB8AC3E}">
+        <p14:creationId xmlns:p14="http://schemas.microsoft.com/office/powerpoint/2010/main" val="144890866"/>
+      </p:ext>
+    </p:extLst>
+  </p:cSld>
+  <p:clrMapOvr>
+    <a:masterClrMapping/>
+  </p:clrMapOvr>
+</p:sld>
+</file>
+
+<file path=ppt/slides/slide5.xml><?xml version="1.0" encoding="utf-8"?>
+<p:sld xmlns:a="http://schemas.openxmlformats.org/drawingml/2006/main" xmlns:r="http://schemas.openxmlformats.org/officeDocument/2006/relationships" xmlns:p="http://schemas.openxmlformats.org/presentationml/2006/main">
+  <p:cSld>
+    <p:bg>
+      <p:bgPr>
+        <a:solidFill>
+          <a:schemeClr val="tx1">
+            <a:lumMod val="85000"/>
+            <a:lumOff val="15000"/>
+          </a:schemeClr>
+        </a:solidFill>
+        <a:effectLst/>
+      </p:bgPr>
+    </p:bg>
+    <p:spTree>
+      <p:nvGrpSpPr>
+        <p:cNvPr id="1" name="">
+          <a:extLst>
+            <a:ext uri="{FF2B5EF4-FFF2-40B4-BE49-F238E27FC236}">
+              <a16:creationId xmlns:a16="http://schemas.microsoft.com/office/drawing/2014/main" id="{F3BA7FB1-0F03-010D-11EA-B9067B48B291}"/>
+            </a:ext>
+          </a:extLst>
+        </p:cNvPr>
+        <p:cNvGrpSpPr/>
+        <p:nvPr/>
+      </p:nvGrpSpPr>
+      <p:grpSpPr>
+        <a:xfrm>
+          <a:off x="0" y="0"/>
+          <a:ext cx="0" cy="0"/>
+          <a:chOff x="0" y="0"/>
+          <a:chExt cx="0" cy="0"/>
+        </a:xfrm>
+      </p:grpSpPr>
+      <p:sp>
+        <p:nvSpPr>
+          <p:cNvPr id="4" name="Rektangel 3">
+            <a:extLst>
+              <a:ext uri="{FF2B5EF4-FFF2-40B4-BE49-F238E27FC236}">
+                <a16:creationId xmlns:a16="http://schemas.microsoft.com/office/drawing/2014/main" id="{981C28EF-27AE-150E-79EA-31E36B15368F}"/>
+              </a:ext>
+            </a:extLst>
+          </p:cNvPr>
+          <p:cNvSpPr/>
+          <p:nvPr/>
+        </p:nvSpPr>
+        <p:spPr>
+          <a:xfrm>
+            <a:off x="237067" y="544286"/>
+            <a:ext cx="10871200" cy="4789714"/>
+          </a:xfrm>
+          <a:prstGeom prst="rect">
+            <a:avLst/>
+          </a:prstGeom>
+          <a:solidFill>
+            <a:schemeClr val="tx1">
+              <a:lumMod val="95000"/>
+              <a:lumOff val="5000"/>
+            </a:schemeClr>
+          </a:solidFill>
+          <a:ln>
+            <a:noFill/>
+          </a:ln>
+        </p:spPr>
+        <p:style>
+          <a:lnRef idx="2">
+            <a:schemeClr val="accent1">
+              <a:shade val="15000"/>
+            </a:schemeClr>
+          </a:lnRef>
+          <a:fillRef idx="1">
+            <a:schemeClr val="accent1"/>
+          </a:fillRef>
+          <a:effectRef idx="0">
+            <a:schemeClr val="accent1"/>
+          </a:effectRef>
+          <a:fontRef idx="minor">
+            <a:schemeClr val="lt1"/>
+          </a:fontRef>
+        </p:style>
+        <p:txBody>
+          <a:bodyPr rtlCol="0" anchor="ctr"/>
+          <a:lstStyle/>
+          <a:p>
+            <a:r>
+              <a:rPr lang="sv-SE" sz="1200" dirty="0">
+                <a:latin typeface="Consolas" panose="020B0609020204030204" pitchFamily="49" charset="0"/>
+                <a:cs typeface="Consolas" panose="020B0609020204030204" pitchFamily="49" charset="0"/>
+              </a:rPr>
+              <a:t>        </a:t>
+            </a:r>
+            <a:r>
+              <a:rPr lang="sv-SE" sz="1200" dirty="0">
+                <a:highlight>
+                  <a:srgbClr val="808080"/>
+                </a:highlight>
+                <a:latin typeface="Consolas" panose="020B0609020204030204" pitchFamily="49" charset="0"/>
+                <a:cs typeface="Consolas" panose="020B0609020204030204" pitchFamily="49" charset="0"/>
+              </a:rPr>
+              <a:t>±0 </a:t>
+            </a:r>
+            <a:r>
+              <a:rPr lang="sv-SE" sz="1200" b="1" dirty="0">
+                <a:highlight>
+                  <a:srgbClr val="FF0000"/>
+                </a:highlight>
+                <a:latin typeface="Consolas" panose="020B0609020204030204" pitchFamily="49" charset="0"/>
+                <a:cs typeface="Consolas" panose="020B0609020204030204" pitchFamily="49" charset="0"/>
+              </a:rPr>
+              <a:t>for</a:t>
+            </a:r>
+            <a:endParaRPr lang="sv-SE" sz="1200" dirty="0">
+              <a:solidFill>
+                <a:schemeClr val="bg1">
+                  <a:lumMod val="50000"/>
+                </a:schemeClr>
+              </a:solidFill>
+              <a:latin typeface="Consolas" panose="020B0609020204030204" pitchFamily="49" charset="0"/>
+              <a:cs typeface="Consolas" panose="020B0609020204030204" pitchFamily="49" charset="0"/>
+            </a:endParaRPr>
+          </a:p>
+          <a:p>
+            <a:r>
+              <a:rPr lang="sv-SE" sz="1200" dirty="0">
+                <a:latin typeface="Consolas" panose="020B0609020204030204" pitchFamily="49" charset="0"/>
+                <a:cs typeface="Consolas" panose="020B0609020204030204" pitchFamily="49" charset="0"/>
+              </a:rPr>
+              <a:t>        </a:t>
+            </a:r>
+            <a:r>
+              <a:rPr lang="sv-SE" sz="1200" dirty="0">
+                <a:highlight>
+                  <a:srgbClr val="808080"/>
+                </a:highlight>
+                <a:latin typeface="Consolas" panose="020B0609020204030204" pitchFamily="49" charset="0"/>
+                <a:cs typeface="Consolas" panose="020B0609020204030204" pitchFamily="49" charset="0"/>
+              </a:rPr>
+              <a:t>±0 </a:t>
+            </a:r>
+            <a:r>
+              <a:rPr lang="sv-SE" sz="1200" b="1" dirty="0">
+                <a:highlight>
+                  <a:srgbClr val="FF0000"/>
+                </a:highlight>
+                <a:latin typeface="Consolas" panose="020B0609020204030204" pitchFamily="49" charset="0"/>
+                <a:cs typeface="Consolas" panose="020B0609020204030204" pitchFamily="49" charset="0"/>
+              </a:rPr>
+              <a:t>{</a:t>
+            </a:r>
+            <a:br>
+              <a:rPr lang="sv-SE" sz="1200" dirty="0">
+                <a:latin typeface="Consolas" panose="020B0609020204030204" pitchFamily="49" charset="0"/>
+                <a:cs typeface="Consolas" panose="020B0609020204030204" pitchFamily="49" charset="0"/>
+              </a:rPr>
+            </a:br>
+            <a:r>
+              <a:rPr lang="sv-SE" sz="1200" dirty="0">
+                <a:latin typeface="Consolas" panose="020B0609020204030204" pitchFamily="49" charset="0"/>
+                <a:cs typeface="Consolas" panose="020B0609020204030204" pitchFamily="49" charset="0"/>
+              </a:rPr>
+              <a:t>           </a:t>
+            </a:r>
+            <a:r>
+              <a:rPr lang="sv-SE" sz="1200" dirty="0">
+                <a:highlight>
+                  <a:srgbClr val="808080"/>
+                </a:highlight>
+                <a:latin typeface="Consolas" panose="020B0609020204030204" pitchFamily="49" charset="0"/>
+                <a:cs typeface="Consolas" panose="020B0609020204030204" pitchFamily="49" charset="0"/>
+              </a:rPr>
+              <a:t>+1 </a:t>
+            </a:r>
+            <a:r>
+              <a:rPr lang="sv-SE" sz="1200" b="1" dirty="0">
+                <a:highlight>
+                  <a:srgbClr val="FF0000"/>
+                </a:highlight>
+                <a:latin typeface="Consolas" panose="020B0609020204030204" pitchFamily="49" charset="0"/>
+                <a:cs typeface="Consolas" panose="020B0609020204030204" pitchFamily="49" charset="0"/>
+              </a:rPr>
+              <a:t>var</a:t>
+            </a:r>
+            <a:endParaRPr lang="sv-SE" sz="1200" dirty="0">
+              <a:solidFill>
+                <a:schemeClr val="bg1">
+                  <a:lumMod val="50000"/>
+                </a:schemeClr>
+              </a:solidFill>
+              <a:latin typeface="Consolas" panose="020B0609020204030204" pitchFamily="49" charset="0"/>
+              <a:cs typeface="Consolas" panose="020B0609020204030204" pitchFamily="49" charset="0"/>
+            </a:endParaRPr>
+          </a:p>
+          <a:p>
+            <a:r>
+              <a:rPr lang="sv-SE" sz="1200" dirty="0">
+                <a:latin typeface="Consolas" panose="020B0609020204030204" pitchFamily="49" charset="0"/>
+                <a:cs typeface="Consolas" panose="020B0609020204030204" pitchFamily="49" charset="0"/>
+              </a:rPr>
+              <a:t>           </a:t>
+            </a:r>
+            <a:r>
+              <a:rPr lang="sv-SE" sz="1200" dirty="0">
+                <a:highlight>
+                  <a:srgbClr val="808080"/>
+                </a:highlight>
+                <a:latin typeface="Consolas" panose="020B0609020204030204" pitchFamily="49" charset="0"/>
+                <a:cs typeface="Consolas" panose="020B0609020204030204" pitchFamily="49" charset="0"/>
+              </a:rPr>
+              <a:t>±0 </a:t>
+            </a:r>
+            <a:r>
+              <a:rPr lang="sv-SE" sz="1200" b="1" dirty="0" err="1">
+                <a:highlight>
+                  <a:srgbClr val="FF0000"/>
+                </a:highlight>
+                <a:latin typeface="Consolas" panose="020B0609020204030204" pitchFamily="49" charset="0"/>
+                <a:cs typeface="Consolas" panose="020B0609020204030204" pitchFamily="49" charset="0"/>
+              </a:rPr>
+              <a:t>if</a:t>
+            </a:r>
+            <a:endParaRPr lang="sv-SE" sz="1200" dirty="0">
+              <a:solidFill>
+                <a:schemeClr val="bg1">
+                  <a:lumMod val="50000"/>
+                </a:schemeClr>
+              </a:solidFill>
+              <a:latin typeface="Consolas" panose="020B0609020204030204" pitchFamily="49" charset="0"/>
+              <a:cs typeface="Consolas" panose="020B0609020204030204" pitchFamily="49" charset="0"/>
+            </a:endParaRPr>
+          </a:p>
+          <a:p>
+            <a:r>
+              <a:rPr lang="sv-SE" sz="1200" dirty="0">
+                <a:latin typeface="Consolas" panose="020B0609020204030204" pitchFamily="49" charset="0"/>
+                <a:cs typeface="Consolas" panose="020B0609020204030204" pitchFamily="49" charset="0"/>
+              </a:rPr>
+              <a:t>              </a:t>
+            </a:r>
+            <a:r>
+              <a:rPr lang="sv-SE" sz="1200" dirty="0">
+                <a:highlight>
+                  <a:srgbClr val="808080"/>
+                </a:highlight>
+                <a:latin typeface="Consolas" panose="020B0609020204030204" pitchFamily="49" charset="0"/>
+                <a:cs typeface="Consolas" panose="020B0609020204030204" pitchFamily="49" charset="0"/>
+              </a:rPr>
+              <a:t>+1 </a:t>
+            </a:r>
+            <a:r>
+              <a:rPr lang="sv-SE" sz="1200" b="1" dirty="0" err="1">
+                <a:highlight>
+                  <a:srgbClr val="FF0000"/>
+                </a:highlight>
+                <a:latin typeface="Consolas" panose="020B0609020204030204" pitchFamily="49" charset="0"/>
+                <a:cs typeface="Consolas" panose="020B0609020204030204" pitchFamily="49" charset="0"/>
+              </a:rPr>
+              <a:t>thenMethod</a:t>
+            </a:r>
+            <a:endParaRPr lang="sv-SE" sz="1200" dirty="0">
+              <a:solidFill>
+                <a:schemeClr val="bg1">
+                  <a:lumMod val="50000"/>
+                </a:schemeClr>
+              </a:solidFill>
+              <a:latin typeface="Consolas" panose="020B0609020204030204" pitchFamily="49" charset="0"/>
+              <a:cs typeface="Consolas" panose="020B0609020204030204" pitchFamily="49" charset="0"/>
+            </a:endParaRPr>
+          </a:p>
+          <a:p>
+            <a:r>
+              <a:rPr lang="sv-SE" sz="1200" dirty="0">
+                <a:latin typeface="Consolas" panose="020B0609020204030204" pitchFamily="49" charset="0"/>
+                <a:cs typeface="Consolas" panose="020B0609020204030204" pitchFamily="49" charset="0"/>
+              </a:rPr>
+              <a:t>           </a:t>
+            </a:r>
+            <a:r>
+              <a:rPr lang="sv-SE" sz="1200" dirty="0">
+                <a:highlight>
+                  <a:srgbClr val="808080"/>
+                </a:highlight>
+                <a:latin typeface="Consolas" panose="020B0609020204030204" pitchFamily="49" charset="0"/>
+                <a:cs typeface="Consolas" panose="020B0609020204030204" pitchFamily="49" charset="0"/>
+              </a:rPr>
+              <a:t>-1 </a:t>
+            </a:r>
+            <a:r>
+              <a:rPr lang="sv-SE" sz="1200" b="1" dirty="0">
+                <a:highlight>
+                  <a:srgbClr val="FF0000"/>
+                </a:highlight>
+                <a:latin typeface="Consolas" panose="020B0609020204030204" pitchFamily="49" charset="0"/>
+                <a:cs typeface="Consolas" panose="020B0609020204030204" pitchFamily="49" charset="0"/>
+              </a:rPr>
+              <a:t>{</a:t>
+            </a:r>
+          </a:p>
+          <a:p>
+            <a:r>
+              <a:rPr lang="sv-SE" sz="1200" dirty="0">
+                <a:latin typeface="Consolas" panose="020B0609020204030204" pitchFamily="49" charset="0"/>
+                <a:cs typeface="Consolas" panose="020B0609020204030204" pitchFamily="49" charset="0"/>
+              </a:rPr>
+              <a:t>              </a:t>
+            </a:r>
+            <a:r>
+              <a:rPr lang="sv-SE" sz="1200" dirty="0">
+                <a:highlight>
+                  <a:srgbClr val="808080"/>
+                </a:highlight>
+                <a:latin typeface="Consolas" panose="020B0609020204030204" pitchFamily="49" charset="0"/>
+                <a:cs typeface="Consolas" panose="020B0609020204030204" pitchFamily="49" charset="0"/>
+              </a:rPr>
+              <a:t>+1 </a:t>
+            </a:r>
+            <a:r>
+              <a:rPr lang="sv-SE" sz="1200" b="1" dirty="0">
+                <a:solidFill>
+                  <a:schemeClr val="bg1"/>
+                </a:solidFill>
+                <a:highlight>
+                  <a:srgbClr val="FF0000"/>
+                </a:highlight>
+                <a:latin typeface="Consolas" panose="020B0609020204030204" pitchFamily="49" charset="0"/>
+                <a:cs typeface="Consolas" panose="020B0609020204030204" pitchFamily="49" charset="0"/>
+              </a:rPr>
+              <a:t>var</a:t>
+            </a:r>
+            <a:endParaRPr lang="sv-SE" sz="1200" dirty="0">
+              <a:solidFill>
+                <a:schemeClr val="bg1">
+                  <a:lumMod val="50000"/>
+                </a:schemeClr>
+              </a:solidFill>
+              <a:latin typeface="Consolas" panose="020B0609020204030204" pitchFamily="49" charset="0"/>
+              <a:cs typeface="Consolas" panose="020B0609020204030204" pitchFamily="49" charset="0"/>
+            </a:endParaRPr>
+          </a:p>
+          <a:p>
+            <a:r>
+              <a:rPr lang="sv-SE" sz="1200" dirty="0">
+                <a:latin typeface="Consolas" panose="020B0609020204030204" pitchFamily="49" charset="0"/>
+                <a:cs typeface="Consolas" panose="020B0609020204030204" pitchFamily="49" charset="0"/>
+              </a:rPr>
+              <a:t>              </a:t>
+            </a:r>
+            <a:r>
+              <a:rPr lang="sv-SE" sz="1200" dirty="0">
+                <a:highlight>
+                  <a:srgbClr val="808080"/>
+                </a:highlight>
+                <a:latin typeface="Consolas" panose="020B0609020204030204" pitchFamily="49" charset="0"/>
+                <a:cs typeface="Consolas" panose="020B0609020204030204" pitchFamily="49" charset="0"/>
+              </a:rPr>
+              <a:t>±0 </a:t>
+            </a:r>
+            <a:r>
+              <a:rPr lang="sv-SE" sz="1200" b="1" dirty="0" err="1">
+                <a:highlight>
+                  <a:srgbClr val="FF0000"/>
+                </a:highlight>
+                <a:latin typeface="Consolas" panose="020B0609020204030204" pitchFamily="49" charset="0"/>
+                <a:cs typeface="Consolas" panose="020B0609020204030204" pitchFamily="49" charset="0"/>
+              </a:rPr>
+              <a:t>thenCallable</a:t>
+            </a:r>
+            <a:endParaRPr lang="sv-SE" sz="1200" dirty="0">
+              <a:solidFill>
+                <a:schemeClr val="bg1">
+                  <a:lumMod val="50000"/>
+                </a:schemeClr>
+              </a:solidFill>
+              <a:latin typeface="Consolas" panose="020B0609020204030204" pitchFamily="49" charset="0"/>
+              <a:cs typeface="Consolas" panose="020B0609020204030204" pitchFamily="49" charset="0"/>
+            </a:endParaRPr>
+          </a:p>
+          <a:p>
+            <a:r>
+              <a:rPr lang="sv-SE" sz="1200" dirty="0">
+                <a:latin typeface="Consolas" panose="020B0609020204030204" pitchFamily="49" charset="0"/>
+                <a:cs typeface="Consolas" panose="020B0609020204030204" pitchFamily="49" charset="0"/>
+              </a:rPr>
+              <a:t>           </a:t>
+            </a:r>
+            <a:r>
+              <a:rPr lang="sv-SE" sz="1200" dirty="0">
+                <a:highlight>
+                  <a:srgbClr val="808080"/>
+                </a:highlight>
+                <a:latin typeface="Consolas" panose="020B0609020204030204" pitchFamily="49" charset="0"/>
+                <a:cs typeface="Consolas" panose="020B0609020204030204" pitchFamily="49" charset="0"/>
+              </a:rPr>
+              <a:t>-1 </a:t>
+            </a:r>
+            <a:r>
+              <a:rPr lang="sv-SE" sz="1200" b="1" dirty="0">
+                <a:highlight>
+                  <a:srgbClr val="FF0000"/>
+                </a:highlight>
+                <a:latin typeface="Consolas" panose="020B0609020204030204" pitchFamily="49" charset="0"/>
+                <a:cs typeface="Consolas" panose="020B0609020204030204" pitchFamily="49" charset="0"/>
+              </a:rPr>
+              <a:t>}</a:t>
+            </a:r>
+          </a:p>
+          <a:p>
+            <a:r>
+              <a:rPr lang="sv-SE" sz="1200" dirty="0">
+                <a:latin typeface="Consolas" panose="020B0609020204030204" pitchFamily="49" charset="0"/>
+                <a:cs typeface="Consolas" panose="020B0609020204030204" pitchFamily="49" charset="0"/>
+              </a:rPr>
+              <a:t>           </a:t>
+            </a:r>
+            <a:r>
+              <a:rPr lang="sv-SE" sz="1200" dirty="0">
+                <a:highlight>
+                  <a:srgbClr val="808080"/>
+                </a:highlight>
+                <a:latin typeface="Consolas" panose="020B0609020204030204" pitchFamily="49" charset="0"/>
+                <a:cs typeface="Consolas" panose="020B0609020204030204" pitchFamily="49" charset="0"/>
+              </a:rPr>
+              <a:t>±0 </a:t>
+            </a:r>
+            <a:r>
+              <a:rPr lang="sv-SE" sz="1200" b="1" dirty="0" err="1">
+                <a:highlight>
+                  <a:srgbClr val="FF0000"/>
+                </a:highlight>
+                <a:latin typeface="Consolas" panose="020B0609020204030204" pitchFamily="49" charset="0"/>
+                <a:cs typeface="Consolas" panose="020B0609020204030204" pitchFamily="49" charset="0"/>
+              </a:rPr>
+              <a:t>else</a:t>
+            </a:r>
+            <a:endParaRPr lang="sv-SE" sz="1200" b="1" dirty="0">
+              <a:highlight>
+                <a:srgbClr val="FF0000"/>
+              </a:highlight>
+              <a:latin typeface="Consolas" panose="020B0609020204030204" pitchFamily="49" charset="0"/>
+              <a:cs typeface="Consolas" panose="020B0609020204030204" pitchFamily="49" charset="0"/>
+            </a:endParaRPr>
+          </a:p>
+          <a:p>
+            <a:r>
+              <a:rPr lang="sv-SE" sz="1200" dirty="0">
+                <a:latin typeface="Consolas" panose="020B0609020204030204" pitchFamily="49" charset="0"/>
+                <a:cs typeface="Consolas" panose="020B0609020204030204" pitchFamily="49" charset="0"/>
+              </a:rPr>
+              <a:t>           </a:t>
+            </a:r>
+            <a:r>
+              <a:rPr lang="sv-SE" sz="1200" dirty="0">
+                <a:highlight>
+                  <a:srgbClr val="808080"/>
+                </a:highlight>
+                <a:latin typeface="Consolas" panose="020B0609020204030204" pitchFamily="49" charset="0"/>
+                <a:cs typeface="Consolas" panose="020B0609020204030204" pitchFamily="49" charset="0"/>
+              </a:rPr>
+              <a:t>±0 </a:t>
+            </a:r>
+            <a:r>
+              <a:rPr lang="sv-SE" sz="1200" b="1" dirty="0">
+                <a:highlight>
+                  <a:srgbClr val="FF0000"/>
+                </a:highlight>
+                <a:latin typeface="Consolas" panose="020B0609020204030204" pitchFamily="49" charset="0"/>
+                <a:cs typeface="Consolas" panose="020B0609020204030204" pitchFamily="49" charset="0"/>
+              </a:rPr>
+              <a:t>{</a:t>
+            </a:r>
+          </a:p>
+          <a:p>
+            <a:r>
+              <a:rPr lang="sv-SE" sz="1200" dirty="0">
+                <a:latin typeface="Consolas" panose="020B0609020204030204" pitchFamily="49" charset="0"/>
+                <a:cs typeface="Consolas" panose="020B0609020204030204" pitchFamily="49" charset="0"/>
+              </a:rPr>
+              <a:t>              </a:t>
+            </a:r>
+            <a:r>
+              <a:rPr lang="sv-SE" sz="1200" dirty="0">
+                <a:highlight>
+                  <a:srgbClr val="808080"/>
+                </a:highlight>
+                <a:latin typeface="Consolas" panose="020B0609020204030204" pitchFamily="49" charset="0"/>
+                <a:cs typeface="Consolas" panose="020B0609020204030204" pitchFamily="49" charset="0"/>
+              </a:rPr>
+              <a:t>+1 </a:t>
+            </a:r>
+            <a:r>
+              <a:rPr lang="sv-SE" sz="1200" b="1" dirty="0" err="1">
+                <a:highlight>
+                  <a:srgbClr val="FF0000"/>
+                </a:highlight>
+                <a:latin typeface="Consolas" panose="020B0609020204030204" pitchFamily="49" charset="0"/>
+                <a:cs typeface="Consolas" panose="020B0609020204030204" pitchFamily="49" charset="0"/>
+              </a:rPr>
+              <a:t>Resolve</a:t>
+            </a:r>
+            <a:endParaRPr lang="sv-SE" sz="1200" dirty="0">
+              <a:solidFill>
+                <a:schemeClr val="bg1">
+                  <a:lumMod val="50000"/>
+                </a:schemeClr>
+              </a:solidFill>
+              <a:latin typeface="Consolas" panose="020B0609020204030204" pitchFamily="49" charset="0"/>
+              <a:cs typeface="Consolas" panose="020B0609020204030204" pitchFamily="49" charset="0"/>
+            </a:endParaRPr>
+          </a:p>
+          <a:p>
+            <a:r>
+              <a:rPr lang="sv-SE" sz="1200" dirty="0">
+                <a:latin typeface="Consolas" panose="020B0609020204030204" pitchFamily="49" charset="0"/>
+                <a:cs typeface="Consolas" panose="020B0609020204030204" pitchFamily="49" charset="0"/>
+              </a:rPr>
+              <a:t>           </a:t>
+            </a:r>
+            <a:r>
+              <a:rPr lang="sv-SE" sz="1200" dirty="0">
+                <a:highlight>
+                  <a:srgbClr val="808080"/>
+                </a:highlight>
+                <a:latin typeface="Consolas" panose="020B0609020204030204" pitchFamily="49" charset="0"/>
+                <a:cs typeface="Consolas" panose="020B0609020204030204" pitchFamily="49" charset="0"/>
+              </a:rPr>
+              <a:t>-1 </a:t>
+            </a:r>
+            <a:r>
+              <a:rPr lang="sv-SE" sz="1200" b="1" dirty="0">
+                <a:highlight>
+                  <a:srgbClr val="FF0000"/>
+                </a:highlight>
+                <a:latin typeface="Consolas" panose="020B0609020204030204" pitchFamily="49" charset="0"/>
+                <a:cs typeface="Consolas" panose="020B0609020204030204" pitchFamily="49" charset="0"/>
+              </a:rPr>
+              <a:t>}</a:t>
+            </a:r>
+          </a:p>
+          <a:p>
+            <a:r>
+              <a:rPr lang="sv-SE" sz="1200" dirty="0">
+                <a:latin typeface="Consolas" panose="020B0609020204030204" pitchFamily="49" charset="0"/>
+                <a:cs typeface="Consolas" panose="020B0609020204030204" pitchFamily="49" charset="0"/>
+              </a:rPr>
+              <a:t>        </a:t>
+            </a:r>
+            <a:r>
+              <a:rPr lang="sv-SE" sz="1200" dirty="0">
+                <a:highlight>
+                  <a:srgbClr val="808080"/>
+                </a:highlight>
+                <a:latin typeface="Consolas" panose="020B0609020204030204" pitchFamily="49" charset="0"/>
+                <a:cs typeface="Consolas" panose="020B0609020204030204" pitchFamily="49" charset="0"/>
+              </a:rPr>
+              <a:t>-1 </a:t>
+            </a:r>
+            <a:r>
+              <a:rPr lang="sv-SE" sz="1200" b="1" dirty="0">
+                <a:highlight>
+                  <a:srgbClr val="FF0000"/>
+                </a:highlight>
+                <a:latin typeface="Consolas" panose="020B0609020204030204" pitchFamily="49" charset="0"/>
+                <a:cs typeface="Consolas" panose="020B0609020204030204" pitchFamily="49" charset="0"/>
+              </a:rPr>
+              <a:t>}</a:t>
+            </a:r>
+            <a:endParaRPr lang="sv-SE" sz="1200" dirty="0">
+              <a:latin typeface="Consolas" panose="020B0609020204030204" pitchFamily="49" charset="0"/>
+              <a:cs typeface="Consolas" panose="020B0609020204030204" pitchFamily="49" charset="0"/>
+            </a:endParaRPr>
+          </a:p>
+          <a:p>
+            <a:r>
+              <a:rPr lang="sv-SE" sz="1200" dirty="0">
+                <a:latin typeface="Consolas" panose="020B0609020204030204" pitchFamily="49" charset="0"/>
+                <a:cs typeface="Consolas" panose="020B0609020204030204" pitchFamily="49" charset="0"/>
+              </a:rPr>
+              <a:t>        </a:t>
+            </a:r>
+            <a:r>
+              <a:rPr lang="sv-SE" sz="1200" dirty="0">
+                <a:highlight>
+                  <a:srgbClr val="808080"/>
+                </a:highlight>
+                <a:latin typeface="Consolas" panose="020B0609020204030204" pitchFamily="49" charset="0"/>
+                <a:cs typeface="Consolas" panose="020B0609020204030204" pitchFamily="49" charset="0"/>
+              </a:rPr>
+              <a:t>±0 </a:t>
+            </a:r>
+            <a:r>
+              <a:rPr lang="sv-SE" sz="1200" b="1" dirty="0" err="1">
+                <a:solidFill>
+                  <a:schemeClr val="bg1"/>
+                </a:solidFill>
+                <a:highlight>
+                  <a:srgbClr val="FF0000"/>
+                </a:highlight>
+                <a:latin typeface="Consolas" panose="020B0609020204030204" pitchFamily="49" charset="0"/>
+                <a:cs typeface="Consolas" panose="020B0609020204030204" pitchFamily="49" charset="0"/>
+              </a:rPr>
+              <a:t>return</a:t>
+            </a:r>
+            <a:r>
+              <a:rPr lang="sv-SE" sz="1200" dirty="0">
+                <a:solidFill>
+                  <a:schemeClr val="bg1">
+                    <a:lumMod val="50000"/>
+                  </a:schemeClr>
+                </a:solidFill>
+                <a:latin typeface="Consolas" panose="020B0609020204030204" pitchFamily="49" charset="0"/>
+                <a:cs typeface="Consolas" panose="020B0609020204030204" pitchFamily="49" charset="0"/>
+              </a:rPr>
+              <a:t> </a:t>
+            </a:r>
+          </a:p>
+          <a:p>
+            <a:r>
+              <a:rPr lang="sv-SE" sz="1200" dirty="0">
+                <a:latin typeface="Consolas" panose="020B0609020204030204" pitchFamily="49" charset="0"/>
+                <a:cs typeface="Consolas" panose="020B0609020204030204" pitchFamily="49" charset="0"/>
+              </a:rPr>
+              <a:t>        </a:t>
+            </a:r>
+            <a:r>
+              <a:rPr lang="sv-SE" sz="1200" dirty="0">
+                <a:highlight>
+                  <a:srgbClr val="808080"/>
+                </a:highlight>
+                <a:latin typeface="Consolas" panose="020B0609020204030204" pitchFamily="49" charset="0"/>
+                <a:cs typeface="Consolas" panose="020B0609020204030204" pitchFamily="49" charset="0"/>
+              </a:rPr>
+              <a:t>±0 </a:t>
+            </a:r>
+            <a:r>
+              <a:rPr lang="sv-SE" sz="1200" b="1" dirty="0" err="1">
+                <a:solidFill>
+                  <a:schemeClr val="bg1"/>
+                </a:solidFill>
+                <a:highlight>
+                  <a:srgbClr val="FF0000"/>
+                </a:highlight>
+                <a:latin typeface="Consolas" panose="020B0609020204030204" pitchFamily="49" charset="0"/>
+                <a:cs typeface="Consolas" panose="020B0609020204030204" pitchFamily="49" charset="0"/>
+              </a:rPr>
+              <a:t>HostFunction</a:t>
+            </a:r>
+            <a:endParaRPr lang="sv-SE" sz="1200" dirty="0">
+              <a:solidFill>
+                <a:schemeClr val="bg1">
+                  <a:lumMod val="50000"/>
+                </a:schemeClr>
+              </a:solidFill>
+              <a:latin typeface="Consolas" panose="020B0609020204030204" pitchFamily="49" charset="0"/>
+              <a:cs typeface="Consolas" panose="020B0609020204030204" pitchFamily="49" charset="0"/>
+            </a:endParaRPr>
+          </a:p>
+          <a:p>
+            <a:r>
+              <a:rPr lang="sv-SE" sz="1200" dirty="0">
+                <a:latin typeface="Consolas" panose="020B0609020204030204" pitchFamily="49" charset="0"/>
+                <a:cs typeface="Consolas" panose="020B0609020204030204" pitchFamily="49" charset="0"/>
+              </a:rPr>
+              <a:t>        </a:t>
+            </a:r>
+            <a:r>
+              <a:rPr lang="sv-SE" sz="1200" dirty="0">
+                <a:highlight>
+                  <a:srgbClr val="808080"/>
+                </a:highlight>
+                <a:latin typeface="Consolas" panose="020B0609020204030204" pitchFamily="49" charset="0"/>
+                <a:cs typeface="Consolas" panose="020B0609020204030204" pitchFamily="49" charset="0"/>
+              </a:rPr>
+              <a:t>±0 </a:t>
+            </a:r>
+            <a:r>
+              <a:rPr lang="sv-SE" sz="1200" b="1" dirty="0">
+                <a:highlight>
+                  <a:srgbClr val="FF0000"/>
+                </a:highlight>
+                <a:latin typeface="Consolas" panose="020B0609020204030204" pitchFamily="49" charset="0"/>
+                <a:cs typeface="Consolas" panose="020B0609020204030204" pitchFamily="49" charset="0"/>
+              </a:rPr>
+              <a:t>{</a:t>
+            </a:r>
+          </a:p>
+          <a:p>
+            <a:r>
+              <a:rPr lang="sv-SE" sz="1200" dirty="0">
+                <a:latin typeface="Consolas" panose="020B0609020204030204" pitchFamily="49" charset="0"/>
+                <a:cs typeface="Consolas" panose="020B0609020204030204" pitchFamily="49" charset="0"/>
+              </a:rPr>
+              <a:t>           </a:t>
+            </a:r>
+            <a:r>
+              <a:rPr lang="sv-SE" sz="1200" dirty="0">
+                <a:highlight>
+                  <a:srgbClr val="808080"/>
+                </a:highlight>
+                <a:latin typeface="Consolas" panose="020B0609020204030204" pitchFamily="49" charset="0"/>
+                <a:cs typeface="Consolas" panose="020B0609020204030204" pitchFamily="49" charset="0"/>
+              </a:rPr>
+              <a:t>+1 </a:t>
+            </a:r>
+            <a:r>
+              <a:rPr lang="sv-SE" sz="1200" b="1" dirty="0" err="1">
+                <a:highlight>
+                  <a:srgbClr val="FF0000"/>
+                </a:highlight>
+                <a:latin typeface="Consolas" panose="020B0609020204030204" pitchFamily="49" charset="0"/>
+                <a:cs typeface="Consolas" panose="020B0609020204030204" pitchFamily="49" charset="0"/>
+              </a:rPr>
+              <a:t>return</a:t>
+            </a:r>
+            <a:endParaRPr lang="sv-SE" sz="1200" dirty="0">
+              <a:solidFill>
+                <a:schemeClr val="bg1">
+                  <a:lumMod val="50000"/>
+                </a:schemeClr>
+              </a:solidFill>
+              <a:latin typeface="Consolas" panose="020B0609020204030204" pitchFamily="49" charset="0"/>
+              <a:cs typeface="Consolas" panose="020B0609020204030204" pitchFamily="49" charset="0"/>
+            </a:endParaRPr>
+          </a:p>
+          <a:p>
+            <a:r>
+              <a:rPr lang="sv-SE" sz="1200" dirty="0">
+                <a:latin typeface="Consolas" panose="020B0609020204030204" pitchFamily="49" charset="0"/>
+                <a:cs typeface="Consolas" panose="020B0609020204030204" pitchFamily="49" charset="0"/>
+              </a:rPr>
+              <a:t>           </a:t>
+            </a:r>
+            <a:r>
+              <a:rPr lang="sv-SE" sz="1200" dirty="0">
+                <a:highlight>
+                  <a:srgbClr val="808080"/>
+                </a:highlight>
+                <a:latin typeface="Consolas" panose="020B0609020204030204" pitchFamily="49" charset="0"/>
+                <a:cs typeface="Consolas" panose="020B0609020204030204" pitchFamily="49" charset="0"/>
+              </a:rPr>
+              <a:t>±0 </a:t>
+            </a:r>
+            <a:r>
+              <a:rPr lang="sv-SE" sz="1200" b="1" dirty="0" err="1">
+                <a:highlight>
+                  <a:srgbClr val="FF0000"/>
+                </a:highlight>
+                <a:latin typeface="Consolas" panose="020B0609020204030204" pitchFamily="49" charset="0"/>
+                <a:cs typeface="Consolas" panose="020B0609020204030204" pitchFamily="49" charset="0"/>
+              </a:rPr>
+              <a:t>JsValue</a:t>
+            </a:r>
+            <a:endParaRPr lang="sv-SE" sz="1200" dirty="0">
+              <a:solidFill>
+                <a:schemeClr val="bg1">
+                  <a:lumMod val="50000"/>
+                </a:schemeClr>
+              </a:solidFill>
+              <a:latin typeface="Consolas" panose="020B0609020204030204" pitchFamily="49" charset="0"/>
+              <a:cs typeface="Consolas" panose="020B0609020204030204" pitchFamily="49" charset="0"/>
+            </a:endParaRPr>
+          </a:p>
+          <a:p>
+            <a:r>
+              <a:rPr lang="sv-SE" sz="1200" dirty="0">
+                <a:latin typeface="Consolas" panose="020B0609020204030204" pitchFamily="49" charset="0"/>
+                <a:cs typeface="Consolas" panose="020B0609020204030204" pitchFamily="49" charset="0"/>
+              </a:rPr>
+              <a:t>           </a:t>
+            </a:r>
+            <a:r>
+              <a:rPr lang="sv-SE" sz="1200" dirty="0">
+                <a:highlight>
+                  <a:srgbClr val="808080"/>
+                </a:highlight>
+                <a:latin typeface="Consolas" panose="020B0609020204030204" pitchFamily="49" charset="0"/>
+                <a:cs typeface="Consolas" panose="020B0609020204030204" pitchFamily="49" charset="0"/>
+              </a:rPr>
+              <a:t>±0 </a:t>
+            </a:r>
+            <a:r>
+              <a:rPr lang="sv-SE" sz="1200" b="1" dirty="0">
+                <a:highlight>
+                  <a:srgbClr val="FF0000"/>
+                </a:highlight>
+                <a:latin typeface="Consolas" panose="020B0609020204030204" pitchFamily="49" charset="0"/>
+                <a:cs typeface="Consolas" panose="020B0609020204030204" pitchFamily="49" charset="0"/>
+              </a:rPr>
+              <a:t>{</a:t>
+            </a:r>
+          </a:p>
+          <a:p>
+            <a:r>
+              <a:rPr lang="sv-SE" sz="1200" dirty="0">
+                <a:latin typeface="Consolas" panose="020B0609020204030204" pitchFamily="49" charset="0"/>
+                <a:cs typeface="Consolas" panose="020B0609020204030204" pitchFamily="49" charset="0"/>
+              </a:rPr>
+              <a:t>              </a:t>
+            </a:r>
+            <a:r>
+              <a:rPr lang="sv-SE" sz="1200" dirty="0">
+                <a:highlight>
+                  <a:srgbClr val="808080"/>
+                </a:highlight>
+                <a:latin typeface="Consolas" panose="020B0609020204030204" pitchFamily="49" charset="0"/>
+                <a:cs typeface="Consolas" panose="020B0609020204030204" pitchFamily="49" charset="0"/>
+              </a:rPr>
+              <a:t>+1 </a:t>
+            </a:r>
+            <a:r>
+              <a:rPr lang="sv-SE" sz="1200" b="1" dirty="0" err="1">
+                <a:highlight>
+                  <a:srgbClr val="FF0000"/>
+                </a:highlight>
+                <a:latin typeface="Consolas" panose="020B0609020204030204" pitchFamily="49" charset="0"/>
+                <a:cs typeface="Consolas" panose="020B0609020204030204" pitchFamily="49" charset="0"/>
+              </a:rPr>
+              <a:t>Resolve</a:t>
+            </a:r>
+            <a:endParaRPr lang="sv-SE" sz="1200" dirty="0">
+              <a:solidFill>
+                <a:schemeClr val="bg1">
+                  <a:lumMod val="50000"/>
+                </a:schemeClr>
+              </a:solidFill>
+              <a:latin typeface="Consolas" panose="020B0609020204030204" pitchFamily="49" charset="0"/>
+              <a:cs typeface="Consolas" panose="020B0609020204030204" pitchFamily="49" charset="0"/>
+            </a:endParaRPr>
+          </a:p>
+          <a:p>
+            <a:r>
+              <a:rPr lang="sv-SE" sz="1200" dirty="0">
+                <a:latin typeface="Consolas" panose="020B0609020204030204" pitchFamily="49" charset="0"/>
+                <a:cs typeface="Consolas" panose="020B0609020204030204" pitchFamily="49" charset="0"/>
+              </a:rPr>
+              <a:t>              </a:t>
+            </a:r>
+            <a:r>
+              <a:rPr lang="sv-SE" sz="1200" dirty="0">
+                <a:highlight>
+                  <a:srgbClr val="808080"/>
+                </a:highlight>
+                <a:latin typeface="Consolas" panose="020B0609020204030204" pitchFamily="49" charset="0"/>
+                <a:cs typeface="Consolas" panose="020B0609020204030204" pitchFamily="49" charset="0"/>
+              </a:rPr>
+              <a:t>+1 </a:t>
+            </a:r>
+            <a:r>
+              <a:rPr lang="sv-SE" sz="1200" b="1" dirty="0" err="1">
+                <a:highlight>
+                  <a:srgbClr val="FF0000"/>
+                </a:highlight>
+                <a:latin typeface="Consolas" panose="020B0609020204030204" pitchFamily="49" charset="0"/>
+                <a:cs typeface="Consolas" panose="020B0609020204030204" pitchFamily="49" charset="0"/>
+              </a:rPr>
+              <a:t>return</a:t>
+            </a:r>
+            <a:endParaRPr lang="sv-SE" sz="1200" dirty="0">
+              <a:solidFill>
+                <a:schemeClr val="bg1">
+                  <a:lumMod val="50000"/>
+                </a:schemeClr>
+              </a:solidFill>
+              <a:latin typeface="Consolas" panose="020B0609020204030204" pitchFamily="49" charset="0"/>
+              <a:cs typeface="Consolas" panose="020B0609020204030204" pitchFamily="49" charset="0"/>
+            </a:endParaRPr>
+          </a:p>
+          <a:p>
+            <a:r>
+              <a:rPr lang="sv-SE" sz="1200" dirty="0">
+                <a:latin typeface="Consolas" panose="020B0609020204030204" pitchFamily="49" charset="0"/>
+                <a:cs typeface="Consolas" panose="020B0609020204030204" pitchFamily="49" charset="0"/>
+              </a:rPr>
+              <a:t>           </a:t>
+            </a:r>
+            <a:r>
+              <a:rPr lang="sv-SE" sz="1200" dirty="0">
+                <a:highlight>
+                  <a:srgbClr val="808080"/>
+                </a:highlight>
+                <a:latin typeface="Consolas" panose="020B0609020204030204" pitchFamily="49" charset="0"/>
+                <a:cs typeface="Consolas" panose="020B0609020204030204" pitchFamily="49" charset="0"/>
+              </a:rPr>
+              <a:t>-1 </a:t>
+            </a:r>
+            <a:r>
+              <a:rPr lang="sv-SE" sz="1200" b="1" dirty="0">
+                <a:highlight>
+                  <a:srgbClr val="FF0000"/>
+                </a:highlight>
+                <a:latin typeface="Consolas" panose="020B0609020204030204" pitchFamily="49" charset="0"/>
+                <a:cs typeface="Consolas" panose="020B0609020204030204" pitchFamily="49" charset="0"/>
+              </a:rPr>
+              <a:t>}</a:t>
+            </a:r>
+          </a:p>
+          <a:p>
+            <a:r>
+              <a:rPr lang="sv-SE" sz="1200" dirty="0">
+                <a:latin typeface="Consolas" panose="020B0609020204030204" pitchFamily="49" charset="0"/>
+                <a:cs typeface="Consolas" panose="020B0609020204030204" pitchFamily="49" charset="0"/>
+              </a:rPr>
+              <a:t>        </a:t>
+            </a:r>
+            <a:r>
+              <a:rPr lang="sv-SE" sz="1200" dirty="0">
+                <a:highlight>
+                  <a:srgbClr val="808080"/>
+                </a:highlight>
+                <a:latin typeface="Consolas" panose="020B0609020204030204" pitchFamily="49" charset="0"/>
+                <a:cs typeface="Consolas" panose="020B0609020204030204" pitchFamily="49" charset="0"/>
+              </a:rPr>
+              <a:t>-1 </a:t>
+            </a:r>
+            <a:r>
+              <a:rPr lang="sv-SE" sz="1200" b="1" dirty="0">
+                <a:highlight>
+                  <a:srgbClr val="FF0000"/>
+                </a:highlight>
+                <a:latin typeface="Consolas" panose="020B0609020204030204" pitchFamily="49" charset="0"/>
+                <a:cs typeface="Consolas" panose="020B0609020204030204" pitchFamily="49" charset="0"/>
+              </a:rPr>
+              <a:t>}</a:t>
+            </a:r>
+          </a:p>
+        </p:txBody>
+      </p:sp>
+    </p:spTree>
+    <p:extLst>
+      <p:ext uri="{BB962C8B-B14F-4D97-AF65-F5344CB8AC3E}">
+        <p14:creationId xmlns:p14="http://schemas.microsoft.com/office/powerpoint/2010/main" val="2996864106"/>
+      </p:ext>
+    </p:extLst>
+  </p:cSld>
+  <p:clrMapOvr>
+    <a:masterClrMapping/>
+  </p:clrMapOvr>
+</p:sld>
+</file>
+
+<file path=ppt/slides/slide6.xml><?xml version="1.0" encoding="utf-8"?>
+<p:sld xmlns:a="http://schemas.openxmlformats.org/drawingml/2006/main" xmlns:r="http://schemas.openxmlformats.org/officeDocument/2006/relationships" xmlns:p="http://schemas.openxmlformats.org/presentationml/2006/main">
+  <p:cSld>
+    <p:bg>
+      <p:bgPr>
+        <a:solidFill>
+          <a:schemeClr val="tx1">
+            <a:lumMod val="85000"/>
+            <a:lumOff val="15000"/>
+          </a:schemeClr>
+        </a:solidFill>
+        <a:effectLst/>
+      </p:bgPr>
+    </p:bg>
+    <p:spTree>
+      <p:nvGrpSpPr>
+        <p:cNvPr id="1" name="">
+          <a:extLst>
+            <a:ext uri="{FF2B5EF4-FFF2-40B4-BE49-F238E27FC236}">
+              <a16:creationId xmlns:a16="http://schemas.microsoft.com/office/drawing/2014/main" id="{FBDDB551-B341-F754-A8BD-3E9DED56EB70}"/>
+            </a:ext>
+          </a:extLst>
+        </p:cNvPr>
+        <p:cNvGrpSpPr/>
+        <p:nvPr/>
+      </p:nvGrpSpPr>
+      <p:grpSpPr>
+        <a:xfrm>
+          <a:off x="0" y="0"/>
+          <a:ext cx="0" cy="0"/>
+          <a:chOff x="0" y="0"/>
+          <a:chExt cx="0" cy="0"/>
+        </a:xfrm>
+      </p:grpSpPr>
+      <p:sp>
+        <p:nvSpPr>
+          <p:cNvPr id="4" name="Rektangel 3">
+            <a:extLst>
+              <a:ext uri="{FF2B5EF4-FFF2-40B4-BE49-F238E27FC236}">
+                <a16:creationId xmlns:a16="http://schemas.microsoft.com/office/drawing/2014/main" id="{CFE9DFE0-21FB-09A5-7705-598389615CA0}"/>
+              </a:ext>
+            </a:extLst>
+          </p:cNvPr>
+          <p:cNvSpPr/>
+          <p:nvPr/>
+        </p:nvSpPr>
+        <p:spPr>
+          <a:xfrm>
+            <a:off x="237067" y="544286"/>
+            <a:ext cx="10871200" cy="4789714"/>
+          </a:xfrm>
+          <a:prstGeom prst="rect">
+            <a:avLst/>
+          </a:prstGeom>
+          <a:solidFill>
+            <a:schemeClr val="tx1">
+              <a:lumMod val="95000"/>
+              <a:lumOff val="5000"/>
+            </a:schemeClr>
+          </a:solidFill>
+          <a:ln>
+            <a:noFill/>
+          </a:ln>
+        </p:spPr>
+        <p:style>
+          <a:lnRef idx="2">
+            <a:schemeClr val="accent1">
+              <a:shade val="15000"/>
+            </a:schemeClr>
+          </a:lnRef>
+          <a:fillRef idx="1">
+            <a:schemeClr val="accent1"/>
+          </a:fillRef>
+          <a:effectRef idx="0">
+            <a:schemeClr val="accent1"/>
+          </a:effectRef>
+          <a:fontRef idx="minor">
+            <a:schemeClr val="lt1"/>
+          </a:fontRef>
+        </p:style>
+        <p:txBody>
+          <a:bodyPr rtlCol="0" anchor="ctr"/>
+          <a:lstStyle/>
+          <a:p>
+            <a:r>
+              <a:rPr lang="sv-SE" sz="1200" dirty="0">
+                <a:latin typeface="Consolas" panose="020B0609020204030204" pitchFamily="49" charset="0"/>
+                <a:cs typeface="Consolas" panose="020B0609020204030204" pitchFamily="49" charset="0"/>
+              </a:rPr>
+              <a:t>        </a:t>
+            </a:r>
+            <a:r>
+              <a:rPr lang="sv-SE" sz="1200" dirty="0">
+                <a:highlight>
+                  <a:srgbClr val="808080"/>
+                </a:highlight>
+                <a:latin typeface="Consolas" panose="020B0609020204030204" pitchFamily="49" charset="0"/>
+                <a:cs typeface="Consolas" panose="020B0609020204030204" pitchFamily="49" charset="0"/>
+              </a:rPr>
+              <a:t>±0 </a:t>
+            </a:r>
+            <a:r>
+              <a:rPr lang="sv-SE" sz="1200" b="1" dirty="0">
+                <a:highlight>
+                  <a:srgbClr val="FF0000"/>
+                </a:highlight>
+                <a:latin typeface="Consolas" panose="020B0609020204030204" pitchFamily="49" charset="0"/>
+                <a:cs typeface="Consolas" panose="020B0609020204030204" pitchFamily="49" charset="0"/>
+              </a:rPr>
+              <a:t>for</a:t>
+            </a:r>
+            <a:r>
+              <a:rPr lang="sv-SE" sz="1200" b="1" dirty="0">
+                <a:latin typeface="Consolas" panose="020B0609020204030204" pitchFamily="49" charset="0"/>
+                <a:cs typeface="Consolas" panose="020B0609020204030204" pitchFamily="49" charset="0"/>
+              </a:rPr>
+              <a:t>		#02847463</a:t>
+            </a:r>
+            <a:endParaRPr lang="sv-SE" sz="1200" dirty="0">
+              <a:solidFill>
+                <a:schemeClr val="bg1">
+                  <a:lumMod val="50000"/>
+                </a:schemeClr>
+              </a:solidFill>
+              <a:latin typeface="Consolas" panose="020B0609020204030204" pitchFamily="49" charset="0"/>
+              <a:cs typeface="Consolas" panose="020B0609020204030204" pitchFamily="49" charset="0"/>
+            </a:endParaRPr>
+          </a:p>
+          <a:p>
+            <a:r>
+              <a:rPr lang="sv-SE" sz="1200" dirty="0">
+                <a:latin typeface="Consolas" panose="020B0609020204030204" pitchFamily="49" charset="0"/>
+                <a:cs typeface="Consolas" panose="020B0609020204030204" pitchFamily="49" charset="0"/>
+              </a:rPr>
+              <a:t>        </a:t>
+            </a:r>
+            <a:r>
+              <a:rPr lang="sv-SE" sz="1200" dirty="0">
+                <a:highlight>
+                  <a:srgbClr val="808080"/>
+                </a:highlight>
+                <a:latin typeface="Consolas" panose="020B0609020204030204" pitchFamily="49" charset="0"/>
+                <a:cs typeface="Consolas" panose="020B0609020204030204" pitchFamily="49" charset="0"/>
+              </a:rPr>
+              <a:t>±0 </a:t>
+            </a:r>
+            <a:r>
+              <a:rPr lang="sv-SE" sz="1200" b="1" dirty="0">
+                <a:highlight>
+                  <a:srgbClr val="FF0000"/>
+                </a:highlight>
+                <a:latin typeface="Consolas" panose="020B0609020204030204" pitchFamily="49" charset="0"/>
+                <a:cs typeface="Consolas" panose="020B0609020204030204" pitchFamily="49" charset="0"/>
+              </a:rPr>
+              <a:t>{</a:t>
+            </a:r>
+            <a:r>
+              <a:rPr lang="sv-SE" sz="1200" b="1" dirty="0">
+                <a:latin typeface="Consolas" panose="020B0609020204030204" pitchFamily="49" charset="0"/>
+                <a:cs typeface="Consolas" panose="020B0609020204030204" pitchFamily="49" charset="0"/>
+              </a:rPr>
+              <a:t>		#09918234</a:t>
+            </a:r>
+            <a:r>
+              <a:rPr lang="sv-SE" sz="1200" b="1" dirty="0">
+                <a:highlight>
+                  <a:srgbClr val="FF0000"/>
+                </a:highlight>
+                <a:latin typeface="Consolas" panose="020B0609020204030204" pitchFamily="49" charset="0"/>
+                <a:cs typeface="Consolas" panose="020B0609020204030204" pitchFamily="49" charset="0"/>
+              </a:rPr>
+              <a:t>		   	                   </a:t>
+            </a:r>
+            <a:br>
+              <a:rPr lang="sv-SE" sz="1200" dirty="0">
+                <a:latin typeface="Consolas" panose="020B0609020204030204" pitchFamily="49" charset="0"/>
+                <a:cs typeface="Consolas" panose="020B0609020204030204" pitchFamily="49" charset="0"/>
+              </a:rPr>
+            </a:br>
+            <a:r>
+              <a:rPr lang="sv-SE" sz="1200" dirty="0">
+                <a:latin typeface="Consolas" panose="020B0609020204030204" pitchFamily="49" charset="0"/>
+                <a:cs typeface="Consolas" panose="020B0609020204030204" pitchFamily="49" charset="0"/>
+              </a:rPr>
+              <a:t>           </a:t>
+            </a:r>
+            <a:r>
+              <a:rPr lang="sv-SE" sz="1200" dirty="0">
+                <a:highlight>
+                  <a:srgbClr val="808080"/>
+                </a:highlight>
+                <a:latin typeface="Consolas" panose="020B0609020204030204" pitchFamily="49" charset="0"/>
+                <a:cs typeface="Consolas" panose="020B0609020204030204" pitchFamily="49" charset="0"/>
+              </a:rPr>
+              <a:t>+1 </a:t>
+            </a:r>
+            <a:r>
+              <a:rPr lang="sv-SE" sz="1200" b="1" dirty="0">
+                <a:highlight>
+                  <a:srgbClr val="FF0000"/>
+                </a:highlight>
+                <a:latin typeface="Consolas" panose="020B0609020204030204" pitchFamily="49" charset="0"/>
+                <a:cs typeface="Consolas" panose="020B0609020204030204" pitchFamily="49" charset="0"/>
+              </a:rPr>
+              <a:t>var</a:t>
+            </a:r>
+            <a:r>
+              <a:rPr lang="sv-SE" sz="1200" b="1" dirty="0">
+                <a:latin typeface="Consolas" panose="020B0609020204030204" pitchFamily="49" charset="0"/>
+                <a:cs typeface="Consolas" panose="020B0609020204030204" pitchFamily="49" charset="0"/>
+              </a:rPr>
+              <a:t>		#09918234</a:t>
+            </a:r>
+            <a:endParaRPr lang="sv-SE" sz="1200" dirty="0">
+              <a:solidFill>
+                <a:schemeClr val="bg1">
+                  <a:lumMod val="50000"/>
+                </a:schemeClr>
+              </a:solidFill>
+              <a:latin typeface="Consolas" panose="020B0609020204030204" pitchFamily="49" charset="0"/>
+              <a:cs typeface="Consolas" panose="020B0609020204030204" pitchFamily="49" charset="0"/>
+            </a:endParaRPr>
+          </a:p>
+          <a:p>
+            <a:r>
+              <a:rPr lang="sv-SE" sz="1200" dirty="0">
+                <a:latin typeface="Consolas" panose="020B0609020204030204" pitchFamily="49" charset="0"/>
+                <a:cs typeface="Consolas" panose="020B0609020204030204" pitchFamily="49" charset="0"/>
+              </a:rPr>
+              <a:t>           </a:t>
+            </a:r>
+            <a:r>
+              <a:rPr lang="sv-SE" sz="1200" dirty="0">
+                <a:highlight>
+                  <a:srgbClr val="808080"/>
+                </a:highlight>
+                <a:latin typeface="Consolas" panose="020B0609020204030204" pitchFamily="49" charset="0"/>
+                <a:cs typeface="Consolas" panose="020B0609020204030204" pitchFamily="49" charset="0"/>
+              </a:rPr>
+              <a:t>±0 </a:t>
+            </a:r>
+            <a:r>
+              <a:rPr lang="sv-SE" sz="1200" b="1" dirty="0" err="1">
+                <a:highlight>
+                  <a:srgbClr val="FF0000"/>
+                </a:highlight>
+                <a:latin typeface="Consolas" panose="020B0609020204030204" pitchFamily="49" charset="0"/>
+                <a:cs typeface="Consolas" panose="020B0609020204030204" pitchFamily="49" charset="0"/>
+              </a:rPr>
+              <a:t>if</a:t>
+            </a:r>
+            <a:r>
+              <a:rPr lang="sv-SE" sz="1200" b="1" dirty="0">
+                <a:latin typeface="Consolas" panose="020B0609020204030204" pitchFamily="49" charset="0"/>
+                <a:cs typeface="Consolas" panose="020B0609020204030204" pitchFamily="49" charset="0"/>
+              </a:rPr>
+              <a:t>		#09918234</a:t>
+            </a:r>
+            <a:endParaRPr lang="sv-SE" sz="1200" dirty="0">
+              <a:solidFill>
+                <a:schemeClr val="bg1">
+                  <a:lumMod val="50000"/>
+                </a:schemeClr>
+              </a:solidFill>
+              <a:latin typeface="Consolas" panose="020B0609020204030204" pitchFamily="49" charset="0"/>
+              <a:cs typeface="Consolas" panose="020B0609020204030204" pitchFamily="49" charset="0"/>
+            </a:endParaRPr>
+          </a:p>
+          <a:p>
+            <a:r>
+              <a:rPr lang="sv-SE" sz="1200" dirty="0">
+                <a:latin typeface="Consolas" panose="020B0609020204030204" pitchFamily="49" charset="0"/>
+                <a:cs typeface="Consolas" panose="020B0609020204030204" pitchFamily="49" charset="0"/>
+              </a:rPr>
+              <a:t>              </a:t>
+            </a:r>
+            <a:r>
+              <a:rPr lang="sv-SE" sz="1200" dirty="0">
+                <a:highlight>
+                  <a:srgbClr val="808080"/>
+                </a:highlight>
+                <a:latin typeface="Consolas" panose="020B0609020204030204" pitchFamily="49" charset="0"/>
+                <a:cs typeface="Consolas" panose="020B0609020204030204" pitchFamily="49" charset="0"/>
+              </a:rPr>
+              <a:t>+1 </a:t>
+            </a:r>
+            <a:r>
+              <a:rPr lang="sv-SE" sz="1200" b="1" dirty="0" err="1">
+                <a:highlight>
+                  <a:srgbClr val="FF0000"/>
+                </a:highlight>
+                <a:latin typeface="Consolas" panose="020B0609020204030204" pitchFamily="49" charset="0"/>
+                <a:cs typeface="Consolas" panose="020B0609020204030204" pitchFamily="49" charset="0"/>
+              </a:rPr>
+              <a:t>thenMethod</a:t>
+            </a:r>
+            <a:r>
+              <a:rPr lang="sv-SE" sz="1200" b="1" dirty="0">
+                <a:latin typeface="Consolas" panose="020B0609020204030204" pitchFamily="49" charset="0"/>
+                <a:cs typeface="Consolas" panose="020B0609020204030204" pitchFamily="49" charset="0"/>
+              </a:rPr>
+              <a:t>	#09918234</a:t>
+            </a:r>
+            <a:endParaRPr lang="sv-SE" sz="1200" dirty="0">
+              <a:solidFill>
+                <a:schemeClr val="bg1">
+                  <a:lumMod val="50000"/>
+                </a:schemeClr>
+              </a:solidFill>
+              <a:latin typeface="Consolas" panose="020B0609020204030204" pitchFamily="49" charset="0"/>
+              <a:cs typeface="Consolas" panose="020B0609020204030204" pitchFamily="49" charset="0"/>
+            </a:endParaRPr>
+          </a:p>
+          <a:p>
+            <a:r>
+              <a:rPr lang="sv-SE" sz="1200" dirty="0">
+                <a:latin typeface="Consolas" panose="020B0609020204030204" pitchFamily="49" charset="0"/>
+                <a:cs typeface="Consolas" panose="020B0609020204030204" pitchFamily="49" charset="0"/>
+              </a:rPr>
+              <a:t>           </a:t>
+            </a:r>
+            <a:r>
+              <a:rPr lang="sv-SE" sz="1200" dirty="0">
+                <a:highlight>
+                  <a:srgbClr val="808080"/>
+                </a:highlight>
+                <a:latin typeface="Consolas" panose="020B0609020204030204" pitchFamily="49" charset="0"/>
+                <a:cs typeface="Consolas" panose="020B0609020204030204" pitchFamily="49" charset="0"/>
+              </a:rPr>
+              <a:t>-1 </a:t>
+            </a:r>
+            <a:r>
+              <a:rPr lang="sv-SE" sz="1200" b="1" dirty="0">
+                <a:highlight>
+                  <a:srgbClr val="FF0000"/>
+                </a:highlight>
+                <a:latin typeface="Consolas" panose="020B0609020204030204" pitchFamily="49" charset="0"/>
+                <a:cs typeface="Consolas" panose="020B0609020204030204" pitchFamily="49" charset="0"/>
+              </a:rPr>
+              <a:t>{</a:t>
+            </a:r>
+            <a:r>
+              <a:rPr lang="sv-SE" sz="1200" b="1" dirty="0">
+                <a:latin typeface="Consolas" panose="020B0609020204030204" pitchFamily="49" charset="0"/>
+                <a:cs typeface="Consolas" panose="020B0609020204030204" pitchFamily="49" charset="0"/>
+              </a:rPr>
+              <a:t>		#09918234</a:t>
+            </a:r>
+          </a:p>
+          <a:p>
+            <a:r>
+              <a:rPr lang="sv-SE" sz="1200" dirty="0">
+                <a:latin typeface="Consolas" panose="020B0609020204030204" pitchFamily="49" charset="0"/>
+                <a:cs typeface="Consolas" panose="020B0609020204030204" pitchFamily="49" charset="0"/>
+              </a:rPr>
+              <a:t>              </a:t>
+            </a:r>
+            <a:r>
+              <a:rPr lang="sv-SE" sz="1200" dirty="0">
+                <a:highlight>
+                  <a:srgbClr val="808080"/>
+                </a:highlight>
+                <a:latin typeface="Consolas" panose="020B0609020204030204" pitchFamily="49" charset="0"/>
+                <a:cs typeface="Consolas" panose="020B0609020204030204" pitchFamily="49" charset="0"/>
+              </a:rPr>
+              <a:t>+1 </a:t>
+            </a:r>
+            <a:r>
+              <a:rPr lang="sv-SE" sz="1200" b="1" dirty="0">
+                <a:solidFill>
+                  <a:schemeClr val="bg1"/>
+                </a:solidFill>
+                <a:highlight>
+                  <a:srgbClr val="FF0000"/>
+                </a:highlight>
+                <a:latin typeface="Consolas" panose="020B0609020204030204" pitchFamily="49" charset="0"/>
+                <a:cs typeface="Consolas" panose="020B0609020204030204" pitchFamily="49" charset="0"/>
+              </a:rPr>
+              <a:t>var</a:t>
+            </a:r>
+            <a:r>
+              <a:rPr lang="sv-SE" sz="1200" b="1" dirty="0">
+                <a:latin typeface="Consolas" panose="020B0609020204030204" pitchFamily="49" charset="0"/>
+                <a:cs typeface="Consolas" panose="020B0609020204030204" pitchFamily="49" charset="0"/>
+              </a:rPr>
+              <a:t>		#09918234</a:t>
+            </a:r>
+            <a:endParaRPr lang="sv-SE" sz="1200" dirty="0">
+              <a:solidFill>
+                <a:schemeClr val="bg1">
+                  <a:lumMod val="50000"/>
+                </a:schemeClr>
+              </a:solidFill>
+              <a:latin typeface="Consolas" panose="020B0609020204030204" pitchFamily="49" charset="0"/>
+              <a:cs typeface="Consolas" panose="020B0609020204030204" pitchFamily="49" charset="0"/>
+            </a:endParaRPr>
+          </a:p>
+          <a:p>
+            <a:r>
+              <a:rPr lang="sv-SE" sz="1200" dirty="0">
+                <a:latin typeface="Consolas" panose="020B0609020204030204" pitchFamily="49" charset="0"/>
+                <a:cs typeface="Consolas" panose="020B0609020204030204" pitchFamily="49" charset="0"/>
+              </a:rPr>
+              <a:t>              </a:t>
+            </a:r>
+            <a:r>
+              <a:rPr lang="sv-SE" sz="1200" dirty="0">
+                <a:highlight>
+                  <a:srgbClr val="808080"/>
+                </a:highlight>
+                <a:latin typeface="Consolas" panose="020B0609020204030204" pitchFamily="49" charset="0"/>
+                <a:cs typeface="Consolas" panose="020B0609020204030204" pitchFamily="49" charset="0"/>
+              </a:rPr>
+              <a:t>±0 </a:t>
+            </a:r>
+            <a:r>
+              <a:rPr lang="sv-SE" sz="1200" b="1" dirty="0" err="1">
+                <a:highlight>
+                  <a:srgbClr val="FF0000"/>
+                </a:highlight>
+                <a:latin typeface="Consolas" panose="020B0609020204030204" pitchFamily="49" charset="0"/>
+                <a:cs typeface="Consolas" panose="020B0609020204030204" pitchFamily="49" charset="0"/>
+              </a:rPr>
+              <a:t>thenCallable</a:t>
+            </a:r>
+            <a:r>
+              <a:rPr lang="sv-SE" sz="1200" b="1" dirty="0">
+                <a:latin typeface="Consolas" panose="020B0609020204030204" pitchFamily="49" charset="0"/>
+                <a:cs typeface="Consolas" panose="020B0609020204030204" pitchFamily="49" charset="0"/>
+              </a:rPr>
+              <a:t>	#09918234</a:t>
+            </a:r>
+            <a:endParaRPr lang="sv-SE" sz="1200" dirty="0">
+              <a:solidFill>
+                <a:schemeClr val="bg1">
+                  <a:lumMod val="50000"/>
+                </a:schemeClr>
+              </a:solidFill>
+              <a:latin typeface="Consolas" panose="020B0609020204030204" pitchFamily="49" charset="0"/>
+              <a:cs typeface="Consolas" panose="020B0609020204030204" pitchFamily="49" charset="0"/>
+            </a:endParaRPr>
+          </a:p>
+          <a:p>
+            <a:r>
+              <a:rPr lang="sv-SE" sz="1200" dirty="0">
+                <a:latin typeface="Consolas" panose="020B0609020204030204" pitchFamily="49" charset="0"/>
+                <a:cs typeface="Consolas" panose="020B0609020204030204" pitchFamily="49" charset="0"/>
+              </a:rPr>
+              <a:t>           </a:t>
+            </a:r>
+            <a:r>
+              <a:rPr lang="sv-SE" sz="1200" dirty="0">
+                <a:highlight>
+                  <a:srgbClr val="808080"/>
+                </a:highlight>
+                <a:latin typeface="Consolas" panose="020B0609020204030204" pitchFamily="49" charset="0"/>
+                <a:cs typeface="Consolas" panose="020B0609020204030204" pitchFamily="49" charset="0"/>
+              </a:rPr>
+              <a:t>-1 </a:t>
+            </a:r>
+            <a:r>
+              <a:rPr lang="sv-SE" sz="1200" b="1" dirty="0">
+                <a:highlight>
+                  <a:srgbClr val="FF0000"/>
+                </a:highlight>
+                <a:latin typeface="Consolas" panose="020B0609020204030204" pitchFamily="49" charset="0"/>
+                <a:cs typeface="Consolas" panose="020B0609020204030204" pitchFamily="49" charset="0"/>
+              </a:rPr>
+              <a:t>}</a:t>
+            </a:r>
+            <a:r>
+              <a:rPr lang="sv-SE" sz="1200" b="1" dirty="0">
+                <a:latin typeface="Consolas" panose="020B0609020204030204" pitchFamily="49" charset="0"/>
+                <a:cs typeface="Consolas" panose="020B0609020204030204" pitchFamily="49" charset="0"/>
+              </a:rPr>
+              <a:t> 		#09918234</a:t>
+            </a:r>
+          </a:p>
+          <a:p>
+            <a:r>
+              <a:rPr lang="sv-SE" sz="1200" dirty="0">
+                <a:latin typeface="Consolas" panose="020B0609020204030204" pitchFamily="49" charset="0"/>
+                <a:cs typeface="Consolas" panose="020B0609020204030204" pitchFamily="49" charset="0"/>
+              </a:rPr>
+              <a:t>           </a:t>
+            </a:r>
+            <a:r>
+              <a:rPr lang="sv-SE" sz="1200" dirty="0">
+                <a:highlight>
+                  <a:srgbClr val="808080"/>
+                </a:highlight>
+                <a:latin typeface="Consolas" panose="020B0609020204030204" pitchFamily="49" charset="0"/>
+                <a:cs typeface="Consolas" panose="020B0609020204030204" pitchFamily="49" charset="0"/>
+              </a:rPr>
+              <a:t>±0 </a:t>
+            </a:r>
+            <a:r>
+              <a:rPr lang="sv-SE" sz="1200" b="1" dirty="0" err="1">
+                <a:highlight>
+                  <a:srgbClr val="FF0000"/>
+                </a:highlight>
+                <a:latin typeface="Consolas" panose="020B0609020204030204" pitchFamily="49" charset="0"/>
+                <a:cs typeface="Consolas" panose="020B0609020204030204" pitchFamily="49" charset="0"/>
+              </a:rPr>
+              <a:t>else</a:t>
+            </a:r>
+            <a:r>
+              <a:rPr lang="sv-SE" sz="1200" b="1" dirty="0">
+                <a:latin typeface="Consolas" panose="020B0609020204030204" pitchFamily="49" charset="0"/>
+                <a:cs typeface="Consolas" panose="020B0609020204030204" pitchFamily="49" charset="0"/>
+              </a:rPr>
+              <a:t>		#09918234</a:t>
+            </a:r>
+          </a:p>
+          <a:p>
+            <a:r>
+              <a:rPr lang="sv-SE" sz="1200" dirty="0">
+                <a:latin typeface="Consolas" panose="020B0609020204030204" pitchFamily="49" charset="0"/>
+                <a:cs typeface="Consolas" panose="020B0609020204030204" pitchFamily="49" charset="0"/>
+              </a:rPr>
+              <a:t>           </a:t>
+            </a:r>
+            <a:r>
+              <a:rPr lang="sv-SE" sz="1200" dirty="0">
+                <a:highlight>
+                  <a:srgbClr val="808080"/>
+                </a:highlight>
+                <a:latin typeface="Consolas" panose="020B0609020204030204" pitchFamily="49" charset="0"/>
+                <a:cs typeface="Consolas" panose="020B0609020204030204" pitchFamily="49" charset="0"/>
+              </a:rPr>
+              <a:t>±0 </a:t>
+            </a:r>
+            <a:r>
+              <a:rPr lang="sv-SE" sz="1200" b="1" dirty="0">
+                <a:highlight>
+                  <a:srgbClr val="FF0000"/>
+                </a:highlight>
+                <a:latin typeface="Consolas" panose="020B0609020204030204" pitchFamily="49" charset="0"/>
+                <a:cs typeface="Consolas" panose="020B0609020204030204" pitchFamily="49" charset="0"/>
+              </a:rPr>
+              <a:t>{</a:t>
+            </a:r>
+            <a:r>
+              <a:rPr lang="sv-SE" sz="1200" b="1" dirty="0">
+                <a:latin typeface="Consolas" panose="020B0609020204030204" pitchFamily="49" charset="0"/>
+                <a:cs typeface="Consolas" panose="020B0609020204030204" pitchFamily="49" charset="0"/>
+              </a:rPr>
+              <a:t>		#09918234</a:t>
+            </a:r>
+          </a:p>
+          <a:p>
+            <a:r>
+              <a:rPr lang="sv-SE" sz="1200" dirty="0">
+                <a:latin typeface="Consolas" panose="020B0609020204030204" pitchFamily="49" charset="0"/>
+                <a:cs typeface="Consolas" panose="020B0609020204030204" pitchFamily="49" charset="0"/>
+              </a:rPr>
+              <a:t>              </a:t>
+            </a:r>
+            <a:r>
+              <a:rPr lang="sv-SE" sz="1200" dirty="0">
+                <a:highlight>
+                  <a:srgbClr val="808080"/>
+                </a:highlight>
+                <a:latin typeface="Consolas" panose="020B0609020204030204" pitchFamily="49" charset="0"/>
+                <a:cs typeface="Consolas" panose="020B0609020204030204" pitchFamily="49" charset="0"/>
+              </a:rPr>
+              <a:t>+1 </a:t>
+            </a:r>
+            <a:r>
+              <a:rPr lang="sv-SE" sz="1200" b="1" dirty="0" err="1">
+                <a:highlight>
+                  <a:srgbClr val="FF0000"/>
+                </a:highlight>
+                <a:latin typeface="Consolas" panose="020B0609020204030204" pitchFamily="49" charset="0"/>
+                <a:cs typeface="Consolas" panose="020B0609020204030204" pitchFamily="49" charset="0"/>
+              </a:rPr>
+              <a:t>Resolve</a:t>
+            </a:r>
+            <a:r>
+              <a:rPr lang="sv-SE" sz="1200" b="1" dirty="0">
+                <a:latin typeface="Consolas" panose="020B0609020204030204" pitchFamily="49" charset="0"/>
+                <a:cs typeface="Consolas" panose="020B0609020204030204" pitchFamily="49" charset="0"/>
+              </a:rPr>
+              <a:t>	#09918234</a:t>
+            </a:r>
+            <a:endParaRPr lang="sv-SE" sz="1200" dirty="0">
+              <a:solidFill>
+                <a:schemeClr val="bg1">
+                  <a:lumMod val="50000"/>
+                </a:schemeClr>
+              </a:solidFill>
+              <a:latin typeface="Consolas" panose="020B0609020204030204" pitchFamily="49" charset="0"/>
+              <a:cs typeface="Consolas" panose="020B0609020204030204" pitchFamily="49" charset="0"/>
+            </a:endParaRPr>
+          </a:p>
+          <a:p>
+            <a:r>
+              <a:rPr lang="sv-SE" sz="1200" dirty="0">
+                <a:latin typeface="Consolas" panose="020B0609020204030204" pitchFamily="49" charset="0"/>
+                <a:cs typeface="Consolas" panose="020B0609020204030204" pitchFamily="49" charset="0"/>
+              </a:rPr>
+              <a:t>           </a:t>
+            </a:r>
+            <a:r>
+              <a:rPr lang="sv-SE" sz="1200" dirty="0">
+                <a:highlight>
+                  <a:srgbClr val="808080"/>
+                </a:highlight>
+                <a:latin typeface="Consolas" panose="020B0609020204030204" pitchFamily="49" charset="0"/>
+                <a:cs typeface="Consolas" panose="020B0609020204030204" pitchFamily="49" charset="0"/>
+              </a:rPr>
+              <a:t>-1 </a:t>
+            </a:r>
+            <a:r>
+              <a:rPr lang="sv-SE" sz="1200" b="1" dirty="0">
+                <a:highlight>
+                  <a:srgbClr val="FF0000"/>
+                </a:highlight>
+                <a:latin typeface="Consolas" panose="020B0609020204030204" pitchFamily="49" charset="0"/>
+                <a:cs typeface="Consolas" panose="020B0609020204030204" pitchFamily="49" charset="0"/>
+              </a:rPr>
+              <a:t>}</a:t>
+            </a:r>
+            <a:r>
+              <a:rPr lang="sv-SE" sz="1200" b="1" dirty="0">
+                <a:latin typeface="Consolas" panose="020B0609020204030204" pitchFamily="49" charset="0"/>
+                <a:cs typeface="Consolas" panose="020B0609020204030204" pitchFamily="49" charset="0"/>
+              </a:rPr>
+              <a:t> 		#09918234</a:t>
+            </a:r>
+          </a:p>
+          <a:p>
+            <a:r>
+              <a:rPr lang="sv-SE" sz="1200" dirty="0">
+                <a:latin typeface="Consolas" panose="020B0609020204030204" pitchFamily="49" charset="0"/>
+                <a:cs typeface="Consolas" panose="020B0609020204030204" pitchFamily="49" charset="0"/>
+              </a:rPr>
+              <a:t>        </a:t>
+            </a:r>
+            <a:r>
+              <a:rPr lang="sv-SE" sz="1200" dirty="0">
+                <a:highlight>
+                  <a:srgbClr val="808080"/>
+                </a:highlight>
+                <a:latin typeface="Consolas" panose="020B0609020204030204" pitchFamily="49" charset="0"/>
+                <a:cs typeface="Consolas" panose="020B0609020204030204" pitchFamily="49" charset="0"/>
+              </a:rPr>
+              <a:t>-1 </a:t>
+            </a:r>
+            <a:r>
+              <a:rPr lang="sv-SE" sz="1200" b="1" dirty="0">
+                <a:highlight>
+                  <a:srgbClr val="FF0000"/>
+                </a:highlight>
+                <a:latin typeface="Consolas" panose="020B0609020204030204" pitchFamily="49" charset="0"/>
+                <a:cs typeface="Consolas" panose="020B0609020204030204" pitchFamily="49" charset="0"/>
+              </a:rPr>
+              <a:t>}</a:t>
+            </a:r>
+            <a:r>
+              <a:rPr lang="sv-SE" sz="1200" b="1" dirty="0">
+                <a:latin typeface="Consolas" panose="020B0609020204030204" pitchFamily="49" charset="0"/>
+                <a:cs typeface="Consolas" panose="020B0609020204030204" pitchFamily="49" charset="0"/>
+              </a:rPr>
+              <a:t> 		#09918234</a:t>
+            </a:r>
+            <a:endParaRPr lang="sv-SE" sz="1200" dirty="0">
+              <a:latin typeface="Consolas" panose="020B0609020204030204" pitchFamily="49" charset="0"/>
+              <a:cs typeface="Consolas" panose="020B0609020204030204" pitchFamily="49" charset="0"/>
+            </a:endParaRPr>
+          </a:p>
+          <a:p>
+            <a:r>
+              <a:rPr lang="sv-SE" sz="1200" dirty="0">
+                <a:latin typeface="Consolas" panose="020B0609020204030204" pitchFamily="49" charset="0"/>
+                <a:cs typeface="Consolas" panose="020B0609020204030204" pitchFamily="49" charset="0"/>
+              </a:rPr>
+              <a:t>        </a:t>
+            </a:r>
+            <a:r>
+              <a:rPr lang="sv-SE" sz="1200" dirty="0">
+                <a:highlight>
+                  <a:srgbClr val="808080"/>
+                </a:highlight>
+                <a:latin typeface="Consolas" panose="020B0609020204030204" pitchFamily="49" charset="0"/>
+                <a:cs typeface="Consolas" panose="020B0609020204030204" pitchFamily="49" charset="0"/>
+              </a:rPr>
+              <a:t>±0 </a:t>
+            </a:r>
+            <a:r>
+              <a:rPr lang="sv-SE" sz="1200" b="1" dirty="0" err="1">
+                <a:solidFill>
+                  <a:schemeClr val="bg1"/>
+                </a:solidFill>
+                <a:highlight>
+                  <a:srgbClr val="FF0000"/>
+                </a:highlight>
+                <a:latin typeface="Consolas" panose="020B0609020204030204" pitchFamily="49" charset="0"/>
+                <a:cs typeface="Consolas" panose="020B0609020204030204" pitchFamily="49" charset="0"/>
+              </a:rPr>
+              <a:t>return</a:t>
+            </a:r>
+            <a:r>
+              <a:rPr lang="sv-SE" sz="1200" dirty="0">
+                <a:solidFill>
+                  <a:schemeClr val="bg1">
+                    <a:lumMod val="50000"/>
+                  </a:schemeClr>
+                </a:solidFill>
+                <a:latin typeface="Consolas" panose="020B0609020204030204" pitchFamily="49" charset="0"/>
+                <a:cs typeface="Consolas" panose="020B0609020204030204" pitchFamily="49" charset="0"/>
+              </a:rPr>
+              <a:t> </a:t>
+            </a:r>
+            <a:r>
+              <a:rPr lang="sv-SE" sz="1200" b="1" dirty="0">
+                <a:latin typeface="Consolas" panose="020B0609020204030204" pitchFamily="49" charset="0"/>
+                <a:cs typeface="Consolas" panose="020B0609020204030204" pitchFamily="49" charset="0"/>
+              </a:rPr>
+              <a:t>		#09918234</a:t>
+            </a:r>
+            <a:endParaRPr lang="sv-SE" sz="1200" dirty="0">
+              <a:solidFill>
+                <a:schemeClr val="bg1">
+                  <a:lumMod val="50000"/>
+                </a:schemeClr>
+              </a:solidFill>
+              <a:latin typeface="Consolas" panose="020B0609020204030204" pitchFamily="49" charset="0"/>
+              <a:cs typeface="Consolas" panose="020B0609020204030204" pitchFamily="49" charset="0"/>
+            </a:endParaRPr>
+          </a:p>
+          <a:p>
+            <a:r>
+              <a:rPr lang="sv-SE" sz="1200" dirty="0">
+                <a:latin typeface="Consolas" panose="020B0609020204030204" pitchFamily="49" charset="0"/>
+                <a:cs typeface="Consolas" panose="020B0609020204030204" pitchFamily="49" charset="0"/>
+              </a:rPr>
+              <a:t>        </a:t>
+            </a:r>
+            <a:r>
+              <a:rPr lang="sv-SE" sz="1200" dirty="0">
+                <a:highlight>
+                  <a:srgbClr val="808080"/>
+                </a:highlight>
+                <a:latin typeface="Consolas" panose="020B0609020204030204" pitchFamily="49" charset="0"/>
+                <a:cs typeface="Consolas" panose="020B0609020204030204" pitchFamily="49" charset="0"/>
+              </a:rPr>
+              <a:t>±0 </a:t>
+            </a:r>
+            <a:r>
+              <a:rPr lang="sv-SE" sz="1200" b="1" dirty="0" err="1">
+                <a:solidFill>
+                  <a:schemeClr val="bg1"/>
+                </a:solidFill>
+                <a:highlight>
+                  <a:srgbClr val="FF0000"/>
+                </a:highlight>
+                <a:latin typeface="Consolas" panose="020B0609020204030204" pitchFamily="49" charset="0"/>
+                <a:cs typeface="Consolas" panose="020B0609020204030204" pitchFamily="49" charset="0"/>
+              </a:rPr>
+              <a:t>HostFunction</a:t>
+            </a:r>
+            <a:r>
+              <a:rPr lang="sv-SE" sz="1200" b="1" dirty="0">
+                <a:latin typeface="Consolas" panose="020B0609020204030204" pitchFamily="49" charset="0"/>
+                <a:cs typeface="Consolas" panose="020B0609020204030204" pitchFamily="49" charset="0"/>
+              </a:rPr>
+              <a:t>	#09918234</a:t>
+            </a:r>
+            <a:endParaRPr lang="sv-SE" sz="1200" dirty="0">
+              <a:solidFill>
+                <a:schemeClr val="bg1">
+                  <a:lumMod val="50000"/>
+                </a:schemeClr>
+              </a:solidFill>
+              <a:latin typeface="Consolas" panose="020B0609020204030204" pitchFamily="49" charset="0"/>
+              <a:cs typeface="Consolas" panose="020B0609020204030204" pitchFamily="49" charset="0"/>
+            </a:endParaRPr>
+          </a:p>
+          <a:p>
+            <a:r>
+              <a:rPr lang="sv-SE" sz="1200" dirty="0">
+                <a:latin typeface="Consolas" panose="020B0609020204030204" pitchFamily="49" charset="0"/>
+                <a:cs typeface="Consolas" panose="020B0609020204030204" pitchFamily="49" charset="0"/>
+              </a:rPr>
+              <a:t>        </a:t>
+            </a:r>
+            <a:r>
+              <a:rPr lang="sv-SE" sz="1200" dirty="0">
+                <a:highlight>
+                  <a:srgbClr val="808080"/>
+                </a:highlight>
+                <a:latin typeface="Consolas" panose="020B0609020204030204" pitchFamily="49" charset="0"/>
+                <a:cs typeface="Consolas" panose="020B0609020204030204" pitchFamily="49" charset="0"/>
+              </a:rPr>
+              <a:t>±0 </a:t>
+            </a:r>
+            <a:r>
+              <a:rPr lang="sv-SE" sz="1200" b="1" dirty="0">
+                <a:highlight>
+                  <a:srgbClr val="FF0000"/>
+                </a:highlight>
+                <a:latin typeface="Consolas" panose="020B0609020204030204" pitchFamily="49" charset="0"/>
+                <a:cs typeface="Consolas" panose="020B0609020204030204" pitchFamily="49" charset="0"/>
+              </a:rPr>
+              <a:t>{</a:t>
+            </a:r>
+            <a:r>
+              <a:rPr lang="sv-SE" sz="1200" b="1" dirty="0">
+                <a:latin typeface="Consolas" panose="020B0609020204030204" pitchFamily="49" charset="0"/>
+                <a:cs typeface="Consolas" panose="020B0609020204030204" pitchFamily="49" charset="0"/>
+              </a:rPr>
+              <a:t>		#09918234</a:t>
+            </a:r>
+          </a:p>
+          <a:p>
+            <a:r>
+              <a:rPr lang="sv-SE" sz="1200" dirty="0">
+                <a:latin typeface="Consolas" panose="020B0609020204030204" pitchFamily="49" charset="0"/>
+                <a:cs typeface="Consolas" panose="020B0609020204030204" pitchFamily="49" charset="0"/>
+              </a:rPr>
+              <a:t>           </a:t>
+            </a:r>
+            <a:r>
+              <a:rPr lang="sv-SE" sz="1200" dirty="0">
+                <a:highlight>
+                  <a:srgbClr val="808080"/>
+                </a:highlight>
+                <a:latin typeface="Consolas" panose="020B0609020204030204" pitchFamily="49" charset="0"/>
+                <a:cs typeface="Consolas" panose="020B0609020204030204" pitchFamily="49" charset="0"/>
+              </a:rPr>
+              <a:t>+1 </a:t>
+            </a:r>
+            <a:r>
+              <a:rPr lang="sv-SE" sz="1200" b="1" dirty="0" err="1">
+                <a:highlight>
+                  <a:srgbClr val="FF0000"/>
+                </a:highlight>
+                <a:latin typeface="Consolas" panose="020B0609020204030204" pitchFamily="49" charset="0"/>
+                <a:cs typeface="Consolas" panose="020B0609020204030204" pitchFamily="49" charset="0"/>
+              </a:rPr>
+              <a:t>return</a:t>
+            </a:r>
+            <a:r>
+              <a:rPr lang="sv-SE" sz="1200" b="1" dirty="0">
+                <a:latin typeface="Consolas" panose="020B0609020204030204" pitchFamily="49" charset="0"/>
+                <a:cs typeface="Consolas" panose="020B0609020204030204" pitchFamily="49" charset="0"/>
+              </a:rPr>
+              <a:t>		#09918234</a:t>
+            </a:r>
+            <a:endParaRPr lang="sv-SE" sz="1200" dirty="0">
+              <a:solidFill>
+                <a:schemeClr val="bg1">
+                  <a:lumMod val="50000"/>
+                </a:schemeClr>
+              </a:solidFill>
+              <a:latin typeface="Consolas" panose="020B0609020204030204" pitchFamily="49" charset="0"/>
+              <a:cs typeface="Consolas" panose="020B0609020204030204" pitchFamily="49" charset="0"/>
+            </a:endParaRPr>
+          </a:p>
+          <a:p>
+            <a:r>
+              <a:rPr lang="sv-SE" sz="1200" dirty="0">
+                <a:latin typeface="Consolas" panose="020B0609020204030204" pitchFamily="49" charset="0"/>
+                <a:cs typeface="Consolas" panose="020B0609020204030204" pitchFamily="49" charset="0"/>
+              </a:rPr>
+              <a:t>           </a:t>
+            </a:r>
+            <a:r>
+              <a:rPr lang="sv-SE" sz="1200" dirty="0">
+                <a:highlight>
+                  <a:srgbClr val="808080"/>
+                </a:highlight>
+                <a:latin typeface="Consolas" panose="020B0609020204030204" pitchFamily="49" charset="0"/>
+                <a:cs typeface="Consolas" panose="020B0609020204030204" pitchFamily="49" charset="0"/>
+              </a:rPr>
+              <a:t>±0 </a:t>
+            </a:r>
+            <a:r>
+              <a:rPr lang="sv-SE" sz="1200" b="1" dirty="0" err="1">
+                <a:highlight>
+                  <a:srgbClr val="FF0000"/>
+                </a:highlight>
+                <a:latin typeface="Consolas" panose="020B0609020204030204" pitchFamily="49" charset="0"/>
+                <a:cs typeface="Consolas" panose="020B0609020204030204" pitchFamily="49" charset="0"/>
+              </a:rPr>
+              <a:t>JsValue</a:t>
+            </a:r>
+            <a:r>
+              <a:rPr lang="sv-SE" sz="1200" b="1" dirty="0">
+                <a:latin typeface="Consolas" panose="020B0609020204030204" pitchFamily="49" charset="0"/>
+                <a:cs typeface="Consolas" panose="020B0609020204030204" pitchFamily="49" charset="0"/>
+              </a:rPr>
+              <a:t>		#09918234</a:t>
+            </a:r>
+            <a:endParaRPr lang="sv-SE" sz="1200" dirty="0">
+              <a:solidFill>
+                <a:schemeClr val="bg1">
+                  <a:lumMod val="50000"/>
+                </a:schemeClr>
+              </a:solidFill>
+              <a:latin typeface="Consolas" panose="020B0609020204030204" pitchFamily="49" charset="0"/>
+              <a:cs typeface="Consolas" panose="020B0609020204030204" pitchFamily="49" charset="0"/>
+            </a:endParaRPr>
+          </a:p>
+          <a:p>
+            <a:r>
+              <a:rPr lang="sv-SE" sz="1200" dirty="0">
+                <a:latin typeface="Consolas" panose="020B0609020204030204" pitchFamily="49" charset="0"/>
+                <a:cs typeface="Consolas" panose="020B0609020204030204" pitchFamily="49" charset="0"/>
+              </a:rPr>
+              <a:t>           </a:t>
+            </a:r>
+            <a:r>
+              <a:rPr lang="sv-SE" sz="1200" dirty="0">
+                <a:highlight>
+                  <a:srgbClr val="808080"/>
+                </a:highlight>
+                <a:latin typeface="Consolas" panose="020B0609020204030204" pitchFamily="49" charset="0"/>
+                <a:cs typeface="Consolas" panose="020B0609020204030204" pitchFamily="49" charset="0"/>
+              </a:rPr>
+              <a:t>±0 </a:t>
+            </a:r>
+            <a:r>
+              <a:rPr lang="sv-SE" sz="1200" b="1" dirty="0">
+                <a:highlight>
+                  <a:srgbClr val="FF0000"/>
+                </a:highlight>
+                <a:latin typeface="Consolas" panose="020B0609020204030204" pitchFamily="49" charset="0"/>
+                <a:cs typeface="Consolas" panose="020B0609020204030204" pitchFamily="49" charset="0"/>
+              </a:rPr>
+              <a:t>{</a:t>
+            </a:r>
+            <a:r>
+              <a:rPr lang="sv-SE" sz="1200" b="1" dirty="0">
+                <a:latin typeface="Consolas" panose="020B0609020204030204" pitchFamily="49" charset="0"/>
+                <a:cs typeface="Consolas" panose="020B0609020204030204" pitchFamily="49" charset="0"/>
+              </a:rPr>
+              <a:t>		#09918234</a:t>
+            </a:r>
+          </a:p>
+          <a:p>
+            <a:r>
+              <a:rPr lang="sv-SE" sz="1200" dirty="0">
+                <a:latin typeface="Consolas" panose="020B0609020204030204" pitchFamily="49" charset="0"/>
+                <a:cs typeface="Consolas" panose="020B0609020204030204" pitchFamily="49" charset="0"/>
+              </a:rPr>
+              <a:t>              </a:t>
+            </a:r>
+            <a:r>
+              <a:rPr lang="sv-SE" sz="1200" dirty="0">
+                <a:highlight>
+                  <a:srgbClr val="808080"/>
+                </a:highlight>
+                <a:latin typeface="Consolas" panose="020B0609020204030204" pitchFamily="49" charset="0"/>
+                <a:cs typeface="Consolas" panose="020B0609020204030204" pitchFamily="49" charset="0"/>
+              </a:rPr>
+              <a:t>+1 </a:t>
+            </a:r>
+            <a:r>
+              <a:rPr lang="sv-SE" sz="1200" b="1" dirty="0" err="1">
+                <a:highlight>
+                  <a:srgbClr val="FF0000"/>
+                </a:highlight>
+                <a:latin typeface="Consolas" panose="020B0609020204030204" pitchFamily="49" charset="0"/>
+                <a:cs typeface="Consolas" panose="020B0609020204030204" pitchFamily="49" charset="0"/>
+              </a:rPr>
+              <a:t>Resolve</a:t>
+            </a:r>
+            <a:r>
+              <a:rPr lang="sv-SE" sz="1200" b="1" dirty="0">
+                <a:latin typeface="Consolas" panose="020B0609020204030204" pitchFamily="49" charset="0"/>
+                <a:cs typeface="Consolas" panose="020B0609020204030204" pitchFamily="49" charset="0"/>
+              </a:rPr>
+              <a:t>	#09918234</a:t>
+            </a:r>
+            <a:endParaRPr lang="sv-SE" sz="1200" dirty="0">
+              <a:solidFill>
+                <a:schemeClr val="bg1">
+                  <a:lumMod val="50000"/>
+                </a:schemeClr>
+              </a:solidFill>
+              <a:latin typeface="Consolas" panose="020B0609020204030204" pitchFamily="49" charset="0"/>
+              <a:cs typeface="Consolas" panose="020B0609020204030204" pitchFamily="49" charset="0"/>
+            </a:endParaRPr>
+          </a:p>
+          <a:p>
+            <a:r>
+              <a:rPr lang="sv-SE" sz="1200" dirty="0">
+                <a:latin typeface="Consolas" panose="020B0609020204030204" pitchFamily="49" charset="0"/>
+                <a:cs typeface="Consolas" panose="020B0609020204030204" pitchFamily="49" charset="0"/>
+              </a:rPr>
+              <a:t>              </a:t>
+            </a:r>
+            <a:r>
+              <a:rPr lang="sv-SE" sz="1200" dirty="0">
+                <a:highlight>
+                  <a:srgbClr val="808080"/>
+                </a:highlight>
+                <a:latin typeface="Consolas" panose="020B0609020204030204" pitchFamily="49" charset="0"/>
+                <a:cs typeface="Consolas" panose="020B0609020204030204" pitchFamily="49" charset="0"/>
+              </a:rPr>
+              <a:t>+1 </a:t>
+            </a:r>
+            <a:r>
+              <a:rPr lang="sv-SE" sz="1200" b="1" dirty="0" err="1">
+                <a:highlight>
+                  <a:srgbClr val="FF0000"/>
+                </a:highlight>
+                <a:latin typeface="Consolas" panose="020B0609020204030204" pitchFamily="49" charset="0"/>
+                <a:cs typeface="Consolas" panose="020B0609020204030204" pitchFamily="49" charset="0"/>
+              </a:rPr>
+              <a:t>return</a:t>
+            </a:r>
+            <a:r>
+              <a:rPr lang="sv-SE" sz="1200" b="1" dirty="0">
+                <a:latin typeface="Consolas" panose="020B0609020204030204" pitchFamily="49" charset="0"/>
+                <a:cs typeface="Consolas" panose="020B0609020204030204" pitchFamily="49" charset="0"/>
+              </a:rPr>
+              <a:t>	#09918234</a:t>
+            </a:r>
+            <a:endParaRPr lang="sv-SE" sz="1200" dirty="0">
+              <a:solidFill>
+                <a:schemeClr val="bg1">
+                  <a:lumMod val="50000"/>
+                </a:schemeClr>
+              </a:solidFill>
+              <a:latin typeface="Consolas" panose="020B0609020204030204" pitchFamily="49" charset="0"/>
+              <a:cs typeface="Consolas" panose="020B0609020204030204" pitchFamily="49" charset="0"/>
+            </a:endParaRPr>
+          </a:p>
+          <a:p>
+            <a:r>
+              <a:rPr lang="sv-SE" sz="1200" dirty="0">
+                <a:latin typeface="Consolas" panose="020B0609020204030204" pitchFamily="49" charset="0"/>
+                <a:cs typeface="Consolas" panose="020B0609020204030204" pitchFamily="49" charset="0"/>
+              </a:rPr>
+              <a:t>           </a:t>
+            </a:r>
+            <a:r>
+              <a:rPr lang="sv-SE" sz="1200" dirty="0">
+                <a:highlight>
+                  <a:srgbClr val="808080"/>
+                </a:highlight>
+                <a:latin typeface="Consolas" panose="020B0609020204030204" pitchFamily="49" charset="0"/>
+                <a:cs typeface="Consolas" panose="020B0609020204030204" pitchFamily="49" charset="0"/>
+              </a:rPr>
+              <a:t>-1 </a:t>
+            </a:r>
+            <a:r>
+              <a:rPr lang="sv-SE" sz="1200" b="1" dirty="0">
+                <a:highlight>
+                  <a:srgbClr val="FF0000"/>
+                </a:highlight>
+                <a:latin typeface="Consolas" panose="020B0609020204030204" pitchFamily="49" charset="0"/>
+                <a:cs typeface="Consolas" panose="020B0609020204030204" pitchFamily="49" charset="0"/>
+              </a:rPr>
+              <a:t>}</a:t>
+            </a:r>
+            <a:r>
+              <a:rPr lang="sv-SE" sz="1200" b="1" dirty="0">
+                <a:latin typeface="Consolas" panose="020B0609020204030204" pitchFamily="49" charset="0"/>
+                <a:cs typeface="Consolas" panose="020B0609020204030204" pitchFamily="49" charset="0"/>
+              </a:rPr>
+              <a:t> 		#09918234</a:t>
+            </a:r>
+          </a:p>
+          <a:p>
+            <a:r>
+              <a:rPr lang="sv-SE" sz="1200" dirty="0">
+                <a:latin typeface="Consolas" panose="020B0609020204030204" pitchFamily="49" charset="0"/>
+                <a:cs typeface="Consolas" panose="020B0609020204030204" pitchFamily="49" charset="0"/>
+              </a:rPr>
+              <a:t>        </a:t>
+            </a:r>
+            <a:r>
+              <a:rPr lang="sv-SE" sz="1200" dirty="0">
+                <a:highlight>
+                  <a:srgbClr val="808080"/>
+                </a:highlight>
+                <a:latin typeface="Consolas" panose="020B0609020204030204" pitchFamily="49" charset="0"/>
+                <a:cs typeface="Consolas" panose="020B0609020204030204" pitchFamily="49" charset="0"/>
+              </a:rPr>
+              <a:t>-1 </a:t>
+            </a:r>
+            <a:r>
+              <a:rPr lang="sv-SE" sz="1200" b="1" dirty="0">
+                <a:highlight>
+                  <a:srgbClr val="FF0000"/>
+                </a:highlight>
+                <a:latin typeface="Consolas" panose="020B0609020204030204" pitchFamily="49" charset="0"/>
+                <a:cs typeface="Consolas" panose="020B0609020204030204" pitchFamily="49" charset="0"/>
+              </a:rPr>
+              <a:t>}</a:t>
+            </a:r>
+            <a:r>
+              <a:rPr lang="sv-SE" sz="1200" b="1" dirty="0">
+                <a:latin typeface="Consolas" panose="020B0609020204030204" pitchFamily="49" charset="0"/>
+                <a:cs typeface="Consolas" panose="020B0609020204030204" pitchFamily="49" charset="0"/>
+              </a:rPr>
+              <a:t> 		#09918234</a:t>
+            </a:r>
+          </a:p>
+        </p:txBody>
+      </p:sp>
+      <p:sp>
+        <p:nvSpPr>
+          <p:cNvPr id="2" name="Rektangel 1">
+            <a:extLst>
+              <a:ext uri="{FF2B5EF4-FFF2-40B4-BE49-F238E27FC236}">
+                <a16:creationId xmlns:a16="http://schemas.microsoft.com/office/drawing/2014/main" id="{140FC3C7-DA7B-C392-1917-C152A3EF24E8}"/>
+              </a:ext>
+            </a:extLst>
+          </p:cNvPr>
+          <p:cNvSpPr/>
+          <p:nvPr/>
+        </p:nvSpPr>
+        <p:spPr>
+          <a:xfrm>
+            <a:off x="2973736" y="544286"/>
+            <a:ext cx="1284756" cy="4789714"/>
+          </a:xfrm>
+          <a:prstGeom prst="rect">
+            <a:avLst/>
+          </a:prstGeom>
+          <a:solidFill>
+            <a:schemeClr val="tx1">
+              <a:lumMod val="95000"/>
+              <a:lumOff val="5000"/>
+            </a:schemeClr>
+          </a:solidFill>
+          <a:ln>
+            <a:noFill/>
+          </a:ln>
+        </p:spPr>
+        <p:style>
+          <a:lnRef idx="2">
+            <a:schemeClr val="accent1">
+              <a:shade val="15000"/>
+            </a:schemeClr>
+          </a:lnRef>
+          <a:fillRef idx="1">
+            <a:schemeClr val="accent1"/>
+          </a:fillRef>
+          <a:effectRef idx="0">
+            <a:schemeClr val="accent1"/>
+          </a:effectRef>
+          <a:fontRef idx="minor">
+            <a:schemeClr val="lt1"/>
+          </a:fontRef>
+        </p:style>
+        <p:txBody>
+          <a:bodyPr rtlCol="0" anchor="ctr"/>
+          <a:lstStyle/>
+          <a:p>
+            <a:r>
+              <a:rPr lang="sv-SE" sz="1200" b="1" dirty="0">
+                <a:latin typeface="Consolas" panose="020B0609020204030204" pitchFamily="49" charset="0"/>
+                <a:cs typeface="Consolas" panose="020B0609020204030204" pitchFamily="49" charset="0"/>
+              </a:rPr>
+              <a:t>#A7F3C9D2</a:t>
+            </a:r>
+          </a:p>
+          <a:p>
+            <a:r>
+              <a:rPr lang="sv-SE" sz="1200" b="1" dirty="0">
+                <a:latin typeface="Consolas" panose="020B0609020204030204" pitchFamily="49" charset="0"/>
+                <a:cs typeface="Consolas" panose="020B0609020204030204" pitchFamily="49" charset="0"/>
+              </a:rPr>
+              <a:t>#0E4B91AA</a:t>
+            </a:r>
+          </a:p>
+          <a:p>
+            <a:r>
+              <a:rPr lang="sv-SE" sz="1200" b="1" dirty="0">
+                <a:latin typeface="Consolas" panose="020B0609020204030204" pitchFamily="49" charset="0"/>
+                <a:cs typeface="Consolas" panose="020B0609020204030204" pitchFamily="49" charset="0"/>
+              </a:rPr>
+              <a:t>#9C2F0D38</a:t>
+            </a:r>
+          </a:p>
+          <a:p>
+            <a:r>
+              <a:rPr lang="sv-SE" sz="1200" b="1" dirty="0">
+                <a:latin typeface="Consolas" panose="020B0609020204030204" pitchFamily="49" charset="0"/>
+                <a:cs typeface="Consolas" panose="020B0609020204030204" pitchFamily="49" charset="0"/>
+              </a:rPr>
+              <a:t>#14E8A6F0</a:t>
+            </a:r>
+          </a:p>
+          <a:p>
+            <a:r>
+              <a:rPr lang="sv-SE" sz="1200" b="1" dirty="0">
+                <a:latin typeface="Consolas" panose="020B0609020204030204" pitchFamily="49" charset="0"/>
+                <a:cs typeface="Consolas" panose="020B0609020204030204" pitchFamily="49" charset="0"/>
+              </a:rPr>
+              <a:t>#7B0D93C1</a:t>
+            </a:r>
+          </a:p>
+          <a:p>
+            <a:r>
+              <a:rPr lang="sv-SE" sz="1200" b="1" dirty="0">
+                <a:latin typeface="Consolas" panose="020B0609020204030204" pitchFamily="49" charset="0"/>
+                <a:cs typeface="Consolas" panose="020B0609020204030204" pitchFamily="49" charset="0"/>
+              </a:rPr>
+              <a:t>#F2A8046E</a:t>
+            </a:r>
+          </a:p>
+          <a:p>
+            <a:r>
+              <a:rPr lang="sv-SE" sz="1200" b="1" dirty="0">
+                <a:latin typeface="Consolas" panose="020B0609020204030204" pitchFamily="49" charset="0"/>
+                <a:cs typeface="Consolas" panose="020B0609020204030204" pitchFamily="49" charset="0"/>
+              </a:rPr>
+              <a:t>#3D9F17B4</a:t>
+            </a:r>
+          </a:p>
+          <a:p>
+            <a:r>
+              <a:rPr lang="sv-SE" sz="1200" b="1" dirty="0">
+                <a:latin typeface="Consolas" panose="020B0609020204030204" pitchFamily="49" charset="0"/>
+                <a:cs typeface="Consolas" panose="020B0609020204030204" pitchFamily="49" charset="0"/>
+              </a:rPr>
+              <a:t>#C81E6A09</a:t>
+            </a:r>
+          </a:p>
+          <a:p>
+            <a:r>
+              <a:rPr lang="sv-SE" sz="1200" b="1" dirty="0">
+                <a:latin typeface="Consolas" panose="020B0609020204030204" pitchFamily="49" charset="0"/>
+                <a:cs typeface="Consolas" panose="020B0609020204030204" pitchFamily="49" charset="0"/>
+              </a:rPr>
+              <a:t>#5A4D2F8C</a:t>
+            </a:r>
+          </a:p>
+          <a:p>
+            <a:r>
+              <a:rPr lang="sv-SE" sz="1200" b="1" dirty="0">
+                <a:latin typeface="Consolas" panose="020B0609020204030204" pitchFamily="49" charset="0"/>
+                <a:cs typeface="Consolas" panose="020B0609020204030204" pitchFamily="49" charset="0"/>
+              </a:rPr>
+              <a:t>#E0931B7A</a:t>
+            </a:r>
+          </a:p>
+          <a:p>
+            <a:r>
+              <a:rPr lang="sv-SE" sz="1200" b="1" dirty="0">
+                <a:latin typeface="Consolas" panose="020B0609020204030204" pitchFamily="49" charset="0"/>
+                <a:cs typeface="Consolas" panose="020B0609020204030204" pitchFamily="49" charset="0"/>
+              </a:rPr>
+              <a:t>#6F2C90D5</a:t>
+            </a:r>
+          </a:p>
+          <a:p>
+            <a:r>
+              <a:rPr lang="sv-SE" sz="1200" b="1" dirty="0">
+                <a:latin typeface="Consolas" panose="020B0609020204030204" pitchFamily="49" charset="0"/>
+                <a:cs typeface="Consolas" panose="020B0609020204030204" pitchFamily="49" charset="0"/>
+              </a:rPr>
+              <a:t>#A0D74E19</a:t>
+            </a:r>
+          </a:p>
+          <a:p>
+            <a:r>
+              <a:rPr lang="sv-SE" sz="1200" b="1" dirty="0">
+                <a:latin typeface="Consolas" panose="020B0609020204030204" pitchFamily="49" charset="0"/>
+                <a:cs typeface="Consolas" panose="020B0609020204030204" pitchFamily="49" charset="0"/>
+              </a:rPr>
+              <a:t>#18F9C3B6</a:t>
+            </a:r>
+          </a:p>
+          <a:p>
+            <a:r>
+              <a:rPr lang="sv-SE" sz="1200" b="1" dirty="0">
+                <a:latin typeface="Consolas" panose="020B0609020204030204" pitchFamily="49" charset="0"/>
+                <a:cs typeface="Consolas" panose="020B0609020204030204" pitchFamily="49" charset="0"/>
+              </a:rPr>
+              <a:t>#D52A8E40</a:t>
+            </a:r>
+          </a:p>
+          <a:p>
+            <a:r>
+              <a:rPr lang="sv-SE" sz="1200" b="1" dirty="0">
+                <a:latin typeface="Consolas" panose="020B0609020204030204" pitchFamily="49" charset="0"/>
+                <a:cs typeface="Consolas" panose="020B0609020204030204" pitchFamily="49" charset="0"/>
+              </a:rPr>
+              <a:t>#09B6F1DC</a:t>
+            </a:r>
+          </a:p>
+          <a:p>
+            <a:r>
+              <a:rPr lang="sv-SE" sz="1200" b="1" dirty="0">
+                <a:latin typeface="Consolas" panose="020B0609020204030204" pitchFamily="49" charset="0"/>
+                <a:cs typeface="Consolas" panose="020B0609020204030204" pitchFamily="49" charset="0"/>
+              </a:rPr>
+              <a:t>#74C03AE8</a:t>
+            </a:r>
+          </a:p>
+          <a:p>
+            <a:r>
+              <a:rPr lang="sv-SE" sz="1200" b="1" dirty="0">
+                <a:latin typeface="Consolas" panose="020B0609020204030204" pitchFamily="49" charset="0"/>
+                <a:cs typeface="Consolas" panose="020B0609020204030204" pitchFamily="49" charset="0"/>
+              </a:rPr>
+              <a:t>#B8E51D92</a:t>
+            </a:r>
+          </a:p>
+          <a:p>
+            <a:r>
+              <a:rPr lang="sv-SE" sz="1200" b="1" dirty="0">
+                <a:latin typeface="Consolas" panose="020B0609020204030204" pitchFamily="49" charset="0"/>
+                <a:cs typeface="Consolas" panose="020B0609020204030204" pitchFamily="49" charset="0"/>
+              </a:rPr>
+              <a:t>#2F0A9C6D</a:t>
+            </a:r>
+          </a:p>
+          <a:p>
+            <a:r>
+              <a:rPr lang="sv-SE" sz="1200" b="1" dirty="0">
+                <a:latin typeface="Consolas" panose="020B0609020204030204" pitchFamily="49" charset="0"/>
+                <a:cs typeface="Consolas" panose="020B0609020204030204" pitchFamily="49" charset="0"/>
+              </a:rPr>
+              <a:t>#91D4B7E0</a:t>
+            </a:r>
+          </a:p>
+          <a:p>
+            <a:r>
+              <a:rPr lang="sv-SE" sz="1200" b="1" dirty="0">
+                <a:latin typeface="Consolas" panose="020B0609020204030204" pitchFamily="49" charset="0"/>
+                <a:cs typeface="Consolas" panose="020B0609020204030204" pitchFamily="49" charset="0"/>
+              </a:rPr>
+              <a:t>#C6A28F13</a:t>
+            </a:r>
+          </a:p>
+          <a:p>
+            <a:r>
+              <a:rPr lang="sv-SE" sz="1200" b="1" dirty="0">
+                <a:latin typeface="Consolas" panose="020B0609020204030204" pitchFamily="49" charset="0"/>
+                <a:cs typeface="Consolas" panose="020B0609020204030204" pitchFamily="49" charset="0"/>
+              </a:rPr>
+              <a:t>#E40F97B2</a:t>
+            </a:r>
+          </a:p>
+          <a:p>
+            <a:r>
+              <a:rPr lang="sv-SE" sz="1200" b="1" dirty="0">
+                <a:latin typeface="Consolas" panose="020B0609020204030204" pitchFamily="49" charset="0"/>
+                <a:cs typeface="Consolas" panose="020B0609020204030204" pitchFamily="49" charset="0"/>
+              </a:rPr>
+              <a:t>#3B1D8AC5</a:t>
+            </a:r>
+          </a:p>
+          <a:p>
+            <a:r>
+              <a:rPr lang="sv-SE" sz="1200" b="1" dirty="0">
+                <a:latin typeface="Consolas" panose="020B0609020204030204" pitchFamily="49" charset="0"/>
+                <a:cs typeface="Consolas" panose="020B0609020204030204" pitchFamily="49" charset="0"/>
+              </a:rPr>
+              <a:t>#8D6E420F</a:t>
+            </a:r>
+          </a:p>
+          <a:p>
+            <a:r>
+              <a:rPr lang="sv-SE" sz="1200" b="1" dirty="0">
+                <a:latin typeface="Consolas" panose="020B0609020204030204" pitchFamily="49" charset="0"/>
+                <a:cs typeface="Consolas" panose="020B0609020204030204" pitchFamily="49" charset="0"/>
+              </a:rPr>
+              <a:t>#F9A31C7E</a:t>
+            </a:r>
+          </a:p>
+        </p:txBody>
+      </p:sp>
+      <p:sp>
+        <p:nvSpPr>
+          <p:cNvPr id="3" name="Höger 2">
+            <a:extLst>
+              <a:ext uri="{FF2B5EF4-FFF2-40B4-BE49-F238E27FC236}">
+                <a16:creationId xmlns:a16="http://schemas.microsoft.com/office/drawing/2014/main" id="{58E46491-1FDD-67B1-50E3-7901D728CDFC}"/>
+              </a:ext>
+            </a:extLst>
+          </p:cNvPr>
+          <p:cNvSpPr/>
+          <p:nvPr/>
+        </p:nvSpPr>
+        <p:spPr>
+          <a:xfrm>
+            <a:off x="4023360" y="2670218"/>
+            <a:ext cx="636105" cy="537849"/>
+          </a:xfrm>
+          <a:prstGeom prst="rightArrow">
+            <a:avLst/>
+          </a:prstGeom>
+          <a:solidFill>
+            <a:schemeClr val="bg1"/>
+          </a:solidFill>
+          <a:ln>
+            <a:noFill/>
+          </a:ln>
+        </p:spPr>
+        <p:style>
+          <a:lnRef idx="2">
+            <a:schemeClr val="accent1">
+              <a:shade val="15000"/>
+            </a:schemeClr>
+          </a:lnRef>
+          <a:fillRef idx="1">
+            <a:schemeClr val="accent1"/>
+          </a:fillRef>
+          <a:effectRef idx="0">
+            <a:schemeClr val="accent1"/>
+          </a:effectRef>
+          <a:fontRef idx="minor">
+            <a:schemeClr val="lt1"/>
+          </a:fontRef>
+        </p:style>
+        <p:txBody>
+          <a:bodyPr rtlCol="0" anchor="ctr"/>
+          <a:lstStyle/>
+          <a:p>
+            <a:pPr algn="ctr"/>
+            <a:endParaRPr lang="sv-SE"/>
+          </a:p>
+        </p:txBody>
+      </p:sp>
+      <p:sp>
+        <p:nvSpPr>
+          <p:cNvPr id="5" name="Rektangel 4">
+            <a:extLst>
+              <a:ext uri="{FF2B5EF4-FFF2-40B4-BE49-F238E27FC236}">
+                <a16:creationId xmlns:a16="http://schemas.microsoft.com/office/drawing/2014/main" id="{28DF9CBC-E712-8F10-AAEF-7EC1225AEF2B}"/>
+              </a:ext>
+            </a:extLst>
+          </p:cNvPr>
+          <p:cNvSpPr/>
+          <p:nvPr/>
+        </p:nvSpPr>
+        <p:spPr>
+          <a:xfrm>
+            <a:off x="4820548" y="2555964"/>
+            <a:ext cx="2711989" cy="766355"/>
+          </a:xfrm>
+          <a:prstGeom prst="rect">
+            <a:avLst/>
+          </a:prstGeom>
+          <a:solidFill>
+            <a:schemeClr val="tx1">
+              <a:lumMod val="95000"/>
+              <a:lumOff val="5000"/>
+            </a:schemeClr>
+          </a:solidFill>
+          <a:ln>
+            <a:noFill/>
+          </a:ln>
+        </p:spPr>
+        <p:style>
+          <a:lnRef idx="2">
+            <a:schemeClr val="accent1">
+              <a:shade val="15000"/>
+            </a:schemeClr>
+          </a:lnRef>
+          <a:fillRef idx="1">
+            <a:schemeClr val="accent1"/>
+          </a:fillRef>
+          <a:effectRef idx="0">
+            <a:schemeClr val="accent1"/>
+          </a:effectRef>
+          <a:fontRef idx="minor">
+            <a:schemeClr val="lt1"/>
+          </a:fontRef>
+        </p:style>
+        <p:txBody>
+          <a:bodyPr rtlCol="0" anchor="ctr"/>
+          <a:lstStyle/>
+          <a:p>
+            <a:r>
+              <a:rPr lang="sv-SE" sz="2000" b="1" dirty="0" err="1">
+                <a:solidFill>
+                  <a:schemeClr val="accent1">
+                    <a:lumMod val="60000"/>
+                    <a:lumOff val="40000"/>
+                  </a:schemeClr>
+                </a:solidFill>
+                <a:latin typeface="Consolas" panose="020B0609020204030204" pitchFamily="49" charset="0"/>
+                <a:cs typeface="Consolas" panose="020B0609020204030204" pitchFamily="49" charset="0"/>
+              </a:rPr>
+              <a:t>Unique</a:t>
+            </a:r>
+            <a:r>
+              <a:rPr lang="sv-SE" sz="2000" b="1" dirty="0">
+                <a:solidFill>
+                  <a:schemeClr val="accent1">
+                    <a:lumMod val="60000"/>
+                    <a:lumOff val="40000"/>
+                  </a:schemeClr>
+                </a:solidFill>
+                <a:latin typeface="Consolas" panose="020B0609020204030204" pitchFamily="49" charset="0"/>
+                <a:cs typeface="Consolas" panose="020B0609020204030204" pitchFamily="49" charset="0"/>
+              </a:rPr>
+              <a:t> fingerprint</a:t>
+            </a:r>
+          </a:p>
+          <a:p>
+            <a:r>
+              <a:rPr lang="sv-SE" sz="2000" b="1" dirty="0">
+                <a:latin typeface="Consolas" panose="020B0609020204030204" pitchFamily="49" charset="0"/>
+                <a:cs typeface="Consolas" panose="020B0609020204030204" pitchFamily="49" charset="0"/>
+              </a:rPr>
+              <a:t>#E325FA93</a:t>
+            </a:r>
+          </a:p>
+        </p:txBody>
+      </p:sp>
+    </p:spTree>
+    <p:extLst>
+      <p:ext uri="{BB962C8B-B14F-4D97-AF65-F5344CB8AC3E}">
+        <p14:creationId xmlns:p14="http://schemas.microsoft.com/office/powerpoint/2010/main" val="306205958"/>
+      </p:ext>
+    </p:extLst>
+  </p:cSld>
+  <p:clrMapOvr>
+    <a:masterClrMapping/>
+  </p:clrMapOvr>
+</p:sld>
+</file>
+
 <file path=ppt/theme/theme1.xml><?xml version="1.0" encoding="utf-8"?>
 <a:theme xmlns:a="http://schemas.openxmlformats.org/drawingml/2006/main" name="Office-tema">
   <a:themeElements>
